--- a/old/apcsa_11_1.pptx
+++ b/old/apcsa_11_1.pptx
@@ -13,16 +13,6 @@
     <p:sldId id="258" r:id="rId10"/>
     <p:sldId id="259" r:id="rId11"/>
     <p:sldId id="260" r:id="rId12"/>
-    <p:sldId id="261" r:id="rId13"/>
-    <p:sldId id="262" r:id="rId14"/>
-    <p:sldId id="263" r:id="rId15"/>
-    <p:sldId id="264" r:id="rId16"/>
-    <p:sldId id="265" r:id="rId17"/>
-    <p:sldId id="266" r:id="rId18"/>
-    <p:sldId id="267" r:id="rId19"/>
-    <p:sldId id="268" r:id="rId20"/>
-    <p:sldId id="269" r:id="rId21"/>
-    <p:sldId id="270" r:id="rId22"/>
   </p:sldIdLst>
   <p:sldSz cx="9144000" cy="5143500"/>
   <p:notesSz cx="6858000" cy="9144000"/>
@@ -80,7 +70,7 @@
         <a:latin typeface="+mj-lt"/>
         <a:ea typeface="+mj-ea"/>
         <a:cs typeface="+mj-cs"/>
-        <a:sym typeface="Helvetica"/>
+        <a:sym typeface="Arial"/>
       </a:defRPr>
     </a:lvl1pPr>
     <a:lvl2pPr marL="0" marR="0" indent="0" algn="l" defTabSz="914400" rtl="0" fontAlgn="auto" latinLnBrk="0" hangingPunct="0">
@@ -110,7 +100,7 @@
         <a:latin typeface="+mj-lt"/>
         <a:ea typeface="+mj-ea"/>
         <a:cs typeface="+mj-cs"/>
-        <a:sym typeface="Helvetica"/>
+        <a:sym typeface="Arial"/>
       </a:defRPr>
     </a:lvl2pPr>
     <a:lvl3pPr marL="0" marR="0" indent="0" algn="l" defTabSz="914400" rtl="0" fontAlgn="auto" latinLnBrk="0" hangingPunct="0">
@@ -140,7 +130,7 @@
         <a:latin typeface="+mj-lt"/>
         <a:ea typeface="+mj-ea"/>
         <a:cs typeface="+mj-cs"/>
-        <a:sym typeface="Helvetica"/>
+        <a:sym typeface="Arial"/>
       </a:defRPr>
     </a:lvl3pPr>
     <a:lvl4pPr marL="0" marR="0" indent="0" algn="l" defTabSz="914400" rtl="0" fontAlgn="auto" latinLnBrk="0" hangingPunct="0">
@@ -170,7 +160,7 @@
         <a:latin typeface="+mj-lt"/>
         <a:ea typeface="+mj-ea"/>
         <a:cs typeface="+mj-cs"/>
-        <a:sym typeface="Helvetica"/>
+        <a:sym typeface="Arial"/>
       </a:defRPr>
     </a:lvl4pPr>
     <a:lvl5pPr marL="0" marR="0" indent="0" algn="l" defTabSz="914400" rtl="0" fontAlgn="auto" latinLnBrk="0" hangingPunct="0">
@@ -200,7 +190,7 @@
         <a:latin typeface="+mj-lt"/>
         <a:ea typeface="+mj-ea"/>
         <a:cs typeface="+mj-cs"/>
-        <a:sym typeface="Helvetica"/>
+        <a:sym typeface="Arial"/>
       </a:defRPr>
     </a:lvl5pPr>
     <a:lvl6pPr marL="0" marR="0" indent="0" algn="l" defTabSz="914400" rtl="0" fontAlgn="auto" latinLnBrk="0" hangingPunct="0">
@@ -230,7 +220,7 @@
         <a:latin typeface="+mj-lt"/>
         <a:ea typeface="+mj-ea"/>
         <a:cs typeface="+mj-cs"/>
-        <a:sym typeface="Helvetica"/>
+        <a:sym typeface="Arial"/>
       </a:defRPr>
     </a:lvl6pPr>
     <a:lvl7pPr marL="0" marR="0" indent="0" algn="l" defTabSz="914400" rtl="0" fontAlgn="auto" latinLnBrk="0" hangingPunct="0">
@@ -260,7 +250,7 @@
         <a:latin typeface="+mj-lt"/>
         <a:ea typeface="+mj-ea"/>
         <a:cs typeface="+mj-cs"/>
-        <a:sym typeface="Helvetica"/>
+        <a:sym typeface="Arial"/>
       </a:defRPr>
     </a:lvl7pPr>
     <a:lvl8pPr marL="0" marR="0" indent="0" algn="l" defTabSz="914400" rtl="0" fontAlgn="auto" latinLnBrk="0" hangingPunct="0">
@@ -290,7 +280,7 @@
         <a:latin typeface="+mj-lt"/>
         <a:ea typeface="+mj-ea"/>
         <a:cs typeface="+mj-cs"/>
-        <a:sym typeface="Helvetica"/>
+        <a:sym typeface="Arial"/>
       </a:defRPr>
     </a:lvl8pPr>
     <a:lvl9pPr marL="0" marR="0" indent="0" algn="l" defTabSz="914400" rtl="0" fontAlgn="auto" latinLnBrk="0" hangingPunct="0">
@@ -320,7 +310,7 @@
         <a:latin typeface="+mj-lt"/>
         <a:ea typeface="+mj-ea"/>
         <a:cs typeface="+mj-cs"/>
-        <a:sym typeface="Helvetica"/>
+        <a:sym typeface="Arial"/>
       </a:defRPr>
     </a:lvl9pPr>
   </p:defaultTextStyle>
@@ -350,7 +340,7 @@
       </p:grpSpPr>
       <p:sp>
         <p:nvSpPr>
-          <p:cNvPr id="182" name="Shape 182"/>
+          <p:cNvPr id="197" name="Shape 197"/>
           <p:cNvSpPr/>
           <p:nvPr>
             <p:ph type="sldImg"/>
@@ -375,7 +365,7 @@
       </p:sp>
       <p:sp>
         <p:nvSpPr>
-          <p:cNvPr id="183" name="Shape 183"/>
+          <p:cNvPr id="198" name="Shape 198"/>
           <p:cNvSpPr/>
           <p:nvPr>
             <p:ph type="body" sz="quarter" idx="1"/>
@@ -404,73 +394,73 @@
   <p:notesStyle>
     <a:lvl1pPr latinLnBrk="0">
       <a:defRPr sz="1400">
-        <a:latin typeface="+mn-lt"/>
-        <a:ea typeface="+mn-ea"/>
-        <a:cs typeface="+mn-cs"/>
+        <a:latin typeface="+mj-lt"/>
+        <a:ea typeface="+mj-ea"/>
+        <a:cs typeface="+mj-cs"/>
         <a:sym typeface="Arial"/>
       </a:defRPr>
     </a:lvl1pPr>
     <a:lvl2pPr indent="228600" latinLnBrk="0">
       <a:defRPr sz="1400">
-        <a:latin typeface="+mn-lt"/>
-        <a:ea typeface="+mn-ea"/>
-        <a:cs typeface="+mn-cs"/>
+        <a:latin typeface="+mj-lt"/>
+        <a:ea typeface="+mj-ea"/>
+        <a:cs typeface="+mj-cs"/>
         <a:sym typeface="Arial"/>
       </a:defRPr>
     </a:lvl2pPr>
     <a:lvl3pPr indent="457200" latinLnBrk="0">
       <a:defRPr sz="1400">
-        <a:latin typeface="+mn-lt"/>
-        <a:ea typeface="+mn-ea"/>
-        <a:cs typeface="+mn-cs"/>
+        <a:latin typeface="+mj-lt"/>
+        <a:ea typeface="+mj-ea"/>
+        <a:cs typeface="+mj-cs"/>
         <a:sym typeface="Arial"/>
       </a:defRPr>
     </a:lvl3pPr>
     <a:lvl4pPr indent="685800" latinLnBrk="0">
       <a:defRPr sz="1400">
-        <a:latin typeface="+mn-lt"/>
-        <a:ea typeface="+mn-ea"/>
-        <a:cs typeface="+mn-cs"/>
+        <a:latin typeface="+mj-lt"/>
+        <a:ea typeface="+mj-ea"/>
+        <a:cs typeface="+mj-cs"/>
         <a:sym typeface="Arial"/>
       </a:defRPr>
     </a:lvl4pPr>
     <a:lvl5pPr indent="914400" latinLnBrk="0">
       <a:defRPr sz="1400">
-        <a:latin typeface="+mn-lt"/>
-        <a:ea typeface="+mn-ea"/>
-        <a:cs typeface="+mn-cs"/>
+        <a:latin typeface="+mj-lt"/>
+        <a:ea typeface="+mj-ea"/>
+        <a:cs typeface="+mj-cs"/>
         <a:sym typeface="Arial"/>
       </a:defRPr>
     </a:lvl5pPr>
     <a:lvl6pPr indent="1143000" latinLnBrk="0">
       <a:defRPr sz="1400">
-        <a:latin typeface="+mn-lt"/>
-        <a:ea typeface="+mn-ea"/>
-        <a:cs typeface="+mn-cs"/>
+        <a:latin typeface="+mj-lt"/>
+        <a:ea typeface="+mj-ea"/>
+        <a:cs typeface="+mj-cs"/>
         <a:sym typeface="Arial"/>
       </a:defRPr>
     </a:lvl6pPr>
     <a:lvl7pPr indent="1371600" latinLnBrk="0">
       <a:defRPr sz="1400">
-        <a:latin typeface="+mn-lt"/>
-        <a:ea typeface="+mn-ea"/>
-        <a:cs typeface="+mn-cs"/>
+        <a:latin typeface="+mj-lt"/>
+        <a:ea typeface="+mj-ea"/>
+        <a:cs typeface="+mj-cs"/>
         <a:sym typeface="Arial"/>
       </a:defRPr>
     </a:lvl7pPr>
     <a:lvl8pPr indent="1600200" latinLnBrk="0">
       <a:defRPr sz="1400">
-        <a:latin typeface="+mn-lt"/>
-        <a:ea typeface="+mn-ea"/>
-        <a:cs typeface="+mn-cs"/>
+        <a:latin typeface="+mj-lt"/>
+        <a:ea typeface="+mj-ea"/>
+        <a:cs typeface="+mj-cs"/>
         <a:sym typeface="Arial"/>
       </a:defRPr>
     </a:lvl8pPr>
     <a:lvl9pPr indent="1828800" latinLnBrk="0">
       <a:defRPr sz="1400">
-        <a:latin typeface="+mn-lt"/>
-        <a:ea typeface="+mn-ea"/>
-        <a:cs typeface="+mn-cs"/>
+        <a:latin typeface="+mj-lt"/>
+        <a:ea typeface="+mj-ea"/>
+        <a:cs typeface="+mj-cs"/>
         <a:sym typeface="Arial"/>
       </a:defRPr>
     </a:lvl9pPr>
@@ -497,7 +487,7 @@
       </p:grpSpPr>
       <p:sp>
         <p:nvSpPr>
-          <p:cNvPr id="187" name="Shape 187"/>
+          <p:cNvPr id="207" name="Shape 207"/>
           <p:cNvSpPr/>
           <p:nvPr>
             <p:ph type="sldImg"/>
@@ -518,7 +508,7 @@
       </p:sp>
       <p:sp>
         <p:nvSpPr>
-          <p:cNvPr id="188" name="Shape 188"/>
+          <p:cNvPr id="208" name="Shape 208"/>
           <p:cNvSpPr/>
           <p:nvPr>
             <p:ph type="body" sz="quarter" idx="1"/>
@@ -535,711 +525,25 @@
           <a:p>
             <a:pPr/>
             <a:r>
-              <a:t>VOCAB: </a:t>
-            </a:r>
-          </a:p>
-          <a:p>
-            <a:pPr/>
-            <a:r>
-              <a:t>nested loop</a:t>
-            </a:r>
-          </a:p>
-        </p:txBody>
-      </p:sp>
-    </p:spTree>
-  </p:cSld>
-  <p:clrMapOvr>
-    <a:masterClrMapping/>
-  </p:clrMapOvr>
-</p:notes>
-</file>
-
-<file path=ppt/notesSlides/notesSlide2.xml><?xml version="1.0" encoding="utf-8"?>
-<p:notes xmlns:a="http://schemas.openxmlformats.org/drawingml/2006/main" xmlns:r="http://schemas.openxmlformats.org/officeDocument/2006/relationships" xmlns:p="http://schemas.openxmlformats.org/presentationml/2006/main" xmlns:m="http://schemas.openxmlformats.org/officeDocument/2006/math" xmlns:a14="http://schemas.microsoft.com/office/drawing/2010/main" showMasterSp="1" showMasterPhAnim="1">
-  <p:cSld>
-    <p:spTree>
-      <p:nvGrpSpPr>
-        <p:cNvPr id="1" name=""/>
-        <p:cNvGrpSpPr/>
-        <p:nvPr/>
-      </p:nvGrpSpPr>
-      <p:grpSpPr>
-        <a:xfrm>
-          <a:off x="0" y="0"/>
-          <a:ext cx="0" cy="0"/>
-          <a:chOff x="0" y="0"/>
-          <a:chExt cx="0" cy="0"/>
-        </a:xfrm>
-      </p:grpSpPr>
-      <p:sp>
-        <p:nvSpPr>
-          <p:cNvPr id="195" name="Shape 195"/>
-          <p:cNvSpPr/>
-          <p:nvPr>
-            <p:ph type="sldImg"/>
-          </p:nvPr>
-        </p:nvSpPr>
-        <p:spPr>
-          <a:prstGeom prst="rect">
-            <a:avLst/>
-          </a:prstGeom>
-        </p:spPr>
-        <p:txBody>
-          <a:bodyPr/>
-          <a:lstStyle/>
-          <a:p>
-            <a:pPr/>
-          </a:p>
-        </p:txBody>
-      </p:sp>
-      <p:sp>
-        <p:nvSpPr>
-          <p:cNvPr id="196" name="Shape 196"/>
-          <p:cNvSpPr/>
-          <p:nvPr>
-            <p:ph type="body" sz="quarter" idx="1"/>
-          </p:nvPr>
-        </p:nvSpPr>
-        <p:spPr>
-          <a:prstGeom prst="rect">
-            <a:avLst/>
-          </a:prstGeom>
-        </p:spPr>
-        <p:txBody>
-          <a:bodyPr/>
-          <a:lstStyle/>
-          <a:p>
-            <a:pPr/>
-            <a:r>
-              <a:t>DRAW TABLE BEFORE CLASS.</a:t>
-            </a:r>
-          </a:p>
-          <a:p>
-            <a:pPr marL="187157" indent="-187157">
-              <a:buSzPct val="100000"/>
-              <a:buAutoNum type="arabicPeriod" startAt="1"/>
-            </a:pPr>
-            <a:r>
-              <a:t>The first row increments by 1, the second row by 2, and so on.  The first column increments by 1, and so on.</a:t>
-            </a:r>
-          </a:p>
-          <a:p>
-            <a:pPr marL="187157" indent="-187157">
-              <a:buSzPct val="100000"/>
-              <a:buAutoNum type="arabicPeriod" startAt="1"/>
-            </a:pPr>
-            <a:r>
-              <a:t>The “brute force solution” involves making a separate for loop for each row, changing the initial state of the counter, the increment and so on.  But we can also observe that this table is equivalent to…</a:t>
-            </a:r>
-            <a:br/>
-            <a:r>
-              <a:t>(1 2 3 4 5) X 1</a:t>
-            </a:r>
-            <a:br/>
-            <a:r>
-              <a:t>(1 2 3 4 5) X 2</a:t>
-            </a:r>
-            <a:br/>
-            <a:r>
-              <a:t>(1 2 3 4 5) X 3</a:t>
-            </a:r>
-            <a:br/>
-            <a:r>
-              <a:t>(1 2 3 4 5) X 4</a:t>
-            </a:r>
-            <a:br/>
-            <a:r>
-              <a:t>(1 2 3 4 5) X 5</a:t>
-            </a:r>
-            <a:br/>
-            <a:r>
-              <a:t>Believe it or not, this actually suggests a much simpler way to solve our problem.</a:t>
-            </a:r>
-          </a:p>
-          <a:p>
-            <a:pPr/>
-          </a:p>
-        </p:txBody>
-      </p:sp>
-    </p:spTree>
-  </p:cSld>
-  <p:clrMapOvr>
-    <a:masterClrMapping/>
-  </p:clrMapOvr>
-</p:notes>
-</file>
-
-<file path=ppt/notesSlides/notesSlide3.xml><?xml version="1.0" encoding="utf-8"?>
-<p:notes xmlns:a="http://schemas.openxmlformats.org/drawingml/2006/main" xmlns:r="http://schemas.openxmlformats.org/officeDocument/2006/relationships" xmlns:p="http://schemas.openxmlformats.org/presentationml/2006/main" xmlns:m="http://schemas.openxmlformats.org/officeDocument/2006/math" xmlns:a14="http://schemas.microsoft.com/office/drawing/2010/main" showMasterSp="1" showMasterPhAnim="1">
-  <p:cSld>
-    <p:spTree>
-      <p:nvGrpSpPr>
-        <p:cNvPr id="1" name=""/>
-        <p:cNvGrpSpPr/>
-        <p:nvPr/>
-      </p:nvGrpSpPr>
-      <p:grpSpPr>
-        <a:xfrm>
-          <a:off x="0" y="0"/>
-          <a:ext cx="0" cy="0"/>
-          <a:chOff x="0" y="0"/>
-          <a:chExt cx="0" cy="0"/>
-        </a:xfrm>
-      </p:grpSpPr>
-      <p:sp>
-        <p:nvSpPr>
-          <p:cNvPr id="205" name="Shape 205"/>
-          <p:cNvSpPr/>
-          <p:nvPr>
-            <p:ph type="sldImg"/>
-          </p:nvPr>
-        </p:nvSpPr>
-        <p:spPr>
-          <a:prstGeom prst="rect">
-            <a:avLst/>
-          </a:prstGeom>
-        </p:spPr>
-        <p:txBody>
-          <a:bodyPr/>
-          <a:lstStyle/>
-          <a:p>
-            <a:pPr/>
-          </a:p>
-        </p:txBody>
-      </p:sp>
-      <p:sp>
-        <p:nvSpPr>
-          <p:cNvPr id="206" name="Shape 206"/>
-          <p:cNvSpPr/>
-          <p:nvPr>
-            <p:ph type="body" sz="quarter" idx="1"/>
-          </p:nvPr>
-        </p:nvSpPr>
-        <p:spPr>
-          <a:prstGeom prst="rect">
-            <a:avLst/>
-          </a:prstGeom>
-        </p:spPr>
-        <p:txBody>
-          <a:bodyPr/>
-          <a:lstStyle/>
-          <a:p>
-            <a:pPr/>
-            <a:r>
-              <a:t>+Why do you think it’s called nesting? because one is placed inside of the other?</a:t>
-            </a:r>
-          </a:p>
-        </p:txBody>
-      </p:sp>
-    </p:spTree>
-  </p:cSld>
-  <p:clrMapOvr>
-    <a:masterClrMapping/>
-  </p:clrMapOvr>
-</p:notes>
-</file>
-
-<file path=ppt/notesSlides/notesSlide4.xml><?xml version="1.0" encoding="utf-8"?>
-<p:notes xmlns:a="http://schemas.openxmlformats.org/drawingml/2006/main" xmlns:r="http://schemas.openxmlformats.org/officeDocument/2006/relationships" xmlns:p="http://schemas.openxmlformats.org/presentationml/2006/main" xmlns:m="http://schemas.openxmlformats.org/officeDocument/2006/math" xmlns:a14="http://schemas.microsoft.com/office/drawing/2010/main" showMasterSp="1" showMasterPhAnim="1">
-  <p:cSld>
-    <p:spTree>
-      <p:nvGrpSpPr>
-        <p:cNvPr id="1" name=""/>
-        <p:cNvGrpSpPr/>
-        <p:nvPr/>
-      </p:nvGrpSpPr>
-      <p:grpSpPr>
-        <a:xfrm>
-          <a:off x="0" y="0"/>
-          <a:ext cx="0" cy="0"/>
-          <a:chOff x="0" y="0"/>
-          <a:chExt cx="0" cy="0"/>
-        </a:xfrm>
-      </p:grpSpPr>
-      <p:sp>
-        <p:nvSpPr>
-          <p:cNvPr id="225" name="Shape 225"/>
-          <p:cNvSpPr/>
-          <p:nvPr>
-            <p:ph type="sldImg"/>
-          </p:nvPr>
-        </p:nvSpPr>
-        <p:spPr>
-          <a:prstGeom prst="rect">
-            <a:avLst/>
-          </a:prstGeom>
-        </p:spPr>
-        <p:txBody>
-          <a:bodyPr/>
-          <a:lstStyle/>
-          <a:p>
-            <a:pPr/>
-          </a:p>
-        </p:txBody>
-      </p:sp>
-      <p:sp>
-        <p:nvSpPr>
-          <p:cNvPr id="226" name="Shape 226"/>
-          <p:cNvSpPr/>
-          <p:nvPr>
-            <p:ph type="body" sz="quarter" idx="1"/>
-          </p:nvPr>
-        </p:nvSpPr>
-        <p:spPr>
-          <a:prstGeom prst="rect">
-            <a:avLst/>
-          </a:prstGeom>
-        </p:spPr>
-        <p:txBody>
-          <a:bodyPr/>
-          <a:lstStyle/>
-          <a:p>
-            <a:pPr/>
-            <a:r>
-              <a:t>execution count: 1 + 1 + n + 1 = 3 + n; = 13</a:t>
-            </a:r>
-          </a:p>
-        </p:txBody>
-      </p:sp>
-    </p:spTree>
-  </p:cSld>
-  <p:clrMapOvr>
-    <a:masterClrMapping/>
-  </p:clrMapOvr>
-</p:notes>
-</file>
-
-<file path=ppt/notesSlides/notesSlide5.xml><?xml version="1.0" encoding="utf-8"?>
-<p:notes xmlns:a="http://schemas.openxmlformats.org/drawingml/2006/main" xmlns:r="http://schemas.openxmlformats.org/officeDocument/2006/relationships" xmlns:p="http://schemas.openxmlformats.org/presentationml/2006/main" xmlns:m="http://schemas.openxmlformats.org/officeDocument/2006/math" xmlns:a14="http://schemas.microsoft.com/office/drawing/2010/main" showMasterSp="1" showMasterPhAnim="1">
-  <p:cSld>
-    <p:spTree>
-      <p:nvGrpSpPr>
-        <p:cNvPr id="1" name=""/>
-        <p:cNvGrpSpPr/>
-        <p:nvPr/>
-      </p:nvGrpSpPr>
-      <p:grpSpPr>
-        <a:xfrm>
-          <a:off x="0" y="0"/>
-          <a:ext cx="0" cy="0"/>
-          <a:chOff x="0" y="0"/>
-          <a:chExt cx="0" cy="0"/>
-        </a:xfrm>
-      </p:grpSpPr>
-      <p:sp>
-        <p:nvSpPr>
-          <p:cNvPr id="235" name="Shape 235"/>
-          <p:cNvSpPr/>
-          <p:nvPr>
-            <p:ph type="sldImg"/>
-          </p:nvPr>
-        </p:nvSpPr>
-        <p:spPr>
-          <a:prstGeom prst="rect">
-            <a:avLst/>
-          </a:prstGeom>
-        </p:spPr>
-        <p:txBody>
-          <a:bodyPr/>
-          <a:lstStyle/>
-          <a:p>
-            <a:pPr/>
-          </a:p>
-        </p:txBody>
-      </p:sp>
-      <p:sp>
-        <p:nvSpPr>
-          <p:cNvPr id="236" name="Shape 236"/>
-          <p:cNvSpPr/>
-          <p:nvPr>
-            <p:ph type="body" sz="quarter" idx="1"/>
-          </p:nvPr>
-        </p:nvSpPr>
-        <p:spPr>
-          <a:prstGeom prst="rect">
-            <a:avLst/>
-          </a:prstGeom>
-        </p:spPr>
-        <p:txBody>
-          <a:bodyPr/>
-          <a:lstStyle/>
-          <a:p>
-            <a:pPr marL="228600" indent="-228600">
-              <a:buSzPct val="100000"/>
-              <a:buAutoNum type="arabicPeriod" startAt="1"/>
-            </a:pPr>
-            <a:r>
-              <a:t>Make a table of numbers with five columns where the numbers in each row are a multiple of the top row.</a:t>
-            </a:r>
-          </a:p>
-          <a:p>
-            <a:pPr marL="228600" indent="-228600">
-              <a:buSzPct val="100000"/>
-              <a:buAutoNum type="arabicPeriod" startAt="1"/>
-            </a:pPr>
-            <a:r>
-              <a:t>Make a string and add 1 + 2. + 3 +4 +5. A loop could be useful with this.</a:t>
-            </a:r>
-          </a:p>
-          <a:p>
-            <a:pPr marL="228600" indent="-228600">
-              <a:buSzPct val="100000"/>
-              <a:buAutoNum type="arabicPeriod" startAt="1"/>
-            </a:pPr>
-            <a:r>
-              <a:t>Multiple each number by 2.  </a:t>
-            </a:r>
-          </a:p>
-          <a:p>
-            <a:pPr/>
-          </a:p>
-          <a:p>
-            <a:pPr/>
-            <a:r>
-              <a:t>for each number i in 1-5:</a:t>
-            </a:r>
-          </a:p>
-          <a:p>
-            <a:pPr/>
-            <a:r>
-              <a:t>	for each number j in 1-5:</a:t>
-            </a:r>
-          </a:p>
-          <a:p>
-            <a:pPr/>
-            <a:r>
-              <a:t>		add i*j to column</a:t>
-            </a:r>
-          </a:p>
-          <a:p>
-            <a:pPr/>
-          </a:p>
-          <a:p>
-            <a:pPr/>
-          </a:p>
-          <a:p>
-            <a:pPr/>
-            <a:r>
-              <a:t>	</a:t>
-            </a:r>
-          </a:p>
-        </p:txBody>
-      </p:sp>
-    </p:spTree>
-  </p:cSld>
-  <p:clrMapOvr>
-    <a:masterClrMapping/>
-  </p:clrMapOvr>
-</p:notes>
-</file>
-
-<file path=ppt/notesSlides/notesSlide6.xml><?xml version="1.0" encoding="utf-8"?>
-<p:notes xmlns:a="http://schemas.openxmlformats.org/drawingml/2006/main" xmlns:r="http://schemas.openxmlformats.org/officeDocument/2006/relationships" xmlns:p="http://schemas.openxmlformats.org/presentationml/2006/main" xmlns:m="http://schemas.openxmlformats.org/officeDocument/2006/math" xmlns:a14="http://schemas.microsoft.com/office/drawing/2010/main" showMasterSp="1" showMasterPhAnim="1">
-  <p:cSld>
-    <p:spTree>
-      <p:nvGrpSpPr>
-        <p:cNvPr id="1" name=""/>
-        <p:cNvGrpSpPr/>
-        <p:nvPr/>
-      </p:nvGrpSpPr>
-      <p:grpSpPr>
-        <a:xfrm>
-          <a:off x="0" y="0"/>
-          <a:ext cx="0" cy="0"/>
-          <a:chOff x="0" y="0"/>
-          <a:chExt cx="0" cy="0"/>
-        </a:xfrm>
-      </p:grpSpPr>
-      <p:sp>
-        <p:nvSpPr>
-          <p:cNvPr id="247" name="Shape 247"/>
-          <p:cNvSpPr/>
-          <p:nvPr>
-            <p:ph type="sldImg"/>
-          </p:nvPr>
-        </p:nvSpPr>
-        <p:spPr>
-          <a:prstGeom prst="rect">
-            <a:avLst/>
-          </a:prstGeom>
-        </p:spPr>
-        <p:txBody>
-          <a:bodyPr/>
-          <a:lstStyle/>
-          <a:p>
-            <a:pPr/>
-          </a:p>
-        </p:txBody>
-      </p:sp>
-      <p:sp>
-        <p:nvSpPr>
-          <p:cNvPr id="248" name="Shape 248"/>
-          <p:cNvSpPr/>
-          <p:nvPr>
-            <p:ph type="body" sz="quarter" idx="1"/>
-          </p:nvPr>
-        </p:nvSpPr>
-        <p:spPr>
-          <a:prstGeom prst="rect">
-            <a:avLst/>
-          </a:prstGeom>
-        </p:spPr>
-        <p:txBody>
-          <a:bodyPr/>
-          <a:lstStyle/>
-          <a:p>
-            <a:pPr/>
-            <a:r>
-              <a:t>copy notes in bubble</a:t>
-            </a:r>
-          </a:p>
-        </p:txBody>
-      </p:sp>
-    </p:spTree>
-  </p:cSld>
-  <p:clrMapOvr>
-    <a:masterClrMapping/>
-  </p:clrMapOvr>
-</p:notes>
-</file>
-
-<file path=ppt/notesSlides/notesSlide7.xml><?xml version="1.0" encoding="utf-8"?>
-<p:notes xmlns:a="http://schemas.openxmlformats.org/drawingml/2006/main" xmlns:r="http://schemas.openxmlformats.org/officeDocument/2006/relationships" xmlns:p="http://schemas.openxmlformats.org/presentationml/2006/main" xmlns:m="http://schemas.openxmlformats.org/officeDocument/2006/math" xmlns:a14="http://schemas.microsoft.com/office/drawing/2010/main" showMasterSp="1" showMasterPhAnim="1">
-  <p:cSld>
-    <p:spTree>
-      <p:nvGrpSpPr>
-        <p:cNvPr id="1" name=""/>
-        <p:cNvGrpSpPr/>
-        <p:nvPr/>
-      </p:nvGrpSpPr>
-      <p:grpSpPr>
-        <a:xfrm>
-          <a:off x="0" y="0"/>
-          <a:ext cx="0" cy="0"/>
-          <a:chOff x="0" y="0"/>
-          <a:chExt cx="0" cy="0"/>
-        </a:xfrm>
-      </p:grpSpPr>
-      <p:sp>
-        <p:nvSpPr>
-          <p:cNvPr id="257" name="Shape 257"/>
-          <p:cNvSpPr/>
-          <p:nvPr>
-            <p:ph type="sldImg"/>
-          </p:nvPr>
-        </p:nvSpPr>
-        <p:spPr>
-          <a:prstGeom prst="rect">
-            <a:avLst/>
-          </a:prstGeom>
-        </p:spPr>
-        <p:txBody>
-          <a:bodyPr/>
-          <a:lstStyle/>
-          <a:p>
-            <a:pPr/>
-          </a:p>
-        </p:txBody>
-      </p:sp>
-      <p:sp>
-        <p:nvSpPr>
-          <p:cNvPr id="258" name="Shape 258"/>
-          <p:cNvSpPr/>
-          <p:nvPr>
-            <p:ph type="body" sz="quarter" idx="1"/>
-          </p:nvPr>
-        </p:nvSpPr>
-        <p:spPr>
-          <a:prstGeom prst="rect">
-            <a:avLst/>
-          </a:prstGeom>
-        </p:spPr>
-        <p:txBody>
-          <a:bodyPr/>
-          <a:lstStyle/>
-          <a:p>
-            <a:pPr/>
-            <a:r>
-              <a:t>50 25 12 6 3 1 = 6</a:t>
-            </a:r>
-          </a:p>
-        </p:txBody>
-      </p:sp>
-    </p:spTree>
-  </p:cSld>
-  <p:clrMapOvr>
-    <a:masterClrMapping/>
-  </p:clrMapOvr>
-</p:notes>
-</file>
-
-<file path=ppt/notesSlides/notesSlide8.xml><?xml version="1.0" encoding="utf-8"?>
-<p:notes xmlns:a="http://schemas.openxmlformats.org/drawingml/2006/main" xmlns:r="http://schemas.openxmlformats.org/officeDocument/2006/relationships" xmlns:p="http://schemas.openxmlformats.org/presentationml/2006/main" xmlns:m="http://schemas.openxmlformats.org/officeDocument/2006/math" xmlns:a14="http://schemas.microsoft.com/office/drawing/2010/main" showMasterSp="1" showMasterPhAnim="1">
-  <p:cSld>
-    <p:spTree>
-      <p:nvGrpSpPr>
-        <p:cNvPr id="1" name=""/>
-        <p:cNvGrpSpPr/>
-        <p:nvPr/>
-      </p:nvGrpSpPr>
-      <p:grpSpPr>
-        <a:xfrm>
-          <a:off x="0" y="0"/>
-          <a:ext cx="0" cy="0"/>
-          <a:chOff x="0" y="0"/>
-          <a:chExt cx="0" cy="0"/>
-        </a:xfrm>
-      </p:grpSpPr>
-      <p:sp>
-        <p:nvSpPr>
-          <p:cNvPr id="302" name="Shape 302"/>
-          <p:cNvSpPr/>
-          <p:nvPr>
-            <p:ph type="sldImg"/>
-          </p:nvPr>
-        </p:nvSpPr>
-        <p:spPr>
-          <a:prstGeom prst="rect">
-            <a:avLst/>
-          </a:prstGeom>
-        </p:spPr>
-        <p:txBody>
-          <a:bodyPr/>
-          <a:lstStyle/>
-          <a:p>
-            <a:pPr/>
-          </a:p>
-        </p:txBody>
-      </p:sp>
-      <p:sp>
-        <p:nvSpPr>
-          <p:cNvPr id="303" name="Shape 303"/>
-          <p:cNvSpPr/>
-          <p:nvPr>
-            <p:ph type="body" sz="quarter" idx="1"/>
-          </p:nvPr>
-        </p:nvSpPr>
-        <p:spPr>
-          <a:prstGeom prst="rect">
-            <a:avLst/>
-          </a:prstGeom>
-        </p:spPr>
-        <p:txBody>
-          <a:bodyPr/>
-          <a:lstStyle/>
-          <a:p>
-            <a:pPr/>
-          </a:p>
-          <a:p>
-            <a:pPr/>
-            <a:r>
-              <a:t>BE SURE TO WRITE OUT A PLAN</a:t>
-            </a:r>
-          </a:p>
-          <a:p>
-            <a:pPr/>
-            <a:r>
-              <a:t>+How could you use .indexOf() to solve the password checker assignment? You could make a string containing all lower case letters.  and all digits 0-9. then you could check if a given character is in them because if not you’ll return -1.</a:t>
-            </a:r>
-          </a:p>
-          <a:p>
-            <a:pPr/>
-            <a:r>
-              <a:t>+</a:t>
-            </a:r>
-          </a:p>
-          <a:p>
-            <a:pPr/>
-            <a:r>
-              <a:t>+How is fixing grammar similar to the ‘remove’ method we discussed in the mini-lesson? It’s similar in that we want to make a new string with the corrected form of the input string.</a:t>
-            </a:r>
-          </a:p>
-          <a:p>
-            <a:pPr/>
-          </a:p>
-          <a:p>
-            <a:pPr/>
-          </a:p>
-        </p:txBody>
-      </p:sp>
-    </p:spTree>
-  </p:cSld>
-  <p:clrMapOvr>
-    <a:masterClrMapping/>
-  </p:clrMapOvr>
-</p:notes>
-</file>
-
-<file path=ppt/notesSlides/notesSlide9.xml><?xml version="1.0" encoding="utf-8"?>
-<p:notes xmlns:a="http://schemas.openxmlformats.org/drawingml/2006/main" xmlns:r="http://schemas.openxmlformats.org/officeDocument/2006/relationships" xmlns:p="http://schemas.openxmlformats.org/presentationml/2006/main" xmlns:m="http://schemas.openxmlformats.org/officeDocument/2006/math" xmlns:a14="http://schemas.microsoft.com/office/drawing/2010/main" showMasterSp="1" showMasterPhAnim="1">
-  <p:cSld>
-    <p:spTree>
-      <p:nvGrpSpPr>
-        <p:cNvPr id="1" name=""/>
-        <p:cNvGrpSpPr/>
-        <p:nvPr/>
-      </p:nvGrpSpPr>
-      <p:grpSpPr>
-        <a:xfrm>
-          <a:off x="0" y="0"/>
-          <a:ext cx="0" cy="0"/>
-          <a:chOff x="0" y="0"/>
-          <a:chExt cx="0" cy="0"/>
-        </a:xfrm>
-      </p:grpSpPr>
-      <p:sp>
-        <p:nvSpPr>
-          <p:cNvPr id="308" name="Shape 308"/>
-          <p:cNvSpPr/>
-          <p:nvPr>
-            <p:ph type="sldImg"/>
-          </p:nvPr>
-        </p:nvSpPr>
-        <p:spPr>
-          <a:prstGeom prst="rect">
-            <a:avLst/>
-          </a:prstGeom>
-        </p:spPr>
-        <p:txBody>
-          <a:bodyPr/>
-          <a:lstStyle/>
-          <a:p>
-            <a:pPr/>
-          </a:p>
-        </p:txBody>
-      </p:sp>
-      <p:sp>
-        <p:nvSpPr>
-          <p:cNvPr id="309" name="Shape 309"/>
-          <p:cNvSpPr/>
-          <p:nvPr>
-            <p:ph type="body" sz="quarter" idx="1"/>
-          </p:nvPr>
-        </p:nvSpPr>
-        <p:spPr>
-          <a:prstGeom prst="rect">
-            <a:avLst/>
-          </a:prstGeom>
-        </p:spPr>
-        <p:txBody>
-          <a:bodyPr/>
-          <a:lstStyle/>
-          <a:p>
-            <a:pPr marL="233947" indent="-233947">
-              <a:buSzPct val="100000"/>
-              <a:buAutoNum type="arabicPeriod" startAt="1"/>
-            </a:pPr>
-            <a:r>
-              <a:t>How many times does the for loop iterate? How many times does the while loop iterate? Why are they different? </a:t>
-            </a:r>
-          </a:p>
-          <a:p>
-            <a:pPr marL="233947" indent="-233947">
-              <a:buSzPct val="100000"/>
-              <a:buAutoNum type="arabicPeriod" startAt="1"/>
-            </a:pPr>
-            <a:r>
-              <a:t>The for loop will iterate 5 times. The while loop will iterate 6 times. The while loop will iterate one more time because the inequality &lt;= is used instead of &lt;. The while loop will run when the variable = 5 whereas the for loop will not.</a:t>
+              <a:t>5! = 5*4*3*2*1 = 120</a:t>
+            </a:r>
+          </a:p>
+          <a:p>
+            <a:pPr/>
+          </a:p>
+          <a:p>
+            <a:pPr/>
+            <a:r>
+              <a:t>num combinations:</a:t>
+            </a:r>
+          </a:p>
+          <a:p>
+            <a:pPr/>
+          </a:p>
+          <a:p>
+            <a:pPr/>
+            <a:r>
+              <a:t>4! / 3!(4-3)! = 4! / 3!*1! = 4! / 3! = 4*3*2*1 / 3*2*1 = 4</a:t>
             </a:r>
           </a:p>
         </p:txBody>
@@ -1370,7 +674,7 @@
         <p:spPr>
           <a:xfrm>
             <a:off x="425197" y="415650"/>
-            <a:ext cx="183302" cy="1"/>
+            <a:ext cx="183304" cy="1"/>
           </a:xfrm>
           <a:prstGeom prst="line">
             <a:avLst/>
@@ -1449,7 +753,7 @@
         <p:txBody>
           <a:bodyPr anchor="b"/>
           <a:lstStyle>
-            <a:lvl1pPr marL="228600" indent="-114300" algn="l">
+            <a:lvl1pPr marL="0" indent="114300" algn="l">
               <a:lnSpc>
                 <a:spcPct val="100000"/>
               </a:lnSpc>
@@ -1463,7 +767,7 @@
                 </a:solidFill>
               </a:defRPr>
             </a:lvl1pPr>
-            <a:lvl2pPr marL="228600" indent="114300" algn="l">
+            <a:lvl2pPr marL="0" indent="114300" algn="l">
               <a:lnSpc>
                 <a:spcPct val="100000"/>
               </a:lnSpc>
@@ -1477,7 +781,7 @@
                 </a:solidFill>
               </a:defRPr>
             </a:lvl2pPr>
-            <a:lvl3pPr marL="228600" indent="114300" algn="l">
+            <a:lvl3pPr marL="0" indent="114300" algn="l">
               <a:lnSpc>
                 <a:spcPct val="100000"/>
               </a:lnSpc>
@@ -1491,7 +795,7 @@
                 </a:solidFill>
               </a:defRPr>
             </a:lvl3pPr>
-            <a:lvl4pPr marL="228600" indent="114300" algn="l">
+            <a:lvl4pPr marL="0" indent="114300" algn="l">
               <a:lnSpc>
                 <a:spcPct val="100000"/>
               </a:lnSpc>
@@ -1505,7 +809,7 @@
                 </a:solidFill>
               </a:defRPr>
             </a:lvl4pPr>
-            <a:lvl5pPr marL="228600" indent="114300" algn="l">
+            <a:lvl5pPr marL="0" indent="114300" algn="l">
               <a:lnSpc>
                 <a:spcPct val="100000"/>
               </a:lnSpc>
@@ -1887,14 +1191,7 @@
           <a:bodyPr lIns="45718" tIns="45718" rIns="45718" bIns="45718"/>
           <a:lstStyle/>
           <a:p>
-            <a:pPr>
-              <a:defRPr>
-                <a:latin typeface="+mn-lt"/>
-                <a:ea typeface="+mn-ea"/>
-                <a:cs typeface="+mn-cs"/>
-                <a:sym typeface="Arial"/>
-              </a:defRPr>
-            </a:pPr>
+            <a:pPr/>
           </a:p>
         </p:txBody>
       </p:sp>
@@ -1922,14 +1219,7 @@
           <a:bodyPr lIns="45718" tIns="45718" rIns="45718" bIns="45718"/>
           <a:lstStyle/>
           <a:p>
-            <a:pPr>
-              <a:defRPr>
-                <a:latin typeface="+mn-lt"/>
-                <a:ea typeface="+mn-ea"/>
-                <a:cs typeface="+mn-cs"/>
-                <a:sym typeface="Arial"/>
-              </a:defRPr>
-            </a:pPr>
+            <a:pPr/>
           </a:p>
         </p:txBody>
       </p:sp>
@@ -1942,7 +1232,7 @@
         <p:spPr>
           <a:xfrm>
             <a:off x="425197" y="415650"/>
-            <a:ext cx="183303" cy="1"/>
+            <a:ext cx="183305" cy="1"/>
           </a:xfrm>
           <a:prstGeom prst="line">
             <a:avLst/>
@@ -1957,14 +1247,7 @@
           <a:bodyPr lIns="45718" tIns="45718" rIns="45718" bIns="45718"/>
           <a:lstStyle/>
           <a:p>
-            <a:pPr>
-              <a:defRPr>
-                <a:latin typeface="+mn-lt"/>
-                <a:ea typeface="+mn-ea"/>
-                <a:cs typeface="+mn-cs"/>
-                <a:sym typeface="Arial"/>
-              </a:defRPr>
-            </a:pPr>
+            <a:pPr/>
           </a:p>
         </p:txBody>
       </p:sp>
@@ -1986,7 +1269,7 @@
           </a:prstGeom>
         </p:spPr>
         <p:txBody>
-          <a:bodyPr lIns="91422" tIns="91422" rIns="91422" bIns="91422" anchor="t"/>
+          <a:bodyPr lIns="91421" tIns="91421" rIns="91421" bIns="91421" anchor="t"/>
           <a:lstStyle>
             <a:lvl1pPr algn="l">
               <a:defRPr sz="3000">
@@ -2019,17 +1302,17 @@
         <p:spPr>
           <a:xfrm>
             <a:off x="2410111" y="1595776"/>
-            <a:ext cx="6321603" cy="3002403"/>
+            <a:ext cx="6321603" cy="3002404"/>
           </a:xfrm>
           <a:prstGeom prst="rect">
             <a:avLst/>
           </a:prstGeom>
         </p:spPr>
         <p:txBody>
-          <a:bodyPr lIns="91422" tIns="91422" rIns="91422" bIns="91422"/>
+          <a:bodyPr lIns="91421" tIns="91421" rIns="91421" bIns="91421"/>
           <a:lstStyle>
             <a:lvl1pPr algn="l"/>
-            <a:lvl2pPr indent="-408213" algn="l"/>
+            <a:lvl2pPr algn="l"/>
             <a:lvl3pPr algn="l"/>
             <a:lvl4pPr algn="l"/>
             <a:lvl5pPr algn="l"/>
@@ -2075,7 +1358,7 @@
         <p:spPr>
           <a:xfrm>
             <a:off x="169150" y="4739999"/>
-            <a:ext cx="8552700" cy="398747"/>
+            <a:ext cx="8552700" cy="398743"/>
           </a:xfrm>
           <a:prstGeom prst="rect">
             <a:avLst/>
@@ -2090,7 +1373,7 @@
           </a:extLst>
         </p:spPr>
         <p:txBody>
-          <a:bodyPr lIns="91422" tIns="91422" rIns="91422" bIns="91422">
+          <a:bodyPr lIns="91421" tIns="91421" rIns="91421" bIns="91421">
             <a:spAutoFit/>
           </a:bodyPr>
           <a:lstStyle/>
@@ -2131,8 +1414,8 @@
         </p:nvSpPr>
         <p:spPr>
           <a:xfrm>
-            <a:off x="7263947" y="6563"/>
-            <a:ext cx="5621103" cy="398747"/>
+            <a:off x="7263947" y="6561"/>
+            <a:ext cx="5621105" cy="398743"/>
           </a:xfrm>
           <a:prstGeom prst="rect">
             <a:avLst/>
@@ -2147,7 +1430,7 @@
           </a:extLst>
         </p:spPr>
         <p:txBody>
-          <a:bodyPr lIns="91422" tIns="91422" rIns="91422" bIns="91422">
+          <a:bodyPr lIns="91421" tIns="91421" rIns="91421" bIns="91421">
             <a:spAutoFit/>
           </a:bodyPr>
           <a:lstStyle>
@@ -2181,15 +1464,15 @@
         </p:nvSpPr>
         <p:spPr>
           <a:xfrm>
-            <a:off x="8709890" y="4717936"/>
-            <a:ext cx="336809" cy="335247"/>
+            <a:off x="8709894" y="4717938"/>
+            <a:ext cx="336805" cy="335243"/>
           </a:xfrm>
           <a:prstGeom prst="rect">
             <a:avLst/>
           </a:prstGeom>
         </p:spPr>
         <p:txBody>
-          <a:bodyPr lIns="91422" tIns="91422" rIns="91422" bIns="91422"/>
+          <a:bodyPr lIns="91421" tIns="91421" rIns="91421" bIns="91421"/>
           <a:lstStyle/>
           <a:p>
             <a:pPr/>
@@ -2276,14 +1559,7 @@
           <a:bodyPr lIns="45718" tIns="45718" rIns="45718" bIns="45718"/>
           <a:lstStyle/>
           <a:p>
-            <a:pPr>
-              <a:defRPr>
-                <a:latin typeface="+mn-lt"/>
-                <a:ea typeface="+mn-ea"/>
-                <a:cs typeface="+mn-cs"/>
-                <a:sym typeface="Arial"/>
-              </a:defRPr>
-            </a:pPr>
+            <a:pPr/>
           </a:p>
         </p:txBody>
       </p:sp>
@@ -2311,14 +1587,7 @@
           <a:bodyPr lIns="45718" tIns="45718" rIns="45718" bIns="45718"/>
           <a:lstStyle/>
           <a:p>
-            <a:pPr>
-              <a:defRPr>
-                <a:latin typeface="+mn-lt"/>
-                <a:ea typeface="+mn-ea"/>
-                <a:cs typeface="+mn-cs"/>
-                <a:sym typeface="Arial"/>
-              </a:defRPr>
-            </a:pPr>
+            <a:pPr/>
           </a:p>
         </p:txBody>
       </p:sp>
@@ -2331,7 +1600,7 @@
         <p:spPr>
           <a:xfrm>
             <a:off x="425197" y="415650"/>
-            <a:ext cx="183304" cy="4"/>
+            <a:ext cx="183306" cy="6"/>
           </a:xfrm>
           <a:prstGeom prst="line">
             <a:avLst/>
@@ -2346,14 +1615,7 @@
           <a:bodyPr lIns="45718" tIns="45718" rIns="45718" bIns="45718"/>
           <a:lstStyle/>
           <a:p>
-            <a:pPr>
-              <a:defRPr>
-                <a:latin typeface="+mn-lt"/>
-                <a:ea typeface="+mn-ea"/>
-                <a:cs typeface="+mn-cs"/>
-                <a:sym typeface="Arial"/>
-              </a:defRPr>
-            </a:pPr>
+            <a:pPr/>
           </a:p>
         </p:txBody>
       </p:sp>
@@ -2418,7 +1680,7 @@
           <a:bodyPr lIns="91421" tIns="91421" rIns="91421" bIns="91421"/>
           <a:lstStyle>
             <a:lvl1pPr algn="l"/>
-            <a:lvl2pPr indent="-408213" algn="l"/>
+            <a:lvl2pPr algn="l"/>
             <a:lvl3pPr algn="l"/>
             <a:lvl4pPr algn="l"/>
             <a:lvl5pPr algn="l"/>
@@ -2482,7 +1744,16 @@
           <a:bodyPr wrap="none" lIns="0" tIns="0" rIns="0" bIns="0">
             <a:spAutoFit/>
           </a:bodyPr>
-          <a:lstStyle/>
+          <a:lstStyle>
+            <a:lvl1pPr>
+              <a:defRPr>
+                <a:latin typeface="+mn-lt"/>
+                <a:ea typeface="+mn-ea"/>
+                <a:cs typeface="+mn-cs"/>
+                <a:sym typeface="Helvetica"/>
+              </a:defRPr>
+            </a:lvl1pPr>
+          </a:lstStyle>
           <a:p>
             <a:pPr/>
             <a:r>
@@ -2501,8 +1772,8 @@
         </p:nvSpPr>
         <p:spPr>
           <a:xfrm>
-            <a:off x="8709893" y="4717937"/>
-            <a:ext cx="336807" cy="335245"/>
+            <a:off x="8709895" y="4717938"/>
+            <a:ext cx="336806" cy="335243"/>
           </a:xfrm>
           <a:prstGeom prst="rect">
             <a:avLst/>
@@ -2637,7 +1908,7 @@
         <p:spPr>
           <a:xfrm>
             <a:off x="425197" y="415650"/>
-            <a:ext cx="183302" cy="1"/>
+            <a:ext cx="183304" cy="1"/>
           </a:xfrm>
           <a:prstGeom prst="line">
             <a:avLst/>
@@ -2667,7 +1938,7 @@
         <p:spPr>
           <a:xfrm>
             <a:off x="2400250" y="575950"/>
-            <a:ext cx="6321601" cy="635402"/>
+            <a:ext cx="6321601" cy="635403"/>
           </a:xfrm>
           <a:prstGeom prst="rect">
             <a:avLst/>
@@ -2707,7 +1978,7 @@
         <p:spPr>
           <a:xfrm>
             <a:off x="2410111" y="1595776"/>
-            <a:ext cx="6321603" cy="3002402"/>
+            <a:ext cx="6321603" cy="3002404"/>
           </a:xfrm>
           <a:prstGeom prst="rect">
             <a:avLst/>
@@ -2762,8 +2033,8 @@
         </p:nvSpPr>
         <p:spPr>
           <a:xfrm>
-            <a:off x="159380" y="4629606"/>
-            <a:ext cx="8552701" cy="398749"/>
+            <a:off x="159379" y="4629606"/>
+            <a:ext cx="8552703" cy="398745"/>
           </a:xfrm>
           <a:prstGeom prst="rect">
             <a:avLst/>
@@ -2778,7 +2049,7 @@
           </a:extLst>
         </p:spPr>
         <p:txBody>
-          <a:bodyPr lIns="91423" tIns="91423" rIns="91423" bIns="91423">
+          <a:bodyPr lIns="91421" tIns="91421" rIns="91421" bIns="91421">
             <a:spAutoFit/>
           </a:bodyPr>
           <a:lstStyle/>
@@ -2799,17 +2070,10 @@
             </a:r>
             <a:r>
               <a:rPr b="0"/>
-              <a:t>AP CS A</a:t>
-            </a:r>
-            <a:r>
-              <a:rPr b="0"/>
-              <a:t> </a:t>
-            </a:r>
-            <a:r>
-              <a:t>g</a:t>
-            </a:r>
-            <a:r>
-              <a:t>oal: </a:t>
+              <a:t>AP CS A </a:t>
+            </a:r>
+            <a:r>
+              <a:t>goal: </a:t>
             </a:r>
             <a:r>
               <a:rPr b="0"/>
@@ -2826,8 +2090,8 @@
         </p:nvSpPr>
         <p:spPr>
           <a:xfrm>
-            <a:off x="7263947" y="6563"/>
-            <a:ext cx="5621102" cy="398748"/>
+            <a:off x="7263947" y="6562"/>
+            <a:ext cx="5621104" cy="398745"/>
           </a:xfrm>
           <a:prstGeom prst="rect">
             <a:avLst/>
@@ -2842,7 +2106,7 @@
           </a:extLst>
         </p:spPr>
         <p:txBody>
-          <a:bodyPr lIns="91423" tIns="91423" rIns="91423" bIns="91423">
+          <a:bodyPr lIns="91421" tIns="91421" rIns="91421" bIns="91421">
             <a:spAutoFit/>
           </a:bodyPr>
           <a:lstStyle>
@@ -2869,6 +2133,367 @@
       <p:sp>
         <p:nvSpPr>
           <p:cNvPr id="176" name="Slide Number"/>
+          <p:cNvSpPr txBox="1"/>
+          <p:nvPr>
+            <p:ph type="sldNum" sz="quarter" idx="2"/>
+          </p:nvPr>
+        </p:nvSpPr>
+        <p:spPr>
+          <a:prstGeom prst="rect">
+            <a:avLst/>
+          </a:prstGeom>
+        </p:spPr>
+        <p:txBody>
+          <a:bodyPr/>
+          <a:lstStyle/>
+          <a:p>
+            <a:pPr/>
+            <a:fld id="{86CB4B4D-7CA3-9044-876B-883B54F8677D}" type="slidenum"/>
+          </a:p>
+        </p:txBody>
+      </p:sp>
+    </p:spTree>
+  </p:cSld>
+  <p:clrMapOvr>
+    <a:masterClrMapping/>
+  </p:clrMapOvr>
+  <p:transition xmlns:p14="http://schemas.microsoft.com/office/powerpoint/2010/main" spd="med" advClick="1"/>
+</p:sldLayout>
+</file>
+
+<file path=ppt/slideLayouts/slideLayout15.xml><?xml version="1.0" encoding="utf-8"?>
+<p:sldLayout xmlns:a="http://schemas.openxmlformats.org/drawingml/2006/main" xmlns:r="http://schemas.openxmlformats.org/officeDocument/2006/relationships" xmlns:p="http://schemas.openxmlformats.org/presentationml/2006/main" xmlns:m="http://schemas.openxmlformats.org/officeDocument/2006/math" xmlns:a14="http://schemas.microsoft.com/office/drawing/2010/main" type="tx" showMasterSp="0" showMasterPhAnim="1">
+  <p:cSld name="TITLE_AND_BODY">
+    <p:spTree>
+      <p:nvGrpSpPr>
+        <p:cNvPr id="1" name=""/>
+        <p:cNvGrpSpPr/>
+        <p:nvPr/>
+      </p:nvGrpSpPr>
+      <p:grpSpPr>
+        <a:xfrm>
+          <a:off x="0" y="0"/>
+          <a:ext cx="0" cy="0"/>
+          <a:chOff x="0" y="0"/>
+          <a:chExt cx="0" cy="0"/>
+        </a:xfrm>
+      </p:grpSpPr>
+      <p:pic>
+        <p:nvPicPr>
+          <p:cNvPr id="183" name="Google Shape;9;p1" descr="Google Shape;9;p1"/>
+          <p:cNvPicPr>
+            <a:picLocks noChangeAspect="1"/>
+          </p:cNvPicPr>
+          <p:nvPr/>
+        </p:nvPicPr>
+        <p:blipFill>
+          <a:blip r:embed="rId2">
+            <a:extLst/>
+          </a:blip>
+          <a:stretch>
+            <a:fillRect/>
+          </a:stretch>
+        </p:blipFill>
+        <p:spPr>
+          <a:xfrm>
+            <a:off x="0" y="0"/>
+            <a:ext cx="1241700" cy="1241700"/>
+          </a:xfrm>
+          <a:prstGeom prst="rect">
+            <a:avLst/>
+          </a:prstGeom>
+          <a:ln w="12700">
+            <a:miter lim="400000"/>
+          </a:ln>
+        </p:spPr>
+      </p:pic>
+      <p:sp>
+        <p:nvSpPr>
+          <p:cNvPr id="184" name="Google Shape;24;p4"/>
+          <p:cNvSpPr/>
+          <p:nvPr/>
+        </p:nvSpPr>
+        <p:spPr>
+          <a:xfrm>
+            <a:off x="2477722" y="415650"/>
+            <a:ext cx="6244203" cy="1"/>
+          </a:xfrm>
+          <a:prstGeom prst="line">
+            <a:avLst/>
+          </a:prstGeom>
+          <a:ln w="38100">
+            <a:solidFill>
+              <a:srgbClr val="000000"/>
+            </a:solidFill>
+          </a:ln>
+        </p:spPr>
+        <p:txBody>
+          <a:bodyPr lIns="45718" tIns="45718" rIns="45718" bIns="45718"/>
+          <a:lstStyle/>
+          <a:p>
+            <a:pPr/>
+          </a:p>
+        </p:txBody>
+      </p:sp>
+      <p:sp>
+        <p:nvSpPr>
+          <p:cNvPr id="185" name="Google Shape;25;p4"/>
+          <p:cNvSpPr/>
+          <p:nvPr/>
+        </p:nvSpPr>
+        <p:spPr>
+          <a:xfrm>
+            <a:off x="2477722" y="4739999"/>
+            <a:ext cx="6244203" cy="1"/>
+          </a:xfrm>
+          <a:prstGeom prst="line">
+            <a:avLst/>
+          </a:prstGeom>
+          <a:ln w="19050">
+            <a:solidFill>
+              <a:srgbClr val="000000"/>
+            </a:solidFill>
+          </a:ln>
+        </p:spPr>
+        <p:txBody>
+          <a:bodyPr lIns="45718" tIns="45718" rIns="45718" bIns="45718"/>
+          <a:lstStyle/>
+          <a:p>
+            <a:pPr/>
+          </a:p>
+        </p:txBody>
+      </p:sp>
+      <p:sp>
+        <p:nvSpPr>
+          <p:cNvPr id="186" name="Google Shape;26;p4"/>
+          <p:cNvSpPr/>
+          <p:nvPr/>
+        </p:nvSpPr>
+        <p:spPr>
+          <a:xfrm>
+            <a:off x="425197" y="415650"/>
+            <a:ext cx="183304" cy="1"/>
+          </a:xfrm>
+          <a:prstGeom prst="line">
+            <a:avLst/>
+          </a:prstGeom>
+          <a:ln w="19050">
+            <a:solidFill>
+              <a:srgbClr val="000000"/>
+            </a:solidFill>
+          </a:ln>
+        </p:spPr>
+        <p:txBody>
+          <a:bodyPr lIns="45718" tIns="45718" rIns="45718" bIns="45718"/>
+          <a:lstStyle/>
+          <a:p>
+            <a:pPr/>
+          </a:p>
+        </p:txBody>
+      </p:sp>
+      <p:sp>
+        <p:nvSpPr>
+          <p:cNvPr id="187" name="Title Text"/>
+          <p:cNvSpPr txBox="1"/>
+          <p:nvPr>
+            <p:ph type="title"/>
+          </p:nvPr>
+        </p:nvSpPr>
+        <p:spPr>
+          <a:xfrm>
+            <a:off x="2400250" y="575950"/>
+            <a:ext cx="6321601" cy="635403"/>
+          </a:xfrm>
+          <a:prstGeom prst="rect">
+            <a:avLst/>
+          </a:prstGeom>
+        </p:spPr>
+        <p:txBody>
+          <a:bodyPr anchor="t"/>
+          <a:lstStyle>
+            <a:lvl1pPr algn="l">
+              <a:defRPr sz="3000">
+                <a:solidFill>
+                  <a:srgbClr val="000000"/>
+                </a:solidFill>
+                <a:latin typeface="Raleway"/>
+                <a:ea typeface="Raleway"/>
+                <a:cs typeface="Raleway"/>
+                <a:sym typeface="Raleway"/>
+              </a:defRPr>
+            </a:lvl1pPr>
+          </a:lstStyle>
+          <a:p>
+            <a:pPr/>
+            <a:r>
+              <a:t>Title Text</a:t>
+            </a:r>
+          </a:p>
+        </p:txBody>
+      </p:sp>
+      <p:sp>
+        <p:nvSpPr>
+          <p:cNvPr id="188" name="Body Level One…"/>
+          <p:cNvSpPr txBox="1"/>
+          <p:nvPr>
+            <p:ph type="body" idx="1"/>
+          </p:nvPr>
+        </p:nvSpPr>
+        <p:spPr>
+          <a:xfrm>
+            <a:off x="2410111" y="1595776"/>
+            <a:ext cx="6321603" cy="3002404"/>
+          </a:xfrm>
+          <a:prstGeom prst="rect">
+            <a:avLst/>
+          </a:prstGeom>
+        </p:spPr>
+        <p:txBody>
+          <a:bodyPr/>
+          <a:lstStyle>
+            <a:lvl1pPr algn="l"/>
+            <a:lvl2pPr algn="l"/>
+            <a:lvl3pPr algn="l"/>
+            <a:lvl4pPr algn="l"/>
+            <a:lvl5pPr algn="l"/>
+          </a:lstStyle>
+          <a:p>
+            <a:pPr/>
+            <a:r>
+              <a:t>Body Level One</a:t>
+            </a:r>
+          </a:p>
+          <a:p>
+            <a:pPr lvl="1"/>
+            <a:r>
+              <a:t>Body Level Two</a:t>
+            </a:r>
+          </a:p>
+          <a:p>
+            <a:pPr lvl="2"/>
+            <a:r>
+              <a:t>Body Level Three</a:t>
+            </a:r>
+          </a:p>
+          <a:p>
+            <a:pPr lvl="3"/>
+            <a:r>
+              <a:t>Body Level Four</a:t>
+            </a:r>
+          </a:p>
+          <a:p>
+            <a:pPr lvl="4"/>
+            <a:r>
+              <a:t>Body Level Five</a:t>
+            </a:r>
+          </a:p>
+        </p:txBody>
+      </p:sp>
+      <p:sp>
+        <p:nvSpPr>
+          <p:cNvPr id="189" name="Google Shape;30;p4"/>
+          <p:cNvSpPr txBox="1"/>
+          <p:nvPr/>
+        </p:nvSpPr>
+        <p:spPr>
+          <a:xfrm>
+            <a:off x="159379" y="4629606"/>
+            <a:ext cx="8552703" cy="398745"/>
+          </a:xfrm>
+          <a:prstGeom prst="rect">
+            <a:avLst/>
+          </a:prstGeom>
+          <a:ln w="12700">
+            <a:miter lim="400000"/>
+          </a:ln>
+          <a:extLst>
+            <a:ext uri="{C572A759-6A51-4108-AA02-DFA0A04FC94B}">
+              <ma14:wrappingTextBoxFlag xmlns:ma14="http://schemas.microsoft.com/office/mac/drawingml/2011/main" val="1"/>
+            </a:ext>
+          </a:extLst>
+        </p:spPr>
+        <p:txBody>
+          <a:bodyPr lIns="91421" tIns="91421" rIns="91421" bIns="91421">
+            <a:spAutoFit/>
+          </a:bodyPr>
+          <a:lstStyle/>
+          <a:p>
+            <a:pPr>
+              <a:defRPr b="1">
+                <a:solidFill>
+                  <a:srgbClr val="000000"/>
+                </a:solidFill>
+                <a:latin typeface="Lato"/>
+                <a:ea typeface="Lato"/>
+                <a:cs typeface="Lato"/>
+                <a:sym typeface="Lato"/>
+              </a:defRPr>
+            </a:pPr>
+            <a:r>
+              <a:t>class: </a:t>
+            </a:r>
+            <a:r>
+              <a:rPr b="0"/>
+              <a:t>AP CS A </a:t>
+            </a:r>
+            <a:r>
+              <a:t>goal: </a:t>
+            </a:r>
+            <a:r>
+              <a:rPr b="0"/>
+              <a:t>HDW use recursion to solve computational problems?</a:t>
+            </a:r>
+          </a:p>
+        </p:txBody>
+      </p:sp>
+      <p:sp>
+        <p:nvSpPr>
+          <p:cNvPr id="190" name="Dr. O’Brien. 3/1/22"/>
+          <p:cNvSpPr txBox="1"/>
+          <p:nvPr/>
+        </p:nvSpPr>
+        <p:spPr>
+          <a:xfrm>
+            <a:off x="7260108" y="39450"/>
+            <a:ext cx="1574267" cy="215901"/>
+          </a:xfrm>
+          <a:prstGeom prst="rect">
+            <a:avLst/>
+          </a:prstGeom>
+          <a:ln w="12700">
+            <a:miter lim="400000"/>
+          </a:ln>
+          <a:extLst>
+            <a:ext uri="{C572A759-6A51-4108-AA02-DFA0A04FC94B}">
+              <ma14:wrappingTextBoxFlag xmlns:ma14="http://schemas.microsoft.com/office/mac/drawingml/2011/main" val="1"/>
+            </a:ext>
+          </a:extLst>
+        </p:spPr>
+        <p:txBody>
+          <a:bodyPr wrap="none" lIns="0" tIns="0" rIns="0" bIns="0">
+            <a:spAutoFit/>
+          </a:bodyPr>
+          <a:lstStyle>
+            <a:lvl1pPr>
+              <a:defRPr>
+                <a:latin typeface="+mn-lt"/>
+                <a:ea typeface="+mn-ea"/>
+                <a:cs typeface="+mn-cs"/>
+                <a:sym typeface="Helvetica"/>
+              </a:defRPr>
+            </a:lvl1pPr>
+          </a:lstStyle>
+          <a:p>
+            <a:pPr/>
+            <a:r>
+              <a:t>Dr. O’Brien. 3/29/22</a:t>
+            </a:r>
+          </a:p>
+        </p:txBody>
+      </p:sp>
+      <p:sp>
+        <p:nvSpPr>
+          <p:cNvPr id="191" name="Slide Number"/>
           <p:cNvSpPr txBox="1"/>
           <p:nvPr>
             <p:ph type="sldNum" sz="quarter" idx="2"/>
@@ -3017,7 +2642,7 @@
         <p:spPr>
           <a:xfrm>
             <a:off x="406423" y="1806824"/>
-            <a:ext cx="8296803" cy="1542002"/>
+            <a:ext cx="8296803" cy="1542003"/>
           </a:xfrm>
           <a:prstGeom prst="rect">
             <a:avLst/>
@@ -3196,7 +2821,7 @@
         <p:spPr>
           <a:xfrm>
             <a:off x="425197" y="415650"/>
-            <a:ext cx="183302" cy="1"/>
+            <a:ext cx="183304" cy="1"/>
           </a:xfrm>
           <a:prstGeom prst="line">
             <a:avLst/>
@@ -3226,7 +2851,7 @@
         <p:spPr>
           <a:xfrm>
             <a:off x="2400250" y="575950"/>
-            <a:ext cx="6321601" cy="635402"/>
+            <a:ext cx="6321601" cy="635403"/>
           </a:xfrm>
           <a:prstGeom prst="rect">
             <a:avLst/>
@@ -3266,7 +2891,7 @@
         <p:spPr>
           <a:xfrm>
             <a:off x="2410111" y="1595776"/>
-            <a:ext cx="6321603" cy="3002402"/>
+            <a:ext cx="6321603" cy="3002404"/>
           </a:xfrm>
           <a:prstGeom prst="rect">
             <a:avLst/>
@@ -3321,8 +2946,8 @@
         </p:nvSpPr>
         <p:spPr>
           <a:xfrm>
-            <a:off x="159380" y="4629606"/>
-            <a:ext cx="8552701" cy="576549"/>
+            <a:off x="159379" y="4629606"/>
+            <a:ext cx="8552703" cy="398745"/>
           </a:xfrm>
           <a:prstGeom prst="rect">
             <a:avLst/>
@@ -3337,7 +2962,7 @@
           </a:extLst>
         </p:spPr>
         <p:txBody>
-          <a:bodyPr lIns="91423" tIns="91423" rIns="91423" bIns="91423">
+          <a:bodyPr lIns="91421" tIns="91421" rIns="91421" bIns="91421">
             <a:spAutoFit/>
           </a:bodyPr>
           <a:lstStyle/>
@@ -3358,36 +2983,28 @@
             </a:r>
             <a:r>
               <a:rPr b="0"/>
-              <a:t>AP CS A</a:t>
+              <a:t>AP CS A </a:t>
+            </a:r>
+            <a:r>
+              <a:t>goal: </a:t>
             </a:r>
             <a:r>
               <a:rPr b="0"/>
-              <a:t> </a:t>
-            </a:r>
-            <a:r>
-              <a:t>g</a:t>
-            </a:r>
-            <a:r>
-              <a:t>oal: </a:t>
-            </a:r>
-            <a:r>
-              <a:rPr b="0"/>
-              <a:t>HDW use informal run-time comparison to analyze algorithmic efficiency?</a:t>
-            </a:r>
-            <a:endParaRPr b="0" sz="1200"/>
-          </a:p>
-        </p:txBody>
-      </p:sp>
-      <p:sp>
-        <p:nvSpPr>
-          <p:cNvPr id="46" name="Google Shape;31;p4"/>
+              <a:t>AP Free response questions practice</a:t>
+            </a:r>
+          </a:p>
+        </p:txBody>
+      </p:sp>
+      <p:sp>
+        <p:nvSpPr>
+          <p:cNvPr id="46" name="Dr. O’Brien. 3/1/22"/>
           <p:cNvSpPr txBox="1"/>
           <p:nvPr/>
         </p:nvSpPr>
         <p:spPr>
           <a:xfrm>
-            <a:off x="7263947" y="6563"/>
-            <a:ext cx="5621102" cy="398748"/>
+            <a:off x="7260108" y="39450"/>
+            <a:ext cx="1475383" cy="215901"/>
           </a:xfrm>
           <a:prstGeom prst="rect">
             <a:avLst/>
@@ -3402,26 +3019,23 @@
           </a:extLst>
         </p:spPr>
         <p:txBody>
-          <a:bodyPr lIns="91423" tIns="91423" rIns="91423" bIns="91423">
+          <a:bodyPr wrap="none" lIns="0" tIns="0" rIns="0" bIns="0">
             <a:spAutoFit/>
           </a:bodyPr>
           <a:lstStyle>
             <a:lvl1pPr>
               <a:defRPr>
-                <a:solidFill>
-                  <a:srgbClr val="000000"/>
-                </a:solidFill>
-                <a:latin typeface="Lato"/>
-                <a:ea typeface="Lato"/>
-                <a:cs typeface="Lato"/>
-                <a:sym typeface="Lato"/>
+                <a:latin typeface="+mn-lt"/>
+                <a:ea typeface="+mn-ea"/>
+                <a:cs typeface="+mn-cs"/>
+                <a:sym typeface="Helvetica"/>
               </a:defRPr>
             </a:lvl1pPr>
           </a:lstStyle>
           <a:p>
             <a:pPr/>
             <a:r>
-              <a:t>Dr. O’Brien, 11/29/21</a:t>
+              <a:t>Dr. O’Brien. 4/8/22</a:t>
             </a:r>
           </a:p>
         </p:txBody>
@@ -3568,7 +3182,7 @@
         <p:spPr>
           <a:xfrm>
             <a:off x="425197" y="415650"/>
-            <a:ext cx="183302" cy="1"/>
+            <a:ext cx="183304" cy="1"/>
           </a:xfrm>
           <a:prstGeom prst="line">
             <a:avLst/>
@@ -3598,7 +3212,7 @@
         <p:spPr>
           <a:xfrm>
             <a:off x="2400250" y="575950"/>
-            <a:ext cx="6321601" cy="635402"/>
+            <a:ext cx="6321601" cy="635403"/>
           </a:xfrm>
           <a:prstGeom prst="rect">
             <a:avLst/>
@@ -3637,8 +3251,8 @@
         </p:nvSpPr>
         <p:spPr>
           <a:xfrm>
-            <a:off x="2400301" y="1602675"/>
-            <a:ext cx="3071403" cy="3002402"/>
+            <a:off x="2400300" y="1602675"/>
+            <a:ext cx="3071404" cy="3002404"/>
           </a:xfrm>
           <a:prstGeom prst="rect">
             <a:avLst/>
@@ -3711,7 +3325,7 @@
         <p:spPr>
           <a:xfrm>
             <a:off x="5650572" y="1602675"/>
-            <a:ext cx="3071402" cy="3002402"/>
+            <a:ext cx="3071404" cy="3002404"/>
           </a:xfrm>
           <a:prstGeom prst="rect">
             <a:avLst/>
@@ -3721,7 +3335,7 @@
           <a:bodyPr/>
           <a:lstStyle/>
           <a:p>
-            <a:pPr algn="l"/>
+            <a:pPr/>
           </a:p>
         </p:txBody>
       </p:sp>
@@ -3813,7 +3427,7 @@
         <p:spPr>
           <a:xfrm>
             <a:off x="303299" y="411575"/>
-            <a:ext cx="8520602" cy="639602"/>
+            <a:ext cx="8520602" cy="639604"/>
           </a:xfrm>
           <a:prstGeom prst="rect">
             <a:avLst/>
@@ -3928,7 +3542,7 @@
         <p:spPr>
           <a:xfrm>
             <a:off x="425197" y="415650"/>
-            <a:ext cx="183302" cy="1"/>
+            <a:ext cx="183304" cy="1"/>
           </a:xfrm>
           <a:prstGeom prst="line">
             <a:avLst/>
@@ -3958,7 +3572,7 @@
         <p:spPr>
           <a:xfrm>
             <a:off x="319499" y="936600"/>
-            <a:ext cx="2808002" cy="755700"/>
+            <a:ext cx="2808004" cy="755700"/>
           </a:xfrm>
           <a:prstGeom prst="rect">
             <a:avLst/>
@@ -3998,7 +3612,7 @@
         <p:spPr>
           <a:xfrm>
             <a:off x="319499" y="1846802"/>
-            <a:ext cx="2808002" cy="2806202"/>
+            <a:ext cx="2808004" cy="2806202"/>
           </a:xfrm>
           <a:prstGeom prst="rect">
             <a:avLst/>
@@ -4153,7 +3767,7 @@
         <p:spPr>
           <a:xfrm>
             <a:off x="425197" y="415650"/>
-            <a:ext cx="183302" cy="1"/>
+            <a:ext cx="183304" cy="1"/>
           </a:xfrm>
           <a:prstGeom prst="line">
             <a:avLst/>
@@ -4305,8 +3919,8 @@
         </p:nvSpPr>
         <p:spPr>
           <a:xfrm>
-            <a:off x="4572000" y="123"/>
-            <a:ext cx="4572000" cy="5143503"/>
+            <a:off x="4572000" y="121"/>
+            <a:ext cx="4572000" cy="5143507"/>
           </a:xfrm>
           <a:prstGeom prst="rect">
             <a:avLst/>
@@ -4327,10 +3941,6 @@
                 <a:solidFill>
                   <a:srgbClr val="000000"/>
                 </a:solidFill>
-                <a:latin typeface="+mn-lt"/>
-                <a:ea typeface="+mn-ea"/>
-                <a:cs typeface="+mn-cs"/>
-                <a:sym typeface="Arial"/>
               </a:defRPr>
             </a:pPr>
           </a:p>
@@ -4344,8 +3954,8 @@
         </p:nvSpPr>
         <p:spPr>
           <a:xfrm>
-            <a:off x="5029675" y="4495499"/>
-            <a:ext cx="468302" cy="2"/>
+            <a:off x="5029675" y="4495498"/>
+            <a:ext cx="468304" cy="4"/>
           </a:xfrm>
           <a:prstGeom prst="line">
             <a:avLst/>
@@ -4375,7 +3985,7 @@
         <p:spPr>
           <a:xfrm>
             <a:off x="265500" y="1397349"/>
-            <a:ext cx="4045200" cy="1318202"/>
+            <a:ext cx="4045200" cy="1318203"/>
           </a:xfrm>
           <a:prstGeom prst="rect">
             <a:avLst/>
@@ -4412,7 +4022,7 @@
         <p:spPr>
           <a:xfrm>
             <a:off x="265500" y="2735371"/>
-            <a:ext cx="4045200" cy="1345502"/>
+            <a:ext cx="4045200" cy="1345504"/>
           </a:xfrm>
           <a:prstGeom prst="rect">
             <a:avLst/>
@@ -4421,7 +4031,7 @@
         <p:txBody>
           <a:bodyPr/>
           <a:lstStyle>
-            <a:lvl1pPr marL="228600" indent="-114300">
+            <a:lvl1pPr marL="0" indent="114300">
               <a:lnSpc>
                 <a:spcPct val="100000"/>
               </a:lnSpc>
@@ -4431,7 +4041,7 @@
               <a:buNone/>
               <a:defRPr sz="2100"/>
             </a:lvl1pPr>
-            <a:lvl2pPr marL="228600" indent="114300">
+            <a:lvl2pPr marL="0" indent="114300">
               <a:lnSpc>
                 <a:spcPct val="100000"/>
               </a:lnSpc>
@@ -4441,7 +4051,7 @@
               <a:buNone/>
               <a:defRPr sz="2100"/>
             </a:lvl2pPr>
-            <a:lvl3pPr marL="228600" indent="114300">
+            <a:lvl3pPr marL="0" indent="114300">
               <a:lnSpc>
                 <a:spcPct val="100000"/>
               </a:lnSpc>
@@ -4451,7 +4061,7 @@
               <a:buNone/>
               <a:defRPr sz="2100"/>
             </a:lvl3pPr>
-            <a:lvl4pPr marL="228600" indent="114300">
+            <a:lvl4pPr marL="0" indent="114300">
               <a:lnSpc>
                 <a:spcPct val="100000"/>
               </a:lnSpc>
@@ -4461,7 +4071,7 @@
               <a:buNone/>
               <a:defRPr sz="2100"/>
             </a:lvl4pPr>
-            <a:lvl5pPr marL="228600" indent="114300">
+            <a:lvl5pPr marL="0" indent="114300">
               <a:lnSpc>
                 <a:spcPct val="100000"/>
               </a:lnSpc>
@@ -4525,7 +4135,7 @@
           <a:bodyPr anchor="ctr"/>
           <a:lstStyle/>
           <a:p>
-            <a:pPr algn="l"/>
+            <a:pPr/>
           </a:p>
         </p:txBody>
       </p:sp>
@@ -4651,7 +4261,7 @@
         <p:spPr>
           <a:xfrm>
             <a:off x="425197" y="415650"/>
-            <a:ext cx="183302" cy="1"/>
+            <a:ext cx="183304" cy="1"/>
           </a:xfrm>
           <a:prstGeom prst="line">
             <a:avLst/>
@@ -4681,7 +4291,7 @@
         <p:spPr>
           <a:xfrm>
             <a:off x="328016" y="4226023"/>
-            <a:ext cx="8388602" cy="393602"/>
+            <a:ext cx="8388602" cy="393604"/>
           </a:xfrm>
           <a:prstGeom prst="rect">
             <a:avLst/>
@@ -4699,28 +4309,28 @@
               <a:buFontTx/>
               <a:buNone/>
             </a:lvl1pPr>
-            <a:lvl2pPr algn="l">
+            <a:lvl2pPr marL="1462314" indent="-408213" algn="l">
               <a:lnSpc>
                 <a:spcPct val="100000"/>
               </a:lnSpc>
               <a:buClrTx/>
               <a:buFontTx/>
             </a:lvl2pPr>
-            <a:lvl3pPr algn="l">
+            <a:lvl3pPr marL="1919514" algn="l">
               <a:lnSpc>
                 <a:spcPct val="100000"/>
               </a:lnSpc>
               <a:buClrTx/>
               <a:buFontTx/>
             </a:lvl3pPr>
-            <a:lvl4pPr algn="l">
+            <a:lvl4pPr marL="2376714" algn="l">
               <a:lnSpc>
                 <a:spcPct val="100000"/>
               </a:lnSpc>
               <a:buClrTx/>
               <a:buFontTx/>
             </a:lvl4pPr>
-            <a:lvl5pPr algn="l">
+            <a:lvl5pPr marL="2833914" algn="l">
               <a:lnSpc>
                 <a:spcPct val="100000"/>
               </a:lnSpc>
@@ -4926,7 +4536,7 @@
           </a:extLst>
         </p:spPr>
         <p:txBody>
-          <a:bodyPr lIns="91423" tIns="91423" rIns="91423" bIns="91423" anchor="ctr">
+          <a:bodyPr lIns="91421" tIns="91421" rIns="91421" bIns="91421" anchor="ctr">
             <a:normAutofit fontScale="100000" lnSpcReduction="0"/>
           </a:bodyPr>
           <a:lstStyle/>
@@ -4949,7 +4559,7 @@
         <p:spPr>
           <a:xfrm>
             <a:off x="853950" y="2919450"/>
-            <a:ext cx="7436102" cy="1071602"/>
+            <a:ext cx="7436102" cy="1071604"/>
           </a:xfrm>
           <a:prstGeom prst="rect">
             <a:avLst/>
@@ -4964,7 +4574,7 @@
           </a:extLst>
         </p:spPr>
         <p:txBody>
-          <a:bodyPr lIns="91423" tIns="91423" rIns="91423" bIns="91423">
+          <a:bodyPr lIns="91421" tIns="91421" rIns="91421" bIns="91421">
             <a:normAutofit fontScale="100000" lnSpcReduction="0"/>
           </a:bodyPr>
           <a:lstStyle/>
@@ -5010,8 +4620,8 @@
         </p:nvSpPr>
         <p:spPr>
           <a:xfrm>
-            <a:off x="8709888" y="4717935"/>
-            <a:ext cx="336811" cy="335249"/>
+            <a:off x="8709892" y="4717937"/>
+            <a:ext cx="336807" cy="335245"/>
           </a:xfrm>
           <a:prstGeom prst="rect">
             <a:avLst/>
@@ -5021,7 +4631,7 @@
           </a:ln>
         </p:spPr>
         <p:txBody>
-          <a:bodyPr wrap="none" lIns="91423" tIns="91423" rIns="91423" bIns="91423" anchor="ctr">
+          <a:bodyPr wrap="none" lIns="91421" tIns="91421" rIns="91421" bIns="91421" anchor="ctr">
             <a:normAutofit fontScale="100000" lnSpcReduction="0"/>
           </a:bodyPr>
           <a:lstStyle>
@@ -5061,6 +4671,7 @@
     <p:sldLayoutId id="2147483660" r:id="rId14"/>
     <p:sldLayoutId id="2147483661" r:id="rId15"/>
     <p:sldLayoutId id="2147483662" r:id="rId16"/>
+    <p:sldLayoutId id="2147483663" r:id="rId17"/>
   </p:sldLayoutIdLst>
   <p:transition xmlns:p14="http://schemas.microsoft.com/office/powerpoint/2010/main" spd="med" advClick="1"/>
   <p:txStyles>
@@ -5813,7 +5424,7 @@
       </p:grpSpPr>
       <p:sp>
         <p:nvSpPr>
-          <p:cNvPr id="185" name="Google Shape;76;p13"/>
+          <p:cNvPr id="200" name="Google Shape;76;p13"/>
           <p:cNvSpPr txBox="1"/>
           <p:nvPr>
             <p:ph type="ctrTitle"/>
@@ -5821,8 +5432,8 @@
         </p:nvSpPr>
         <p:spPr>
           <a:xfrm>
-            <a:off x="2371725" y="630223"/>
-            <a:ext cx="6331500" cy="1542003"/>
+            <a:off x="2371725" y="630221"/>
+            <a:ext cx="6331500" cy="1542007"/>
           </a:xfrm>
           <a:prstGeom prst="rect">
             <a:avLst/>
@@ -5852,14 +5463,14 @@
               </a:defRPr>
             </a:pPr>
             <a:r>
-              <a:t>Lesson 11.1</a:t>
-            </a:r>
-          </a:p>
-        </p:txBody>
-      </p:sp>
-      <p:sp>
-        <p:nvSpPr>
-          <p:cNvPr id="186" name="Google Shape;77;p13"/>
+              <a:t>Lesson 9.5</a:t>
+            </a:r>
+          </a:p>
+        </p:txBody>
+      </p:sp>
+      <p:sp>
+        <p:nvSpPr>
+          <p:cNvPr id="201" name="Google Shape;77;p13"/>
           <p:cNvSpPr txBox="1"/>
           <p:nvPr>
             <p:ph type="subTitle" sz="quarter" idx="1"/>
@@ -5874,7 +5485,7 @@
           <a:bodyPr/>
           <a:lstStyle/>
           <a:p>
-            <a:pPr marL="0" indent="0">
+            <a:pPr indent="0">
               <a:lnSpc>
                 <a:spcPct val="80000"/>
               </a:lnSpc>
@@ -5885,28 +5496,25 @@
             </a:r>
           </a:p>
           <a:p>
-            <a:pPr marL="0" indent="0">
+            <a:pPr indent="0">
               <a:lnSpc>
                 <a:spcPct val="80000"/>
               </a:lnSpc>
               <a:defRPr sz="1600"/>
             </a:pPr>
             <a:r>
-              <a:t>Herbert H. </a:t>
-            </a:r>
-            <a:r>
-              <a:t>Lehman High School</a:t>
-            </a:r>
-          </a:p>
-          <a:p>
-            <a:pPr marL="0" indent="0">
+              <a:t>Herbert H. Lehman High School</a:t>
+            </a:r>
+          </a:p>
+          <a:p>
+            <a:pPr indent="0">
               <a:lnSpc>
                 <a:spcPct val="80000"/>
               </a:lnSpc>
               <a:defRPr sz="1600"/>
             </a:pPr>
             <a:r>
-              <a:t>November 29, 2021</a:t>
+              <a:t>8 April 2022</a:t>
             </a:r>
           </a:p>
         </p:txBody>
@@ -5920,7 +5528,7 @@
 </p:sld>
 </file>
 
-<file path=ppt/slides/slide10.xml><?xml version="1.0" encoding="utf-8"?>
+<file path=ppt/slides/slide2.xml><?xml version="1.0" encoding="utf-8"?>
 <p:sld xmlns:a="http://schemas.openxmlformats.org/drawingml/2006/main" xmlns:r="http://schemas.openxmlformats.org/officeDocument/2006/relationships" xmlns:p="http://schemas.openxmlformats.org/presentationml/2006/main" xmlns:m="http://schemas.openxmlformats.org/officeDocument/2006/math" xmlns:a14="http://schemas.microsoft.com/office/drawing/2010/main" showMasterSp="1" showMasterPhAnim="1">
   <p:cSld>
     <p:spTree>
@@ -5939,7 +5547,7 @@
       </p:grpSpPr>
       <p:sp>
         <p:nvSpPr>
-          <p:cNvPr id="260" name="Double-click to edit"/>
+          <p:cNvPr id="203" name="Do now"/>
           <p:cNvSpPr txBox="1"/>
           <p:nvPr>
             <p:ph type="title"/>
@@ -5952,238 +5560,132 @@
         </p:spPr>
         <p:txBody>
           <a:bodyPr/>
+          <a:lstStyle>
+            <a:lvl1pPr defTabSz="886968">
+              <a:defRPr sz="2910"/>
+            </a:lvl1pPr>
+          </a:lstStyle>
+          <a:p>
+            <a:pPr/>
+            <a:r>
+              <a:t>Do now</a:t>
+            </a:r>
+          </a:p>
+        </p:txBody>
+      </p:sp>
+      <p:sp>
+        <p:nvSpPr>
+          <p:cNvPr id="204" name="Be sure to……"/>
+          <p:cNvSpPr txBox="1"/>
+          <p:nvPr>
+            <p:ph type="body" sz="half" idx="1"/>
+          </p:nvPr>
+        </p:nvSpPr>
+        <p:spPr>
+          <a:xfrm>
+            <a:off x="4771640" y="1595776"/>
+            <a:ext cx="3960074" cy="3002404"/>
+          </a:xfrm>
+          <a:prstGeom prst="rect">
+            <a:avLst/>
+          </a:prstGeom>
+        </p:spPr>
+        <p:txBody>
+          <a:bodyPr/>
           <a:lstStyle/>
           <a:p>
-            <a:pPr defTabSz="886968">
-              <a:defRPr sz="2910"/>
+            <a:pPr marL="0" indent="114300">
+              <a:buSzTx/>
+              <a:buNone/>
+              <a:defRPr>
+                <a:solidFill>
+                  <a:schemeClr val="accent4">
+                    <a:lumOff val="11960"/>
+                  </a:schemeClr>
+                </a:solidFill>
+              </a:defRPr>
             </a:pPr>
-          </a:p>
-        </p:txBody>
-      </p:sp>
-      <p:grpSp>
-        <p:nvGrpSpPr>
-          <p:cNvPr id="265" name="Google Shape;118;p19"/>
-          <p:cNvGrpSpPr/>
+            <a:r>
+              <a:t>Be sure to…</a:t>
+            </a:r>
+          </a:p>
+          <a:p>
+            <a:pPr/>
+            <a:r>
+              <a:t>Review the vocab items to the left (you don’t need to copy these down)</a:t>
+            </a:r>
+          </a:p>
+          <a:p>
+            <a:pPr/>
+            <a:r>
+              <a:t>Find the factorial </a:t>
+            </a:r>
+            <a14:m>
+              <m:oMath>
+                <m:r>
+                  <a:rPr xmlns:a="http://schemas.openxmlformats.org/drawingml/2006/main" sz="2550" i="1">
+                    <a:solidFill>
+                      <a:srgbClr val="FB8C00"/>
+                    </a:solidFill>
+                    <a:latin typeface="Cambria Math" panose="02040503050406030204" pitchFamily="18" charset="0"/>
+                  </a:rPr>
+                  <m:t>5</m:t>
+                </m:r>
+                <m:r>
+                  <a:rPr xmlns:a="http://schemas.openxmlformats.org/drawingml/2006/main" sz="2550" i="1">
+                    <a:solidFill>
+                      <a:srgbClr val="FB8C00"/>
+                    </a:solidFill>
+                    <a:latin typeface="Cambria Math" panose="02040503050406030204" pitchFamily="18" charset="0"/>
+                  </a:rPr>
+                  <m:t>!</m:t>
+                </m:r>
+              </m:oMath>
+            </a14:m>
+            <a:r>
+              <a:t>.</a:t>
+            </a:r>
+          </a:p>
+          <a:p>
+            <a:pPr/>
+            <a:r>
+              <a:t>Find the number of combinations of length </a:t>
+            </a:r>
+            <a:r>
+              <a:rPr>
+                <a:solidFill>
+                  <a:schemeClr val="accent5"/>
+                </a:solidFill>
+              </a:rPr>
+              <a:t>3</a:t>
+            </a:r>
+            <a:r>
+              <a:t> from a group of </a:t>
+            </a:r>
+            <a:r>
+              <a:rPr>
+                <a:solidFill>
+                  <a:schemeClr val="accent5"/>
+                </a:solidFill>
+              </a:rPr>
+              <a:t>4</a:t>
+            </a:r>
+            <a:r>
+              <a:t> items. Show all work</a:t>
+            </a:r>
+          </a:p>
+        </p:txBody>
+      </p:sp>
+      <p:sp>
+        <p:nvSpPr>
+          <p:cNvPr id="205" name="(also written  )…"/>
+          <p:cNvSpPr txBox="1"/>
           <p:nvPr/>
-        </p:nvGrpSpPr>
-        <p:grpSpPr>
-          <a:xfrm>
-            <a:off x="2119861" y="42840"/>
-            <a:ext cx="5092944" cy="745623"/>
-            <a:chOff x="-1" y="0"/>
-            <a:chExt cx="5092942" cy="745622"/>
-          </a:xfrm>
-        </p:grpSpPr>
-        <p:sp>
-          <p:nvSpPr>
-            <p:cNvPr id="261" name="Rectangle"/>
-            <p:cNvSpPr/>
-            <p:nvPr/>
-          </p:nvSpPr>
-          <p:spPr>
-            <a:xfrm>
-              <a:off x="-2" y="0"/>
-              <a:ext cx="4546963" cy="745623"/>
-            </a:xfrm>
-            <a:prstGeom prst="rect">
-              <a:avLst/>
-            </a:prstGeom>
-            <a:noFill/>
-            <a:ln w="25400" cap="flat">
-              <a:solidFill>
-                <a:schemeClr val="accent1"/>
-              </a:solidFill>
-              <a:prstDash val="solid"/>
-              <a:round/>
-            </a:ln>
-            <a:effectLst/>
-          </p:spPr>
-          <p:txBody>
-            <a:bodyPr wrap="square" lIns="0" tIns="0" rIns="0" bIns="0" numCol="1" anchor="t">
-              <a:noAutofit/>
-            </a:bodyPr>
-            <a:lstStyle/>
-            <a:p>
-              <a:pPr defTabSz="795527">
-                <a:defRPr sz="1200">
-                  <a:solidFill>
-                    <a:schemeClr val="accent5"/>
-                  </a:solidFill>
-                </a:defRPr>
-              </a:pPr>
-            </a:p>
-          </p:txBody>
-        </p:sp>
-        <p:grpSp>
-          <p:nvGrpSpPr>
-            <p:cNvPr id="264" name="Do now…"/>
-            <p:cNvGrpSpPr/>
-            <p:nvPr/>
-          </p:nvGrpSpPr>
-          <p:grpSpPr>
-            <a:xfrm>
-              <a:off x="9457" y="9458"/>
-              <a:ext cx="5083485" cy="726706"/>
-              <a:chOff x="0" y="0"/>
-              <a:chExt cx="5083483" cy="726705"/>
-            </a:xfrm>
-          </p:grpSpPr>
-          <p:sp>
-            <p:nvSpPr>
-              <p:cNvPr id="262" name="Rectangle"/>
-              <p:cNvSpPr/>
-              <p:nvPr/>
-            </p:nvSpPr>
-            <p:spPr>
-              <a:xfrm>
-                <a:off x="-1" y="-1"/>
-                <a:ext cx="5083485" cy="726707"/>
-              </a:xfrm>
-              <a:prstGeom prst="rect">
-                <a:avLst/>
-              </a:prstGeom>
-              <a:solidFill>
-                <a:srgbClr val="FFFFFF"/>
-              </a:solidFill>
-              <a:ln w="25400" cap="flat">
-                <a:solidFill>
-                  <a:schemeClr val="accent1"/>
-                </a:solidFill>
-                <a:prstDash val="solid"/>
-                <a:round/>
-              </a:ln>
-              <a:effectLst/>
-            </p:spPr>
-            <p:txBody>
-              <a:bodyPr wrap="square" lIns="0" tIns="0" rIns="0" bIns="0" numCol="1" anchor="t">
-                <a:noAutofit/>
-              </a:bodyPr>
-              <a:lstStyle/>
-              <a:p>
-                <a:pPr defTabSz="507148">
-                  <a:defRPr sz="1300">
-                    <a:solidFill>
-                      <a:schemeClr val="accent5"/>
-                    </a:solidFill>
-                  </a:defRPr>
-                </a:pPr>
-              </a:p>
-            </p:txBody>
-          </p:sp>
-          <p:sp>
-            <p:nvSpPr>
-              <p:cNvPr id="263" name="Practice problem #2…"/>
-              <p:cNvSpPr txBox="1"/>
-              <p:nvPr/>
-            </p:nvSpPr>
-            <p:spPr>
-              <a:xfrm>
-                <a:off x="12699" y="12699"/>
-                <a:ext cx="5058085" cy="701307"/>
-              </a:xfrm>
-              <a:prstGeom prst="rect">
-                <a:avLst/>
-              </a:prstGeom>
-              <a:noFill/>
-              <a:ln w="12700" cap="flat">
-                <a:noFill/>
-                <a:miter lim="400000"/>
-              </a:ln>
-              <a:effectLst/>
-              <a:extLst>
-                <a:ext uri="{C572A759-6A51-4108-AA02-DFA0A04FC94B}">
-                  <ma14:wrappingTextBoxFlag xmlns:ma14="http://schemas.microsoft.com/office/mac/drawingml/2011/main" val="1"/>
-                </a:ext>
-              </a:extLst>
-            </p:spPr>
-            <p:txBody>
-              <a:bodyPr wrap="square" lIns="91421" tIns="91421" rIns="91421" bIns="91421" numCol="1" anchor="t">
-                <a:normAutofit fontScale="100000" lnSpcReduction="0"/>
-              </a:bodyPr>
-              <a:lstStyle/>
-              <a:p>
-                <a:pPr defTabSz="507148">
-                  <a:defRPr sz="2000">
-                    <a:latin typeface="+mn-lt"/>
-                    <a:ea typeface="+mn-ea"/>
-                    <a:cs typeface="+mn-cs"/>
-                    <a:sym typeface="Arial"/>
-                  </a:defRPr>
-                </a:pPr>
-                <a:r>
-                  <a:t>Practice problem #2</a:t>
-                </a:r>
-              </a:p>
-              <a:p>
-                <a:pPr defTabSz="507148">
-                  <a:defRPr sz="1300">
-                    <a:solidFill>
-                      <a:schemeClr val="accent5"/>
-                    </a:solidFill>
-                  </a:defRPr>
-                </a:pPr>
-                <a:r>
-                  <a:t>be sure to:</a:t>
-                </a:r>
-                <a:r>
-                  <a:rPr>
-                    <a:solidFill>
-                      <a:schemeClr val="accent5">
-                        <a:lumOff val="-9843"/>
-                      </a:schemeClr>
-                    </a:solidFill>
-                  </a:rPr>
-                  <a:t> </a:t>
-                </a:r>
-                <a:r>
-                  <a:rPr>
-                    <a:solidFill>
-                      <a:schemeClr val="accent1"/>
-                    </a:solidFill>
-                  </a:rPr>
-                  <a:t>Take notes and answer questions in your </a:t>
-                </a:r>
-                <a:r>
-                  <a:rPr b="1">
-                    <a:solidFill>
-                      <a:schemeClr val="accent1"/>
-                    </a:solidFill>
-                  </a:rPr>
-                  <a:t>notebook</a:t>
-                </a:r>
-                <a:r>
-                  <a:rPr>
-                    <a:solidFill>
-                      <a:schemeClr val="accent1"/>
-                    </a:solidFill>
-                  </a:rPr>
-                  <a:t>.</a:t>
-                </a:r>
-              </a:p>
-            </p:txBody>
-          </p:sp>
-        </p:grpSp>
-      </p:grpSp>
-      <p:pic>
-        <p:nvPicPr>
-          <p:cNvPr id="266" name="Image" descr="Image"/>
-          <p:cNvPicPr>
-            <a:picLocks noChangeAspect="1"/>
-          </p:cNvPicPr>
-          <p:nvPr/>
-        </p:nvPicPr>
-        <p:blipFill>
-          <a:blip r:embed="rId2">
-            <a:extLst/>
-          </a:blip>
-          <a:stretch>
-            <a:fillRect/>
-          </a:stretch>
-        </p:blipFill>
-        <p:spPr>
-          <a:xfrm>
-            <a:off x="2055247" y="1069209"/>
-            <a:ext cx="6244203" cy="3005082"/>
+        </p:nvSpPr>
+        <p:spPr>
+          <a:xfrm>
+            <a:off x="405127" y="1610482"/>
+            <a:ext cx="3164106" cy="690343"/>
           </a:xfrm>
           <a:prstGeom prst="rect">
             <a:avLst/>
@@ -6191,212 +5693,318 @@
           <a:ln w="12700">
             <a:miter lim="400000"/>
           </a:ln>
-        </p:spPr>
-      </p:pic>
-      <p:grpSp>
-        <p:nvGrpSpPr>
-          <p:cNvPr id="271" name="Google Shape;118;p19"/>
-          <p:cNvGrpSpPr/>
+          <a:extLst>
+            <a:ext uri="{C572A759-6A51-4108-AA02-DFA0A04FC94B}">
+              <ma14:wrappingTextBoxFlag xmlns:ma14="http://schemas.microsoft.com/office/mac/drawingml/2011/main" val="1"/>
+            </a:ext>
+          </a:extLst>
+        </p:spPr>
+        <p:txBody>
+          <a:bodyPr wrap="none" lIns="0" tIns="0" rIns="0" bIns="0">
+            <a:spAutoFit/>
+          </a:bodyPr>
+          <a:lstStyle/>
+          <a:p>
+            <a:pPr/>
+            <a14:m>
+              <m:oMath>
+                <m:r>
+                  <m:rPr>
+                    <m:nor/>
+                  </m:rPr>
+                  <a:rPr xmlns:a="http://schemas.openxmlformats.org/drawingml/2006/main" sz="1450" i="1">
+                    <a:solidFill>
+                      <a:srgbClr val="F46524"/>
+                    </a:solidFill>
+                    <a:latin typeface="Cambria Math" panose="02040503050406030204" pitchFamily="18" charset="0"/>
+                  </a:rPr>
+                  <m:t>factorial</m:t>
+                </m:r>
+                <m:r>
+                  <a:rPr xmlns:a="http://schemas.openxmlformats.org/drawingml/2006/main" sz="1450" i="1">
+                    <a:solidFill>
+                      <a:srgbClr val="F46524"/>
+                    </a:solidFill>
+                    <a:latin typeface="Cambria Math" panose="02040503050406030204" pitchFamily="18" charset="0"/>
+                  </a:rPr>
+                  <m:t>(</m:t>
+                </m:r>
+                <m:r>
+                  <a:rPr xmlns:a="http://schemas.openxmlformats.org/drawingml/2006/main" sz="1450" i="1">
+                    <a:solidFill>
+                      <a:srgbClr val="F46524"/>
+                    </a:solidFill>
+                    <a:latin typeface="Cambria Math" panose="02040503050406030204" pitchFamily="18" charset="0"/>
+                  </a:rPr>
+                  <m:t>n</m:t>
+                </m:r>
+                <m:r>
+                  <a:rPr xmlns:a="http://schemas.openxmlformats.org/drawingml/2006/main" sz="1450" i="1">
+                    <a:solidFill>
+                      <a:srgbClr val="F46524"/>
+                    </a:solidFill>
+                    <a:latin typeface="Cambria Math" panose="02040503050406030204" pitchFamily="18" charset="0"/>
+                  </a:rPr>
+                  <m:t>)</m:t>
+                </m:r>
+              </m:oMath>
+            </a14:m>
+            <a:r>
+              <a:t> (also written </a:t>
+            </a:r>
+            <a14:m>
+              <m:oMath>
+                <m:r>
+                  <a:rPr xmlns:a="http://schemas.openxmlformats.org/drawingml/2006/main" sz="1900" i="1">
+                    <a:solidFill>
+                      <a:srgbClr val="F46524"/>
+                    </a:solidFill>
+                    <a:latin typeface="Cambria Math" panose="02040503050406030204" pitchFamily="18" charset="0"/>
+                  </a:rPr>
+                  <m:t>n</m:t>
+                </m:r>
+                <m:r>
+                  <a:rPr xmlns:a="http://schemas.openxmlformats.org/drawingml/2006/main" sz="1900" i="1">
+                    <a:solidFill>
+                      <a:srgbClr val="F46524"/>
+                    </a:solidFill>
+                    <a:latin typeface="Cambria Math" panose="02040503050406030204" pitchFamily="18" charset="0"/>
+                  </a:rPr>
+                  <m:t>!</m:t>
+                </m:r>
+              </m:oMath>
+            </a14:m>
+            <a:r>
+              <a:t>)</a:t>
+            </a:r>
+          </a:p>
+          <a:p>
+            <a:pPr>
+              <a:defRPr>
+                <a:solidFill>
+                  <a:schemeClr val="accent3">
+                    <a:lumOff val="-9098"/>
+                  </a:schemeClr>
+                </a:solidFill>
+              </a:defRPr>
+            </a:pPr>
+            <a:r>
+              <a:t>The product of all numbers from </a:t>
+            </a:r>
+            <a14:m>
+              <m:oMath>
+                <m:r>
+                  <a:rPr xmlns:a="http://schemas.openxmlformats.org/drawingml/2006/main" sz="1800" i="1">
+                    <a:solidFill>
+                      <a:srgbClr val="007AB9"/>
+                    </a:solidFill>
+                    <a:latin typeface="Cambria Math" panose="02040503050406030204" pitchFamily="18" charset="0"/>
+                  </a:rPr>
+                  <m:t>n</m:t>
+                </m:r>
+              </m:oMath>
+            </a14:m>
+            <a:r>
+              <a:t>…to 1</a:t>
+            </a:r>
+          </a:p>
+        </p:txBody>
+      </p:sp>
+      <p:sp>
+        <p:nvSpPr>
+          <p:cNvPr id="206" name="combination…"/>
+          <p:cNvSpPr txBox="1"/>
           <p:nvPr/>
-        </p:nvGrpSpPr>
-        <p:grpSpPr>
-          <a:xfrm>
-            <a:off x="2119861" y="42840"/>
-            <a:ext cx="5092944" cy="745623"/>
-            <a:chOff x="-1" y="0"/>
-            <a:chExt cx="5092942" cy="745622"/>
-          </a:xfrm>
-        </p:grpSpPr>
-        <p:sp>
-          <p:nvSpPr>
-            <p:cNvPr id="267" name="Rectangle"/>
-            <p:cNvSpPr/>
-            <p:nvPr/>
-          </p:nvSpPr>
-          <p:spPr>
-            <a:xfrm>
-              <a:off x="-2" y="0"/>
-              <a:ext cx="4546963" cy="745623"/>
-            </a:xfrm>
-            <a:prstGeom prst="rect">
-              <a:avLst/>
-            </a:prstGeom>
-            <a:noFill/>
-            <a:ln w="25400" cap="flat">
-              <a:solidFill>
-                <a:schemeClr val="accent1"/>
-              </a:solidFill>
-              <a:prstDash val="solid"/>
-              <a:round/>
-            </a:ln>
-            <a:effectLst/>
-          </p:spPr>
-          <p:txBody>
-            <a:bodyPr wrap="square" lIns="0" tIns="0" rIns="0" bIns="0" numCol="1" anchor="t">
-              <a:noAutofit/>
-            </a:bodyPr>
-            <a:lstStyle/>
-            <a:p>
-              <a:pPr defTabSz="795527">
-                <a:defRPr sz="1200">
-                  <a:solidFill>
-                    <a:schemeClr val="accent5"/>
-                  </a:solidFill>
-                </a:defRPr>
-              </a:pPr>
-            </a:p>
-          </p:txBody>
-        </p:sp>
-        <p:grpSp>
-          <p:nvGrpSpPr>
-            <p:cNvPr id="270" name="Do now…"/>
-            <p:cNvGrpSpPr/>
-            <p:nvPr/>
-          </p:nvGrpSpPr>
-          <p:grpSpPr>
-            <a:xfrm>
-              <a:off x="9457" y="9458"/>
-              <a:ext cx="5083485" cy="726706"/>
-              <a:chOff x="0" y="0"/>
-              <a:chExt cx="5083483" cy="726705"/>
-            </a:xfrm>
-          </p:grpSpPr>
-          <p:sp>
-            <p:nvSpPr>
-              <p:cNvPr id="268" name="Rectangle"/>
-              <p:cNvSpPr/>
-              <p:nvPr/>
-            </p:nvSpPr>
-            <p:spPr>
-              <a:xfrm>
-                <a:off x="-1" y="-1"/>
-                <a:ext cx="5083485" cy="726707"/>
-              </a:xfrm>
-              <a:prstGeom prst="rect">
-                <a:avLst/>
-              </a:prstGeom>
-              <a:solidFill>
-                <a:srgbClr val="FFFFFF"/>
-              </a:solidFill>
-              <a:ln w="25400" cap="flat">
+        </p:nvSpPr>
+        <p:spPr>
+          <a:xfrm>
+            <a:off x="456656" y="2372152"/>
+            <a:ext cx="3705534" cy="1809992"/>
+          </a:xfrm>
+          <a:prstGeom prst="rect">
+            <a:avLst/>
+          </a:prstGeom>
+          <a:ln w="12700">
+            <a:miter lim="400000"/>
+          </a:ln>
+          <a:extLst>
+            <a:ext uri="{C572A759-6A51-4108-AA02-DFA0A04FC94B}">
+              <ma14:wrappingTextBoxFlag xmlns:ma14="http://schemas.microsoft.com/office/mac/drawingml/2011/main" val="1"/>
+            </a:ext>
+          </a:extLst>
+        </p:spPr>
+        <p:txBody>
+          <a:bodyPr lIns="0" tIns="0" rIns="0" bIns="0">
+            <a:spAutoFit/>
+          </a:bodyPr>
+          <a:lstStyle/>
+          <a:p>
+            <a:pPr/>
+            <a:r>
+              <a:t>combination</a:t>
+            </a:r>
+          </a:p>
+          <a:p>
+            <a:pPr>
+              <a:defRPr>
                 <a:solidFill>
-                  <a:schemeClr val="accent1"/>
+                  <a:schemeClr val="accent3">
+                    <a:lumOff val="-9098"/>
+                  </a:schemeClr>
                 </a:solidFill>
-                <a:prstDash val="solid"/>
-                <a:round/>
-              </a:ln>
-              <a:effectLst/>
-            </p:spPr>
-            <p:txBody>
-              <a:bodyPr wrap="square" lIns="0" tIns="0" rIns="0" bIns="0" numCol="1" anchor="t">
-                <a:noAutofit/>
-              </a:bodyPr>
-              <a:lstStyle/>
-              <a:p>
-                <a:pPr defTabSz="507148">
-                  <a:defRPr sz="1300">
+              </a:defRPr>
+            </a:pPr>
+            <a:r>
+              <a:t>A selection of items from a group of choices. The number of combinations of </a:t>
+            </a:r>
+            <a14:m>
+              <m:oMath>
+                <m:r>
+                  <a:rPr xmlns:a="http://schemas.openxmlformats.org/drawingml/2006/main" sz="1750" i="1">
                     <a:solidFill>
-                      <a:schemeClr val="accent5"/>
+                      <a:srgbClr val="007AB9"/>
                     </a:solidFill>
-                  </a:defRPr>
-                </a:pPr>
-              </a:p>
-            </p:txBody>
-          </p:sp>
-          <p:sp>
-            <p:nvSpPr>
-              <p:cNvPr id="269" name="Practice problem #2…"/>
-              <p:cNvSpPr txBox="1"/>
-              <p:nvPr/>
-            </p:nvSpPr>
-            <p:spPr>
-              <a:xfrm>
-                <a:off x="12699" y="12699"/>
-                <a:ext cx="5058085" cy="701307"/>
-              </a:xfrm>
-              <a:prstGeom prst="rect">
-                <a:avLst/>
-              </a:prstGeom>
-              <a:noFill/>
-              <a:ln w="12700" cap="flat">
-                <a:noFill/>
-                <a:miter lim="400000"/>
-              </a:ln>
-              <a:effectLst/>
-              <a:extLst>
-                <a:ext uri="{C572A759-6A51-4108-AA02-DFA0A04FC94B}">
-                  <ma14:wrappingTextBoxFlag xmlns:ma14="http://schemas.microsoft.com/office/mac/drawingml/2011/main" val="1"/>
-                </a:ext>
-              </a:extLst>
-            </p:spPr>
-            <p:txBody>
-              <a:bodyPr wrap="square" lIns="91421" tIns="91421" rIns="91421" bIns="91421" numCol="1" anchor="t">
-                <a:normAutofit fontScale="100000" lnSpcReduction="0"/>
-              </a:bodyPr>
-              <a:lstStyle/>
-              <a:p>
-                <a:pPr defTabSz="507148">
-                  <a:defRPr sz="2000">
-                    <a:latin typeface="+mn-lt"/>
-                    <a:ea typeface="+mn-ea"/>
-                    <a:cs typeface="+mn-cs"/>
-                    <a:sym typeface="Arial"/>
-                  </a:defRPr>
-                </a:pPr>
-                <a:r>
-                  <a:t>Practice problem #2</a:t>
-                </a:r>
-              </a:p>
-              <a:p>
-                <a:pPr defTabSz="507148">
-                  <a:defRPr sz="1300">
+                    <a:latin typeface="Cambria Math" panose="02040503050406030204" pitchFamily="18" charset="0"/>
+                  </a:rPr>
+                  <m:t>r</m:t>
+                </m:r>
+              </m:oMath>
+            </a14:m>
+            <a:r>
+              <a:t> items from a group of </a:t>
+            </a:r>
+            <a14:m>
+              <m:oMath>
+                <m:r>
+                  <a:rPr xmlns:a="http://schemas.openxmlformats.org/drawingml/2006/main" sz="1800" i="1">
                     <a:solidFill>
-                      <a:schemeClr val="accent5"/>
+                      <a:srgbClr val="007AB9"/>
                     </a:solidFill>
-                  </a:defRPr>
-                </a:pPr>
-                <a:r>
-                  <a:t>be sure to:</a:t>
-                </a:r>
-                <a:r>
-                  <a:rPr>
-                    <a:solidFill>
-                      <a:schemeClr val="accent5">
-                        <a:lumOff val="-9843"/>
-                      </a:schemeClr>
-                    </a:solidFill>
+                    <a:latin typeface="Cambria Math" panose="02040503050406030204" pitchFamily="18" charset="0"/>
                   </a:rPr>
-                  <a:t> </a:t>
-                </a:r>
-                <a:r>
-                  <a:rPr>
-                    <a:solidFill>
-                      <a:schemeClr val="accent1"/>
-                    </a:solidFill>
-                  </a:rPr>
-                  <a:t>Take notes and answer questions in your </a:t>
-                </a:r>
-                <a:r>
-                  <a:rPr b="1">
-                    <a:solidFill>
-                      <a:schemeClr val="accent1"/>
-                    </a:solidFill>
-                  </a:rPr>
-                  <a:t>notebook</a:t>
-                </a:r>
-                <a:r>
-                  <a:rPr>
-                    <a:solidFill>
-                      <a:schemeClr val="accent1"/>
-                    </a:solidFill>
-                  </a:rPr>
-                  <a:t>.</a:t>
-                </a:r>
-              </a:p>
-            </p:txBody>
-          </p:sp>
-        </p:grpSp>
-      </p:grpSp>
+                  <m:t>n</m:t>
+                </m:r>
+              </m:oMath>
+            </a14:m>
+            <a:r>
+              <a:t> choices is given by</a:t>
+            </a:r>
+            <a:br/>
+            <a:br/>
+            <a14:m>
+              <m:oMath>
+                <m:f>
+                  <m:fPr>
+                    <m:ctrlPr>
+                      <a:rPr xmlns:a="http://schemas.openxmlformats.org/drawingml/2006/main" sz="1650" i="1">
+                        <a:solidFill>
+                          <a:srgbClr val="007AB9"/>
+                        </a:solidFill>
+                        <a:latin typeface="Cambria Math" panose="02040503050406030204" pitchFamily="18" charset="0"/>
+                      </a:rPr>
+                    </m:ctrlPr>
+                    <m:type m:val="bar"/>
+                  </m:fPr>
+                  <m:num>
+                    <m:r>
+                      <a:rPr xmlns:a="http://schemas.openxmlformats.org/drawingml/2006/main" sz="1650" i="1">
+                        <a:solidFill>
+                          <a:srgbClr val="007AB9"/>
+                        </a:solidFill>
+                        <a:latin typeface="Cambria Math" panose="02040503050406030204" pitchFamily="18" charset="0"/>
+                      </a:rPr>
+                      <m:t>n</m:t>
+                    </m:r>
+                    <m:r>
+                      <a:rPr xmlns:a="http://schemas.openxmlformats.org/drawingml/2006/main" sz="1650" i="1">
+                        <a:solidFill>
+                          <a:srgbClr val="007AB9"/>
+                        </a:solidFill>
+                        <a:latin typeface="Cambria Math" panose="02040503050406030204" pitchFamily="18" charset="0"/>
+                      </a:rPr>
+                      <m:t>!</m:t>
+                    </m:r>
+                  </m:num>
+                  <m:den>
+                    <m:r>
+                      <a:rPr xmlns:a="http://schemas.openxmlformats.org/drawingml/2006/main" sz="1650" i="1">
+                        <a:solidFill>
+                          <a:srgbClr val="007AB9"/>
+                        </a:solidFill>
+                        <a:latin typeface="Cambria Math" panose="02040503050406030204" pitchFamily="18" charset="0"/>
+                      </a:rPr>
+                      <m:t>r</m:t>
+                    </m:r>
+                    <m:r>
+                      <a:rPr xmlns:a="http://schemas.openxmlformats.org/drawingml/2006/main" sz="1650" i="1">
+                        <a:solidFill>
+                          <a:srgbClr val="007AB9"/>
+                        </a:solidFill>
+                        <a:latin typeface="Cambria Math" panose="02040503050406030204" pitchFamily="18" charset="0"/>
+                      </a:rPr>
+                      <m:t>!</m:t>
+                    </m:r>
+                    <m:r>
+                      <a:rPr xmlns:a="http://schemas.openxmlformats.org/drawingml/2006/main" sz="1650" i="1">
+                        <a:solidFill>
+                          <a:srgbClr val="007AB9"/>
+                        </a:solidFill>
+                        <a:latin typeface="Cambria Math" panose="02040503050406030204" pitchFamily="18" charset="0"/>
+                      </a:rPr>
+                      <m:t>(</m:t>
+                    </m:r>
+                    <m:r>
+                      <a:rPr xmlns:a="http://schemas.openxmlformats.org/drawingml/2006/main" sz="1650" i="1">
+                        <a:solidFill>
+                          <a:srgbClr val="007AB9"/>
+                        </a:solidFill>
+                        <a:latin typeface="Cambria Math" panose="02040503050406030204" pitchFamily="18" charset="0"/>
+                      </a:rPr>
+                      <m:t>n</m:t>
+                    </m:r>
+                    <m:r>
+                      <a:rPr xmlns:a="http://schemas.openxmlformats.org/drawingml/2006/main" sz="1650" i="1">
+                        <a:solidFill>
+                          <a:srgbClr val="007AB9"/>
+                        </a:solidFill>
+                        <a:latin typeface="Cambria Math" panose="02040503050406030204" pitchFamily="18" charset="0"/>
+                      </a:rPr>
+                      <m:t>-</m:t>
+                    </m:r>
+                    <m:r>
+                      <a:rPr xmlns:a="http://schemas.openxmlformats.org/drawingml/2006/main" sz="1650" i="1">
+                        <a:solidFill>
+                          <a:srgbClr val="007AB9"/>
+                        </a:solidFill>
+                        <a:latin typeface="Cambria Math" panose="02040503050406030204" pitchFamily="18" charset="0"/>
+                      </a:rPr>
+                      <m:t>r</m:t>
+                    </m:r>
+                    <m:r>
+                      <a:rPr xmlns:a="http://schemas.openxmlformats.org/drawingml/2006/main" sz="1650" i="1">
+                        <a:solidFill>
+                          <a:srgbClr val="007AB9"/>
+                        </a:solidFill>
+                        <a:latin typeface="Cambria Math" panose="02040503050406030204" pitchFamily="18" charset="0"/>
+                      </a:rPr>
+                      <m:t>)</m:t>
+                    </m:r>
+                    <m:r>
+                      <a:rPr xmlns:a="http://schemas.openxmlformats.org/drawingml/2006/main" sz="1650" i="1">
+                        <a:solidFill>
+                          <a:srgbClr val="007AB9"/>
+                        </a:solidFill>
+                        <a:latin typeface="Cambria Math" panose="02040503050406030204" pitchFamily="18" charset="0"/>
+                      </a:rPr>
+                      <m:t>!</m:t>
+                    </m:r>
+                  </m:den>
+                </m:f>
+              </m:oMath>
+            </a14:m>
+          </a:p>
+        </p:txBody>
+      </p:sp>
     </p:spTree>
   </p:cSld>
   <p:clrMapOvr>
@@ -6406,7 +6014,7 @@
 </p:sld>
 </file>
 
-<file path=ppt/slides/slide11.xml><?xml version="1.0" encoding="utf-8"?>
+<file path=ppt/slides/slide3.xml><?xml version="1.0" encoding="utf-8"?>
 <p:sld xmlns:a="http://schemas.openxmlformats.org/drawingml/2006/main" xmlns:r="http://schemas.openxmlformats.org/officeDocument/2006/relationships" xmlns:p="http://schemas.openxmlformats.org/presentationml/2006/main" xmlns:m="http://schemas.openxmlformats.org/officeDocument/2006/math" xmlns:a14="http://schemas.microsoft.com/office/drawing/2010/main" showMasterSp="1" showMasterPhAnim="1">
   <p:cSld>
     <p:spTree>
@@ -6425,51 +6033,324 @@
       </p:grpSpPr>
       <p:sp>
         <p:nvSpPr>
-          <p:cNvPr id="273" name="Double-click to edit"/>
+          <p:cNvPr id="210" name="Vocabulary"/>
           <p:cNvSpPr txBox="1"/>
           <p:nvPr>
             <p:ph type="title"/>
           </p:nvPr>
         </p:nvSpPr>
         <p:spPr>
+          <a:xfrm>
+            <a:off x="2400250" y="575950"/>
+            <a:ext cx="6321601" cy="635403"/>
+          </a:xfrm>
           <a:prstGeom prst="rect">
             <a:avLst/>
           </a:prstGeom>
         </p:spPr>
         <p:txBody>
           <a:bodyPr/>
+          <a:lstStyle>
+            <a:lvl1pPr defTabSz="886966">
+              <a:defRPr sz="2900"/>
+            </a:lvl1pPr>
+          </a:lstStyle>
+          <a:p>
+            <a:pPr/>
+            <a:r>
+              <a:t>Warm up: writing to learn</a:t>
+            </a:r>
+          </a:p>
+        </p:txBody>
+      </p:sp>
+      <p:sp>
+        <p:nvSpPr>
+          <p:cNvPr id="211" name="Coefficient matrix…"/>
+          <p:cNvSpPr txBox="1"/>
+          <p:nvPr/>
+        </p:nvSpPr>
+        <p:spPr>
+          <a:xfrm>
+            <a:off x="860673" y="1531952"/>
+            <a:ext cx="3171672" cy="1473201"/>
+          </a:xfrm>
+          <a:prstGeom prst="rect">
+            <a:avLst/>
+          </a:prstGeom>
+          <a:ln w="12700">
+            <a:miter lim="400000"/>
+          </a:ln>
+          <a:extLst>
+            <a:ext uri="{C572A759-6A51-4108-AA02-DFA0A04FC94B}">
+              <ma14:wrappingTextBoxFlag xmlns:ma14="http://schemas.microsoft.com/office/mac/drawingml/2011/main" val="1"/>
+            </a:ext>
+          </a:extLst>
+        </p:spPr>
+        <p:txBody>
+          <a:bodyPr lIns="0" tIns="0" rIns="0" bIns="0">
+            <a:spAutoFit/>
+          </a:bodyPr>
           <a:lstStyle/>
           <a:p>
-            <a:pPr defTabSz="886968">
-              <a:defRPr sz="2910"/>
+            <a:pPr>
+              <a:defRPr>
+                <a:solidFill>
+                  <a:srgbClr val="012F7B"/>
+                </a:solidFill>
+                <a:latin typeface="Helvetica Neue"/>
+                <a:ea typeface="Helvetica Neue"/>
+                <a:cs typeface="Helvetica Neue"/>
+                <a:sym typeface="Helvetica Neue"/>
+              </a:defRPr>
             </a:pPr>
           </a:p>
-        </p:txBody>
-      </p:sp>
-      <p:sp>
-        <p:nvSpPr>
-          <p:cNvPr id="274" name="Double-click to edit"/>
+          <a:p>
+            <a:pPr>
+              <a:defRPr>
+                <a:solidFill>
+                  <a:srgbClr val="FF6A00"/>
+                </a:solidFill>
+                <a:latin typeface="+mn-lt"/>
+                <a:ea typeface="+mn-ea"/>
+                <a:cs typeface="+mn-cs"/>
+                <a:sym typeface="Helvetica"/>
+              </a:defRPr>
+            </a:pPr>
+            <a:r>
+              <a:rPr>
+                <a:solidFill>
+                  <a:srgbClr val="012F7B"/>
+                </a:solidFill>
+                <a:latin typeface="Helvetica Neue"/>
+                <a:ea typeface="Helvetica Neue"/>
+                <a:cs typeface="Helvetica Neue"/>
+                <a:sym typeface="Helvetica Neue"/>
+              </a:rPr>
+              <a:t>Be sure to…</a:t>
+            </a:r>
+            <a:endParaRPr>
+              <a:solidFill>
+                <a:srgbClr val="012F7B"/>
+              </a:solidFill>
+              <a:latin typeface="Helvetica Neue"/>
+              <a:ea typeface="Helvetica Neue"/>
+              <a:cs typeface="Helvetica Neue"/>
+              <a:sym typeface="Helvetica Neue"/>
+            </a:endParaRPr>
+          </a:p>
+          <a:p>
+            <a:pPr marL="187157" indent="-187157">
+              <a:buSzPct val="100000"/>
+              <a:buAutoNum type="arabicPeriod" startAt="1"/>
+              <a:defRPr>
+                <a:solidFill>
+                  <a:srgbClr val="FF6A00"/>
+                </a:solidFill>
+                <a:latin typeface="+mn-lt"/>
+                <a:ea typeface="+mn-ea"/>
+                <a:cs typeface="+mn-cs"/>
+                <a:sym typeface="Helvetica"/>
+              </a:defRPr>
+            </a:pPr>
+            <a:endParaRPr sz="1200">
+              <a:latin typeface="Times Roman"/>
+              <a:ea typeface="Times Roman"/>
+              <a:cs typeface="Times Roman"/>
+              <a:sym typeface="Times Roman"/>
+            </a:endParaRPr>
+          </a:p>
+          <a:p>
+            <a:pPr marL="228600" indent="-228600">
+              <a:buSzPct val="100000"/>
+              <a:buAutoNum type="arabicPeriod" startAt="1"/>
+              <a:defRPr>
+                <a:solidFill>
+                  <a:srgbClr val="FF6A00"/>
+                </a:solidFill>
+                <a:latin typeface="+mn-lt"/>
+                <a:ea typeface="+mn-ea"/>
+                <a:cs typeface="+mn-cs"/>
+                <a:sym typeface="Helvetica"/>
+              </a:defRPr>
+            </a:pPr>
+            <a:r>
+              <a:rPr sz="1200">
+                <a:latin typeface="Times Roman"/>
+                <a:ea typeface="Times Roman"/>
+                <a:cs typeface="Times Roman"/>
+                <a:sym typeface="Times Roman"/>
+              </a:rPr>
+              <a:t>Review the unfinished class to the left</a:t>
+            </a:r>
+            <a:endParaRPr sz="1200">
+              <a:latin typeface="Times Roman"/>
+              <a:ea typeface="Times Roman"/>
+              <a:cs typeface="Times Roman"/>
+              <a:sym typeface="Times Roman"/>
+            </a:endParaRPr>
+          </a:p>
+          <a:p>
+            <a:pPr marL="228600" indent="-228600">
+              <a:buSzPct val="100000"/>
+              <a:buAutoNum type="arabicPeriod" startAt="1"/>
+              <a:defRPr>
+                <a:solidFill>
+                  <a:srgbClr val="FF6A00"/>
+                </a:solidFill>
+                <a:latin typeface="+mn-lt"/>
+                <a:ea typeface="+mn-ea"/>
+                <a:cs typeface="+mn-cs"/>
+                <a:sym typeface="Helvetica"/>
+              </a:defRPr>
+            </a:pPr>
+            <a:r>
+              <a:rPr sz="1200">
+                <a:latin typeface="Times Roman"/>
+                <a:ea typeface="Times Roman"/>
+                <a:cs typeface="Times Roman"/>
+                <a:sym typeface="Times Roman"/>
+              </a:rPr>
+              <a:t>Answer the questions below:</a:t>
+            </a:r>
+            <a:endParaRPr sz="1200">
+              <a:latin typeface="Times Roman"/>
+              <a:ea typeface="Times Roman"/>
+              <a:cs typeface="Times Roman"/>
+              <a:sym typeface="Times Roman"/>
+            </a:endParaRPr>
+          </a:p>
+          <a:p>
+            <a:pPr lvl="1" marL="457200" indent="-228600">
+              <a:buSzPct val="100000"/>
+              <a:buAutoNum type="arabicPeriod" startAt="1"/>
+              <a:defRPr>
+                <a:solidFill>
+                  <a:srgbClr val="FF6A00"/>
+                </a:solidFill>
+                <a:latin typeface="+mn-lt"/>
+                <a:ea typeface="+mn-ea"/>
+                <a:cs typeface="+mn-cs"/>
+                <a:sym typeface="Helvetica"/>
+              </a:defRPr>
+            </a:pPr>
+            <a:r>
+              <a:rPr sz="1200">
+                <a:latin typeface="Times Roman"/>
+                <a:ea typeface="Times Roman"/>
+                <a:cs typeface="Times Roman"/>
+                <a:sym typeface="Times Roman"/>
+              </a:rPr>
+              <a:t>What methods need to be completed?</a:t>
+            </a:r>
+            <a:endParaRPr sz="1200">
+              <a:latin typeface="Times Roman"/>
+              <a:ea typeface="Times Roman"/>
+              <a:cs typeface="Times Roman"/>
+              <a:sym typeface="Times Roman"/>
+            </a:endParaRPr>
+          </a:p>
+          <a:p>
+            <a:pPr lvl="1" marL="457200" indent="-228600">
+              <a:buSzPct val="100000"/>
+              <a:buAutoNum type="arabicPeriod" startAt="1"/>
+              <a:defRPr>
+                <a:solidFill>
+                  <a:srgbClr val="FF6A00"/>
+                </a:solidFill>
+                <a:latin typeface="+mn-lt"/>
+                <a:ea typeface="+mn-ea"/>
+                <a:cs typeface="+mn-cs"/>
+                <a:sym typeface="Helvetica"/>
+              </a:defRPr>
+            </a:pPr>
+            <a:r>
+              <a:rPr sz="1200">
+                <a:latin typeface="Times Roman"/>
+                <a:ea typeface="Times Roman"/>
+                <a:cs typeface="Times Roman"/>
+                <a:sym typeface="Times Roman"/>
+              </a:rPr>
+              <a:t>What do you think these methods do?</a:t>
+            </a:r>
+            <a:endParaRPr sz="1200">
+              <a:latin typeface="Times Roman"/>
+              <a:ea typeface="Times Roman"/>
+              <a:cs typeface="Times Roman"/>
+              <a:sym typeface="Times Roman"/>
+            </a:endParaRPr>
+          </a:p>
+          <a:p>
+            <a:pPr lvl="1" marL="457200" indent="-228600">
+              <a:buSzPct val="100000"/>
+              <a:buAutoNum type="arabicPeriod" startAt="1"/>
+              <a:defRPr>
+                <a:solidFill>
+                  <a:srgbClr val="FF6A00"/>
+                </a:solidFill>
+                <a:latin typeface="+mn-lt"/>
+                <a:ea typeface="+mn-ea"/>
+                <a:cs typeface="+mn-cs"/>
+                <a:sym typeface="Helvetica"/>
+              </a:defRPr>
+            </a:pPr>
+            <a:r>
+              <a:rPr sz="1200">
+                <a:latin typeface="Times Roman"/>
+                <a:ea typeface="Times Roman"/>
+                <a:cs typeface="Times Roman"/>
+                <a:sym typeface="Times Roman"/>
+              </a:rPr>
+              <a:t>What remaining questions do you have?</a:t>
+            </a:r>
+          </a:p>
+        </p:txBody>
+      </p:sp>
+      <p:sp>
+        <p:nvSpPr>
+          <p:cNvPr id="212" name="Coefficient matrix…"/>
           <p:cNvSpPr txBox="1"/>
-          <p:nvPr>
-            <p:ph type="body" idx="1"/>
-          </p:nvPr>
-        </p:nvSpPr>
-        <p:spPr>
+          <p:nvPr/>
+        </p:nvSpPr>
+        <p:spPr>
+          <a:xfrm>
+            <a:off x="2136862" y="1531952"/>
+            <a:ext cx="5838465" cy="431801"/>
+          </a:xfrm>
           <a:prstGeom prst="rect">
             <a:avLst/>
           </a:prstGeom>
-        </p:spPr>
-        <p:txBody>
-          <a:bodyPr/>
+          <a:ln w="12700">
+            <a:miter lim="400000"/>
+          </a:ln>
+          <a:extLst>
+            <a:ext uri="{C572A759-6A51-4108-AA02-DFA0A04FC94B}">
+              <ma14:wrappingTextBoxFlag xmlns:ma14="http://schemas.microsoft.com/office/mac/drawingml/2011/main" val="1"/>
+            </a:ext>
+          </a:extLst>
+        </p:spPr>
+        <p:txBody>
+          <a:bodyPr lIns="0" tIns="0" rIns="0" bIns="0">
+            <a:spAutoFit/>
+          </a:bodyPr>
           <a:lstStyle/>
           <a:p>
-            <a:pPr/>
+            <a:pPr>
+              <a:defRPr>
+                <a:solidFill>
+                  <a:srgbClr val="FF6A00"/>
+                </a:solidFill>
+                <a:latin typeface="+mn-lt"/>
+                <a:ea typeface="+mn-ea"/>
+                <a:cs typeface="+mn-cs"/>
+                <a:sym typeface="Helvetica"/>
+              </a:defRPr>
+            </a:pPr>
           </a:p>
         </p:txBody>
       </p:sp>
       <p:pic>
         <p:nvPicPr>
-          <p:cNvPr id="275" name="Image" descr="Image"/>
+          <p:cNvPr id="213" name="Image" descr="Image"/>
           <p:cNvPicPr>
             <a:picLocks noChangeAspect="1"/>
           </p:cNvPicPr>
@@ -6485,8 +6366,8 @@
         </p:blipFill>
         <p:spPr>
           <a:xfrm>
-            <a:off x="1895235" y="1558751"/>
-            <a:ext cx="5834678" cy="2824323"/>
+            <a:off x="4203449" y="1457339"/>
+            <a:ext cx="4306010" cy="1970279"/>
           </a:xfrm>
           <a:prstGeom prst="rect">
             <a:avLst/>
@@ -6496,1089 +6377,6 @@
           </a:ln>
         </p:spPr>
       </p:pic>
-      <p:grpSp>
-        <p:nvGrpSpPr>
-          <p:cNvPr id="280" name="Google Shape;118;p19"/>
-          <p:cNvGrpSpPr/>
-          <p:nvPr/>
-        </p:nvGrpSpPr>
-        <p:grpSpPr>
-          <a:xfrm>
-            <a:off x="2119861" y="42840"/>
-            <a:ext cx="5092944" cy="745623"/>
-            <a:chOff x="-1" y="0"/>
-            <a:chExt cx="5092942" cy="745622"/>
-          </a:xfrm>
-        </p:grpSpPr>
-        <p:sp>
-          <p:nvSpPr>
-            <p:cNvPr id="276" name="Rectangle"/>
-            <p:cNvSpPr/>
-            <p:nvPr/>
-          </p:nvSpPr>
-          <p:spPr>
-            <a:xfrm>
-              <a:off x="-2" y="0"/>
-              <a:ext cx="4546963" cy="745623"/>
-            </a:xfrm>
-            <a:prstGeom prst="rect">
-              <a:avLst/>
-            </a:prstGeom>
-            <a:noFill/>
-            <a:ln w="25400" cap="flat">
-              <a:solidFill>
-                <a:schemeClr val="accent1"/>
-              </a:solidFill>
-              <a:prstDash val="solid"/>
-              <a:round/>
-            </a:ln>
-            <a:effectLst/>
-          </p:spPr>
-          <p:txBody>
-            <a:bodyPr wrap="square" lIns="0" tIns="0" rIns="0" bIns="0" numCol="1" anchor="t">
-              <a:noAutofit/>
-            </a:bodyPr>
-            <a:lstStyle/>
-            <a:p>
-              <a:pPr defTabSz="795527">
-                <a:defRPr sz="1200">
-                  <a:solidFill>
-                    <a:schemeClr val="accent5"/>
-                  </a:solidFill>
-                </a:defRPr>
-              </a:pPr>
-            </a:p>
-          </p:txBody>
-        </p:sp>
-        <p:grpSp>
-          <p:nvGrpSpPr>
-            <p:cNvPr id="279" name="Do now…"/>
-            <p:cNvGrpSpPr/>
-            <p:nvPr/>
-          </p:nvGrpSpPr>
-          <p:grpSpPr>
-            <a:xfrm>
-              <a:off x="9457" y="9458"/>
-              <a:ext cx="5083485" cy="726706"/>
-              <a:chOff x="0" y="0"/>
-              <a:chExt cx="5083483" cy="726705"/>
-            </a:xfrm>
-          </p:grpSpPr>
-          <p:sp>
-            <p:nvSpPr>
-              <p:cNvPr id="277" name="Rectangle"/>
-              <p:cNvSpPr/>
-              <p:nvPr/>
-            </p:nvSpPr>
-            <p:spPr>
-              <a:xfrm>
-                <a:off x="-1" y="-1"/>
-                <a:ext cx="5083485" cy="726707"/>
-              </a:xfrm>
-              <a:prstGeom prst="rect">
-                <a:avLst/>
-              </a:prstGeom>
-              <a:solidFill>
-                <a:srgbClr val="FFFFFF"/>
-              </a:solidFill>
-              <a:ln w="25400" cap="flat">
-                <a:solidFill>
-                  <a:schemeClr val="accent1"/>
-                </a:solidFill>
-                <a:prstDash val="solid"/>
-                <a:round/>
-              </a:ln>
-              <a:effectLst/>
-            </p:spPr>
-            <p:txBody>
-              <a:bodyPr wrap="square" lIns="0" tIns="0" rIns="0" bIns="0" numCol="1" anchor="t">
-                <a:noAutofit/>
-              </a:bodyPr>
-              <a:lstStyle/>
-              <a:p>
-                <a:pPr defTabSz="507148">
-                  <a:defRPr sz="1300">
-                    <a:solidFill>
-                      <a:schemeClr val="accent5"/>
-                    </a:solidFill>
-                  </a:defRPr>
-                </a:pPr>
-              </a:p>
-            </p:txBody>
-          </p:sp>
-          <p:sp>
-            <p:nvSpPr>
-              <p:cNvPr id="278" name="Practice problem #2…"/>
-              <p:cNvSpPr txBox="1"/>
-              <p:nvPr/>
-            </p:nvSpPr>
-            <p:spPr>
-              <a:xfrm>
-                <a:off x="12699" y="12699"/>
-                <a:ext cx="5058085" cy="701307"/>
-              </a:xfrm>
-              <a:prstGeom prst="rect">
-                <a:avLst/>
-              </a:prstGeom>
-              <a:noFill/>
-              <a:ln w="12700" cap="flat">
-                <a:noFill/>
-                <a:miter lim="400000"/>
-              </a:ln>
-              <a:effectLst/>
-              <a:extLst>
-                <a:ext uri="{C572A759-6A51-4108-AA02-DFA0A04FC94B}">
-                  <ma14:wrappingTextBoxFlag xmlns:ma14="http://schemas.microsoft.com/office/mac/drawingml/2011/main" val="1"/>
-                </a:ext>
-              </a:extLst>
-            </p:spPr>
-            <p:txBody>
-              <a:bodyPr wrap="square" lIns="91421" tIns="91421" rIns="91421" bIns="91421" numCol="1" anchor="t">
-                <a:normAutofit fontScale="100000" lnSpcReduction="0"/>
-              </a:bodyPr>
-              <a:lstStyle/>
-              <a:p>
-                <a:pPr defTabSz="507148">
-                  <a:defRPr sz="2000">
-                    <a:latin typeface="+mn-lt"/>
-                    <a:ea typeface="+mn-ea"/>
-                    <a:cs typeface="+mn-cs"/>
-                    <a:sym typeface="Arial"/>
-                  </a:defRPr>
-                </a:pPr>
-                <a:r>
-                  <a:t>Practice problem #2</a:t>
-                </a:r>
-              </a:p>
-              <a:p>
-                <a:pPr defTabSz="507148">
-                  <a:defRPr sz="1300">
-                    <a:solidFill>
-                      <a:schemeClr val="accent5"/>
-                    </a:solidFill>
-                  </a:defRPr>
-                </a:pPr>
-                <a:r>
-                  <a:t>be sure to:</a:t>
-                </a:r>
-                <a:r>
-                  <a:rPr>
-                    <a:solidFill>
-                      <a:schemeClr val="accent5">
-                        <a:lumOff val="-9843"/>
-                      </a:schemeClr>
-                    </a:solidFill>
-                  </a:rPr>
-                  <a:t> </a:t>
-                </a:r>
-                <a:r>
-                  <a:rPr>
-                    <a:solidFill>
-                      <a:schemeClr val="accent1"/>
-                    </a:solidFill>
-                  </a:rPr>
-                  <a:t>Take notes and answer questions in your </a:t>
-                </a:r>
-                <a:r>
-                  <a:rPr b="1">
-                    <a:solidFill>
-                      <a:schemeClr val="accent1"/>
-                    </a:solidFill>
-                  </a:rPr>
-                  <a:t>notebook</a:t>
-                </a:r>
-                <a:r>
-                  <a:rPr>
-                    <a:solidFill>
-                      <a:schemeClr val="accent1"/>
-                    </a:solidFill>
-                  </a:rPr>
-                  <a:t>.</a:t>
-                </a:r>
-              </a:p>
-            </p:txBody>
-          </p:sp>
-        </p:grpSp>
-      </p:grpSp>
-    </p:spTree>
-  </p:cSld>
-  <p:clrMapOvr>
-    <a:masterClrMapping/>
-  </p:clrMapOvr>
-  <p:transition xmlns:p14="http://schemas.microsoft.com/office/powerpoint/2010/main" spd="med" advClick="1"/>
-</p:sld>
-</file>
-
-<file path=ppt/slides/slide12.xml><?xml version="1.0" encoding="utf-8"?>
-<p:sld xmlns:a="http://schemas.openxmlformats.org/drawingml/2006/main" xmlns:r="http://schemas.openxmlformats.org/officeDocument/2006/relationships" xmlns:p="http://schemas.openxmlformats.org/presentationml/2006/main" xmlns:m="http://schemas.openxmlformats.org/officeDocument/2006/math" xmlns:a14="http://schemas.microsoft.com/office/drawing/2010/main" showMasterSp="1" showMasterPhAnim="1">
-  <p:cSld>
-    <p:spTree>
-      <p:nvGrpSpPr>
-        <p:cNvPr id="1" name=""/>
-        <p:cNvGrpSpPr/>
-        <p:nvPr/>
-      </p:nvGrpSpPr>
-      <p:grpSpPr>
-        <a:xfrm>
-          <a:off x="0" y="0"/>
-          <a:ext cx="0" cy="0"/>
-          <a:chOff x="0" y="0"/>
-          <a:chExt cx="0" cy="0"/>
-        </a:xfrm>
-      </p:grpSpPr>
-      <p:sp>
-        <p:nvSpPr>
-          <p:cNvPr id="282" name="Double-click to edit"/>
-          <p:cNvSpPr txBox="1"/>
-          <p:nvPr>
-            <p:ph type="title"/>
-          </p:nvPr>
-        </p:nvSpPr>
-        <p:spPr>
-          <a:prstGeom prst="rect">
-            <a:avLst/>
-          </a:prstGeom>
-        </p:spPr>
-        <p:txBody>
-          <a:bodyPr/>
-          <a:lstStyle/>
-          <a:p>
-            <a:pPr defTabSz="886968">
-              <a:defRPr sz="2910"/>
-            </a:pPr>
-          </a:p>
-        </p:txBody>
-      </p:sp>
-      <p:pic>
-        <p:nvPicPr>
-          <p:cNvPr id="283" name="Image" descr="Image"/>
-          <p:cNvPicPr>
-            <a:picLocks noChangeAspect="1"/>
-          </p:cNvPicPr>
-          <p:nvPr/>
-        </p:nvPicPr>
-        <p:blipFill>
-          <a:blip r:embed="rId2">
-            <a:extLst/>
-          </a:blip>
-          <a:stretch>
-            <a:fillRect/>
-          </a:stretch>
-        </p:blipFill>
-        <p:spPr>
-          <a:xfrm>
-            <a:off x="2152657" y="1193932"/>
-            <a:ext cx="5924543" cy="3198135"/>
-          </a:xfrm>
-          <a:prstGeom prst="rect">
-            <a:avLst/>
-          </a:prstGeom>
-          <a:ln w="12700">
-            <a:miter lim="400000"/>
-          </a:ln>
-        </p:spPr>
-      </p:pic>
-      <p:grpSp>
-        <p:nvGrpSpPr>
-          <p:cNvPr id="288" name="Google Shape;118;p19"/>
-          <p:cNvGrpSpPr/>
-          <p:nvPr/>
-        </p:nvGrpSpPr>
-        <p:grpSpPr>
-          <a:xfrm>
-            <a:off x="2119861" y="42840"/>
-            <a:ext cx="5092944" cy="745623"/>
-            <a:chOff x="-1" y="0"/>
-            <a:chExt cx="5092942" cy="745622"/>
-          </a:xfrm>
-        </p:grpSpPr>
-        <p:sp>
-          <p:nvSpPr>
-            <p:cNvPr id="284" name="Rectangle"/>
-            <p:cNvSpPr/>
-            <p:nvPr/>
-          </p:nvSpPr>
-          <p:spPr>
-            <a:xfrm>
-              <a:off x="-2" y="0"/>
-              <a:ext cx="4546963" cy="745623"/>
-            </a:xfrm>
-            <a:prstGeom prst="rect">
-              <a:avLst/>
-            </a:prstGeom>
-            <a:noFill/>
-            <a:ln w="25400" cap="flat">
-              <a:solidFill>
-                <a:schemeClr val="accent1"/>
-              </a:solidFill>
-              <a:prstDash val="solid"/>
-              <a:round/>
-            </a:ln>
-            <a:effectLst/>
-          </p:spPr>
-          <p:txBody>
-            <a:bodyPr wrap="square" lIns="0" tIns="0" rIns="0" bIns="0" numCol="1" anchor="t">
-              <a:noAutofit/>
-            </a:bodyPr>
-            <a:lstStyle/>
-            <a:p>
-              <a:pPr defTabSz="795527">
-                <a:defRPr sz="1200">
-                  <a:solidFill>
-                    <a:schemeClr val="accent5"/>
-                  </a:solidFill>
-                </a:defRPr>
-              </a:pPr>
-            </a:p>
-          </p:txBody>
-        </p:sp>
-        <p:grpSp>
-          <p:nvGrpSpPr>
-            <p:cNvPr id="287" name="Do now…"/>
-            <p:cNvGrpSpPr/>
-            <p:nvPr/>
-          </p:nvGrpSpPr>
-          <p:grpSpPr>
-            <a:xfrm>
-              <a:off x="9457" y="9458"/>
-              <a:ext cx="5083485" cy="726706"/>
-              <a:chOff x="0" y="0"/>
-              <a:chExt cx="5083483" cy="726705"/>
-            </a:xfrm>
-          </p:grpSpPr>
-          <p:sp>
-            <p:nvSpPr>
-              <p:cNvPr id="285" name="Rectangle"/>
-              <p:cNvSpPr/>
-              <p:nvPr/>
-            </p:nvSpPr>
-            <p:spPr>
-              <a:xfrm>
-                <a:off x="-1" y="-1"/>
-                <a:ext cx="5083485" cy="726707"/>
-              </a:xfrm>
-              <a:prstGeom prst="rect">
-                <a:avLst/>
-              </a:prstGeom>
-              <a:solidFill>
-                <a:srgbClr val="FFFFFF"/>
-              </a:solidFill>
-              <a:ln w="25400" cap="flat">
-                <a:solidFill>
-                  <a:schemeClr val="accent1"/>
-                </a:solidFill>
-                <a:prstDash val="solid"/>
-                <a:round/>
-              </a:ln>
-              <a:effectLst/>
-            </p:spPr>
-            <p:txBody>
-              <a:bodyPr wrap="square" lIns="0" tIns="0" rIns="0" bIns="0" numCol="1" anchor="t">
-                <a:noAutofit/>
-              </a:bodyPr>
-              <a:lstStyle/>
-              <a:p>
-                <a:pPr defTabSz="507148">
-                  <a:defRPr sz="1300">
-                    <a:solidFill>
-                      <a:schemeClr val="accent5"/>
-                    </a:solidFill>
-                  </a:defRPr>
-                </a:pPr>
-              </a:p>
-            </p:txBody>
-          </p:sp>
-          <p:sp>
-            <p:nvSpPr>
-              <p:cNvPr id="286" name="Practice problem #3…"/>
-              <p:cNvSpPr txBox="1"/>
-              <p:nvPr/>
-            </p:nvSpPr>
-            <p:spPr>
-              <a:xfrm>
-                <a:off x="12699" y="12699"/>
-                <a:ext cx="5058085" cy="701307"/>
-              </a:xfrm>
-              <a:prstGeom prst="rect">
-                <a:avLst/>
-              </a:prstGeom>
-              <a:noFill/>
-              <a:ln w="12700" cap="flat">
-                <a:noFill/>
-                <a:miter lim="400000"/>
-              </a:ln>
-              <a:effectLst/>
-              <a:extLst>
-                <a:ext uri="{C572A759-6A51-4108-AA02-DFA0A04FC94B}">
-                  <ma14:wrappingTextBoxFlag xmlns:ma14="http://schemas.microsoft.com/office/mac/drawingml/2011/main" val="1"/>
-                </a:ext>
-              </a:extLst>
-            </p:spPr>
-            <p:txBody>
-              <a:bodyPr wrap="square" lIns="91421" tIns="91421" rIns="91421" bIns="91421" numCol="1" anchor="t">
-                <a:normAutofit fontScale="100000" lnSpcReduction="0"/>
-              </a:bodyPr>
-              <a:lstStyle/>
-              <a:p>
-                <a:pPr defTabSz="507148">
-                  <a:defRPr sz="2000">
-                    <a:latin typeface="+mn-lt"/>
-                    <a:ea typeface="+mn-ea"/>
-                    <a:cs typeface="+mn-cs"/>
-                    <a:sym typeface="Arial"/>
-                  </a:defRPr>
-                </a:pPr>
-                <a:r>
-                  <a:t>Practice problem #3</a:t>
-                </a:r>
-              </a:p>
-              <a:p>
-                <a:pPr defTabSz="507148">
-                  <a:defRPr sz="1300">
-                    <a:solidFill>
-                      <a:schemeClr val="accent5"/>
-                    </a:solidFill>
-                  </a:defRPr>
-                </a:pPr>
-                <a:r>
-                  <a:t>be sure to:</a:t>
-                </a:r>
-                <a:r>
-                  <a:rPr>
-                    <a:solidFill>
-                      <a:schemeClr val="accent5">
-                        <a:lumOff val="-9843"/>
-                      </a:schemeClr>
-                    </a:solidFill>
-                  </a:rPr>
-                  <a:t> </a:t>
-                </a:r>
-                <a:r>
-                  <a:rPr>
-                    <a:solidFill>
-                      <a:schemeClr val="accent1"/>
-                    </a:solidFill>
-                  </a:rPr>
-                  <a:t>Take notes and answer questions in your </a:t>
-                </a:r>
-                <a:r>
-                  <a:rPr b="1">
-                    <a:solidFill>
-                      <a:schemeClr val="accent1"/>
-                    </a:solidFill>
-                  </a:rPr>
-                  <a:t>notebook</a:t>
-                </a:r>
-                <a:r>
-                  <a:rPr>
-                    <a:solidFill>
-                      <a:schemeClr val="accent1"/>
-                    </a:solidFill>
-                  </a:rPr>
-                  <a:t>.</a:t>
-                </a:r>
-              </a:p>
-            </p:txBody>
-          </p:sp>
-        </p:grpSp>
-      </p:grpSp>
-    </p:spTree>
-  </p:cSld>
-  <p:clrMapOvr>
-    <a:masterClrMapping/>
-  </p:clrMapOvr>
-  <p:transition xmlns:p14="http://schemas.microsoft.com/office/powerpoint/2010/main" spd="med" advClick="1"/>
-</p:sld>
-</file>
-
-<file path=ppt/slides/slide13.xml><?xml version="1.0" encoding="utf-8"?>
-<p:sld xmlns:a="http://schemas.openxmlformats.org/drawingml/2006/main" xmlns:r="http://schemas.openxmlformats.org/officeDocument/2006/relationships" xmlns:p="http://schemas.openxmlformats.org/presentationml/2006/main" xmlns:m="http://schemas.openxmlformats.org/officeDocument/2006/math" xmlns:a14="http://schemas.microsoft.com/office/drawing/2010/main" showMasterSp="1" showMasterPhAnim="1">
-  <p:cSld>
-    <p:spTree>
-      <p:nvGrpSpPr>
-        <p:cNvPr id="1" name=""/>
-        <p:cNvGrpSpPr/>
-        <p:nvPr/>
-      </p:nvGrpSpPr>
-      <p:grpSpPr>
-        <a:xfrm>
-          <a:off x="0" y="0"/>
-          <a:ext cx="0" cy="0"/>
-          <a:chOff x="0" y="0"/>
-          <a:chExt cx="0" cy="0"/>
-        </a:xfrm>
-      </p:grpSpPr>
-      <p:sp>
-        <p:nvSpPr>
-          <p:cNvPr id="290" name="Double-click to edit"/>
-          <p:cNvSpPr txBox="1"/>
-          <p:nvPr>
-            <p:ph type="title"/>
-          </p:nvPr>
-        </p:nvSpPr>
-        <p:spPr>
-          <a:prstGeom prst="rect">
-            <a:avLst/>
-          </a:prstGeom>
-        </p:spPr>
-        <p:txBody>
-          <a:bodyPr/>
-          <a:lstStyle/>
-          <a:p>
-            <a:pPr defTabSz="886968">
-              <a:defRPr sz="2910"/>
-            </a:pPr>
-          </a:p>
-        </p:txBody>
-      </p:sp>
-      <p:grpSp>
-        <p:nvGrpSpPr>
-          <p:cNvPr id="295" name="Google Shape;118;p19"/>
-          <p:cNvGrpSpPr/>
-          <p:nvPr/>
-        </p:nvGrpSpPr>
-        <p:grpSpPr>
-          <a:xfrm>
-            <a:off x="2119861" y="42840"/>
-            <a:ext cx="5092944" cy="745623"/>
-            <a:chOff x="-1" y="0"/>
-            <a:chExt cx="5092942" cy="745622"/>
-          </a:xfrm>
-        </p:grpSpPr>
-        <p:sp>
-          <p:nvSpPr>
-            <p:cNvPr id="291" name="Rectangle"/>
-            <p:cNvSpPr/>
-            <p:nvPr/>
-          </p:nvSpPr>
-          <p:spPr>
-            <a:xfrm>
-              <a:off x="-2" y="0"/>
-              <a:ext cx="4546963" cy="745623"/>
-            </a:xfrm>
-            <a:prstGeom prst="rect">
-              <a:avLst/>
-            </a:prstGeom>
-            <a:noFill/>
-            <a:ln w="25400" cap="flat">
-              <a:solidFill>
-                <a:schemeClr val="accent1"/>
-              </a:solidFill>
-              <a:prstDash val="solid"/>
-              <a:round/>
-            </a:ln>
-            <a:effectLst/>
-          </p:spPr>
-          <p:txBody>
-            <a:bodyPr wrap="square" lIns="0" tIns="0" rIns="0" bIns="0" numCol="1" anchor="t">
-              <a:noAutofit/>
-            </a:bodyPr>
-            <a:lstStyle/>
-            <a:p>
-              <a:pPr defTabSz="795527">
-                <a:defRPr sz="1200">
-                  <a:solidFill>
-                    <a:schemeClr val="accent5"/>
-                  </a:solidFill>
-                </a:defRPr>
-              </a:pPr>
-            </a:p>
-          </p:txBody>
-        </p:sp>
-        <p:grpSp>
-          <p:nvGrpSpPr>
-            <p:cNvPr id="294" name="Do now…"/>
-            <p:cNvGrpSpPr/>
-            <p:nvPr/>
-          </p:nvGrpSpPr>
-          <p:grpSpPr>
-            <a:xfrm>
-              <a:off x="9457" y="9458"/>
-              <a:ext cx="5083485" cy="726706"/>
-              <a:chOff x="0" y="0"/>
-              <a:chExt cx="5083483" cy="726705"/>
-            </a:xfrm>
-          </p:grpSpPr>
-          <p:sp>
-            <p:nvSpPr>
-              <p:cNvPr id="292" name="Rectangle"/>
-              <p:cNvSpPr/>
-              <p:nvPr/>
-            </p:nvSpPr>
-            <p:spPr>
-              <a:xfrm>
-                <a:off x="-1" y="-1"/>
-                <a:ext cx="5083485" cy="726707"/>
-              </a:xfrm>
-              <a:prstGeom prst="rect">
-                <a:avLst/>
-              </a:prstGeom>
-              <a:solidFill>
-                <a:srgbClr val="FFFFFF"/>
-              </a:solidFill>
-              <a:ln w="25400" cap="flat">
-                <a:solidFill>
-                  <a:schemeClr val="accent1"/>
-                </a:solidFill>
-                <a:prstDash val="solid"/>
-                <a:round/>
-              </a:ln>
-              <a:effectLst/>
-            </p:spPr>
-            <p:txBody>
-              <a:bodyPr wrap="square" lIns="0" tIns="0" rIns="0" bIns="0" numCol="1" anchor="t">
-                <a:noAutofit/>
-              </a:bodyPr>
-              <a:lstStyle/>
-              <a:p>
-                <a:pPr defTabSz="507148">
-                  <a:defRPr sz="1300">
-                    <a:solidFill>
-                      <a:schemeClr val="accent5"/>
-                    </a:solidFill>
-                  </a:defRPr>
-                </a:pPr>
-              </a:p>
-            </p:txBody>
-          </p:sp>
-          <p:sp>
-            <p:nvSpPr>
-              <p:cNvPr id="293" name="Practice problem #3…"/>
-              <p:cNvSpPr txBox="1"/>
-              <p:nvPr/>
-            </p:nvSpPr>
-            <p:spPr>
-              <a:xfrm>
-                <a:off x="12699" y="12699"/>
-                <a:ext cx="5058085" cy="701307"/>
-              </a:xfrm>
-              <a:prstGeom prst="rect">
-                <a:avLst/>
-              </a:prstGeom>
-              <a:noFill/>
-              <a:ln w="12700" cap="flat">
-                <a:noFill/>
-                <a:miter lim="400000"/>
-              </a:ln>
-              <a:effectLst/>
-              <a:extLst>
-                <a:ext uri="{C572A759-6A51-4108-AA02-DFA0A04FC94B}">
-                  <ma14:wrappingTextBoxFlag xmlns:ma14="http://schemas.microsoft.com/office/mac/drawingml/2011/main" val="1"/>
-                </a:ext>
-              </a:extLst>
-            </p:spPr>
-            <p:txBody>
-              <a:bodyPr wrap="square" lIns="91421" tIns="91421" rIns="91421" bIns="91421" numCol="1" anchor="t">
-                <a:normAutofit fontScale="100000" lnSpcReduction="0"/>
-              </a:bodyPr>
-              <a:lstStyle/>
-              <a:p>
-                <a:pPr defTabSz="507148">
-                  <a:defRPr sz="2000">
-                    <a:latin typeface="+mn-lt"/>
-                    <a:ea typeface="+mn-ea"/>
-                    <a:cs typeface="+mn-cs"/>
-                    <a:sym typeface="Arial"/>
-                  </a:defRPr>
-                </a:pPr>
-                <a:r>
-                  <a:t>Practice problem #3</a:t>
-                </a:r>
-              </a:p>
-              <a:p>
-                <a:pPr defTabSz="507148">
-                  <a:defRPr sz="1300">
-                    <a:solidFill>
-                      <a:schemeClr val="accent5"/>
-                    </a:solidFill>
-                  </a:defRPr>
-                </a:pPr>
-                <a:r>
-                  <a:t>be sure to:</a:t>
-                </a:r>
-                <a:r>
-                  <a:rPr>
-                    <a:solidFill>
-                      <a:schemeClr val="accent5">
-                        <a:lumOff val="-9843"/>
-                      </a:schemeClr>
-                    </a:solidFill>
-                  </a:rPr>
-                  <a:t> </a:t>
-                </a:r>
-                <a:r>
-                  <a:rPr>
-                    <a:solidFill>
-                      <a:schemeClr val="accent1"/>
-                    </a:solidFill>
-                  </a:rPr>
-                  <a:t>Take notes and answer questions in your </a:t>
-                </a:r>
-                <a:r>
-                  <a:rPr b="1">
-                    <a:solidFill>
-                      <a:schemeClr val="accent1"/>
-                    </a:solidFill>
-                  </a:rPr>
-                  <a:t>notebook</a:t>
-                </a:r>
-                <a:r>
-                  <a:rPr>
-                    <a:solidFill>
-                      <a:schemeClr val="accent1"/>
-                    </a:solidFill>
-                  </a:rPr>
-                  <a:t>.</a:t>
-                </a:r>
-              </a:p>
-            </p:txBody>
-          </p:sp>
-        </p:grpSp>
-      </p:grpSp>
-      <p:pic>
-        <p:nvPicPr>
-          <p:cNvPr id="296" name="Image" descr="Image"/>
-          <p:cNvPicPr>
-            <a:picLocks noChangeAspect="1"/>
-          </p:cNvPicPr>
-          <p:nvPr/>
-        </p:nvPicPr>
-        <p:blipFill>
-          <a:blip r:embed="rId2">
-            <a:extLst/>
-          </a:blip>
-          <a:stretch>
-            <a:fillRect/>
-          </a:stretch>
-        </p:blipFill>
-        <p:spPr>
-          <a:xfrm>
-            <a:off x="1331748" y="820392"/>
-            <a:ext cx="7088352" cy="3777284"/>
-          </a:xfrm>
-          <a:prstGeom prst="rect">
-            <a:avLst/>
-          </a:prstGeom>
-          <a:ln w="12700">
-            <a:miter lim="400000"/>
-          </a:ln>
-        </p:spPr>
-      </p:pic>
-    </p:spTree>
-  </p:cSld>
-  <p:clrMapOvr>
-    <a:masterClrMapping/>
-  </p:clrMapOvr>
-  <p:transition xmlns:p14="http://schemas.microsoft.com/office/powerpoint/2010/main" spd="med" advClick="1"/>
-</p:sld>
-</file>
-
-<file path=ppt/slides/slide14.xml><?xml version="1.0" encoding="utf-8"?>
-<p:sld xmlns:a="http://schemas.openxmlformats.org/drawingml/2006/main" xmlns:r="http://schemas.openxmlformats.org/officeDocument/2006/relationships" xmlns:p="http://schemas.openxmlformats.org/presentationml/2006/main" xmlns:m="http://schemas.openxmlformats.org/officeDocument/2006/math" xmlns:a14="http://schemas.microsoft.com/office/drawing/2010/main" showMasterSp="1" showMasterPhAnim="1">
-  <p:cSld>
-    <p:spTree>
-      <p:nvGrpSpPr>
-        <p:cNvPr id="1" name=""/>
-        <p:cNvGrpSpPr/>
-        <p:nvPr/>
-      </p:nvGrpSpPr>
-      <p:grpSpPr>
-        <a:xfrm>
-          <a:off x="0" y="0"/>
-          <a:ext cx="0" cy="0"/>
-          <a:chOff x="0" y="0"/>
-          <a:chExt cx="0" cy="0"/>
-        </a:xfrm>
-      </p:grpSpPr>
-      <p:sp>
-        <p:nvSpPr>
-          <p:cNvPr id="298" name="Coding to learn…"/>
-          <p:cNvSpPr txBox="1"/>
-          <p:nvPr>
-            <p:ph type="title"/>
-          </p:nvPr>
-        </p:nvSpPr>
-        <p:spPr>
-          <a:xfrm>
-            <a:off x="1404467" y="357128"/>
-            <a:ext cx="7302728" cy="939691"/>
-          </a:xfrm>
-          <a:prstGeom prst="rect">
-            <a:avLst/>
-          </a:prstGeom>
-          <a:solidFill>
-            <a:srgbClr val="FFFFFF"/>
-          </a:solidFill>
-          <a:ln w="25400">
-            <a:solidFill>
-              <a:schemeClr val="accent1"/>
-            </a:solidFill>
-            <a:round/>
-          </a:ln>
-        </p:spPr>
-        <p:txBody>
-          <a:bodyPr lIns="91422" tIns="91422" rIns="91422" bIns="91422"/>
-          <a:lstStyle/>
-          <a:p>
-            <a:pPr defTabSz="683605">
-              <a:defRPr b="0" sz="1764">
-                <a:solidFill>
-                  <a:srgbClr val="F46524"/>
-                </a:solidFill>
-                <a:latin typeface="+mn-lt"/>
-                <a:ea typeface="+mn-ea"/>
-                <a:cs typeface="+mn-cs"/>
-                <a:sym typeface="Arial"/>
-              </a:defRPr>
-            </a:pPr>
-            <a:r>
-              <a:t>Coding to learn</a:t>
-            </a:r>
-          </a:p>
-          <a:p>
-            <a:pPr defTabSz="683605">
-              <a:defRPr b="0" sz="1512">
-                <a:solidFill>
-                  <a:schemeClr val="accent5"/>
-                </a:solidFill>
-                <a:latin typeface="+mj-lt"/>
-                <a:ea typeface="+mj-ea"/>
-                <a:cs typeface="+mj-cs"/>
-                <a:sym typeface="Helvetica"/>
-              </a:defRPr>
-            </a:pPr>
-            <a:r>
-              <a:t>be sure to:</a:t>
-            </a:r>
-            <a:r>
-              <a:rPr>
-                <a:solidFill>
-                  <a:schemeClr val="accent5">
-                    <a:lumOff val="-9843"/>
-                  </a:schemeClr>
-                </a:solidFill>
-              </a:rPr>
-              <a:t> </a:t>
-            </a:r>
-            <a:r>
-              <a:rPr>
-                <a:solidFill>
-                  <a:schemeClr val="accent3">
-                    <a:lumOff val="-9098"/>
-                  </a:schemeClr>
-                </a:solidFill>
-              </a:rPr>
-              <a:t>Log in to Workstation. Work on CodeHS exercises below. Make sure to </a:t>
-            </a:r>
-            <a:r>
-              <a:rPr b="1">
-                <a:solidFill>
-                  <a:schemeClr val="accent3">
-                    <a:lumOff val="-9098"/>
-                  </a:schemeClr>
-                </a:solidFill>
-              </a:rPr>
-              <a:t>write out a plan </a:t>
-            </a:r>
-            <a:r>
-              <a:rPr>
-                <a:solidFill>
-                  <a:schemeClr val="accent3">
-                    <a:lumOff val="-9098"/>
-                  </a:schemeClr>
-                </a:solidFill>
-              </a:rPr>
-              <a:t>before you start coding!</a:t>
-            </a:r>
-          </a:p>
-        </p:txBody>
-      </p:sp>
-      <p:sp>
-        <p:nvSpPr>
-          <p:cNvPr id="299" name="CodeHS lesson 4.5"/>
-          <p:cNvSpPr txBox="1"/>
-          <p:nvPr/>
-        </p:nvSpPr>
-        <p:spPr>
-          <a:xfrm>
-            <a:off x="258664" y="1744204"/>
-            <a:ext cx="2907426" cy="1134140"/>
-          </a:xfrm>
-          <a:prstGeom prst="rect">
-            <a:avLst/>
-          </a:prstGeom>
-          <a:ln w="12700">
-            <a:miter lim="400000"/>
-          </a:ln>
-          <a:extLst>
-            <a:ext uri="{C572A759-6A51-4108-AA02-DFA0A04FC94B}">
-              <ma14:wrappingTextBoxFlag xmlns:ma14="http://schemas.microsoft.com/office/mac/drawingml/2011/main" val="1"/>
-            </a:ext>
-          </a:extLst>
-        </p:spPr>
-        <p:txBody>
-          <a:bodyPr lIns="0" tIns="0" rIns="0" bIns="0"/>
-          <a:lstStyle/>
-          <a:p>
-            <a:pPr>
-              <a:defRPr sz="1900">
-                <a:solidFill>
-                  <a:srgbClr val="012F7B"/>
-                </a:solidFill>
-              </a:defRPr>
-            </a:pPr>
-            <a:r>
-              <a:t>CodeHS lesson 4.5</a:t>
-            </a:r>
-          </a:p>
-          <a:p>
-            <a:pPr>
-              <a:defRPr b="1">
-                <a:solidFill>
-                  <a:srgbClr val="FF6A00"/>
-                </a:solidFill>
-              </a:defRPr>
-            </a:pPr>
-            <a:endParaRPr b="0"/>
-          </a:p>
-        </p:txBody>
-      </p:sp>
-      <p:sp>
-        <p:nvSpPr>
-          <p:cNvPr id="300" name="Algorithm…"/>
-          <p:cNvSpPr txBox="1"/>
-          <p:nvPr/>
-        </p:nvSpPr>
-        <p:spPr>
-          <a:xfrm>
-            <a:off x="4634960" y="1496362"/>
-            <a:ext cx="1929728" cy="1282701"/>
-          </a:xfrm>
-          <a:prstGeom prst="rect">
-            <a:avLst/>
-          </a:prstGeom>
-          <a:ln w="12700">
-            <a:miter lim="400000"/>
-          </a:ln>
-          <a:extLst>
-            <a:ext uri="{C572A759-6A51-4108-AA02-DFA0A04FC94B}">
-              <ma14:wrappingTextBoxFlag xmlns:ma14="http://schemas.microsoft.com/office/mac/drawingml/2011/main" val="1"/>
-            </a:ext>
-          </a:extLst>
-        </p:spPr>
-        <p:txBody>
-          <a:bodyPr lIns="0" tIns="0" rIns="0" bIns="0">
-            <a:spAutoFit/>
-          </a:bodyPr>
-          <a:lstStyle/>
-          <a:p>
-            <a:pPr>
-              <a:defRPr>
-                <a:solidFill>
-                  <a:srgbClr val="012F7B"/>
-                </a:solidFill>
-                <a:latin typeface="Helvetica Neue"/>
-                <a:ea typeface="Helvetica Neue"/>
-                <a:cs typeface="Helvetica Neue"/>
-                <a:sym typeface="Helvetica Neue"/>
-              </a:defRPr>
-            </a:pPr>
-            <a:r>
-              <a:t>Algorithm</a:t>
-            </a:r>
-          </a:p>
-          <a:p>
-            <a:pPr>
-              <a:defRPr>
-                <a:solidFill>
-                  <a:srgbClr val="FF6A00"/>
-                </a:solidFill>
-              </a:defRPr>
-            </a:pPr>
-            <a:r>
-              <a:t>A step-by-step procedure for solving a problem</a:t>
-            </a:r>
-          </a:p>
-          <a:p>
-            <a:pPr>
-              <a:defRPr b="1">
-                <a:solidFill>
-                  <a:srgbClr val="FF6A00"/>
-                </a:solidFill>
-              </a:defRPr>
-            </a:pPr>
-            <a:endParaRPr b="0"/>
-          </a:p>
-        </p:txBody>
-      </p:sp>
-      <p:sp>
-        <p:nvSpPr>
-          <p:cNvPr id="301" name="Statement execution count…"/>
-          <p:cNvSpPr txBox="1"/>
-          <p:nvPr/>
-        </p:nvSpPr>
-        <p:spPr>
-          <a:xfrm>
-            <a:off x="4634960" y="2740962"/>
-            <a:ext cx="1929728" cy="1485901"/>
-          </a:xfrm>
-          <a:prstGeom prst="rect">
-            <a:avLst/>
-          </a:prstGeom>
-          <a:ln w="12700">
-            <a:miter lim="400000"/>
-          </a:ln>
-          <a:extLst>
-            <a:ext uri="{C572A759-6A51-4108-AA02-DFA0A04FC94B}">
-              <ma14:wrappingTextBoxFlag xmlns:ma14="http://schemas.microsoft.com/office/mac/drawingml/2011/main" val="1"/>
-            </a:ext>
-          </a:extLst>
-        </p:spPr>
-        <p:txBody>
-          <a:bodyPr lIns="0" tIns="0" rIns="0" bIns="0">
-            <a:spAutoFit/>
-          </a:bodyPr>
-          <a:lstStyle/>
-          <a:p>
-            <a:pPr>
-              <a:defRPr>
-                <a:solidFill>
-                  <a:srgbClr val="012F7B"/>
-                </a:solidFill>
-                <a:latin typeface="Helvetica Neue"/>
-                <a:ea typeface="Helvetica Neue"/>
-                <a:cs typeface="Helvetica Neue"/>
-                <a:sym typeface="Helvetica Neue"/>
-              </a:defRPr>
-            </a:pPr>
-            <a:r>
-              <a:t>Statement execution count</a:t>
-            </a:r>
-          </a:p>
-          <a:p>
-            <a:pPr>
-              <a:defRPr>
-                <a:solidFill>
-                  <a:srgbClr val="FF6A00"/>
-                </a:solidFill>
-              </a:defRPr>
-            </a:pPr>
-            <a:r>
-              <a:t>The number of times a statement is executed by a program.</a:t>
-            </a:r>
-          </a:p>
-          <a:p>
-            <a:pPr>
-              <a:defRPr b="1">
-                <a:solidFill>
-                  <a:srgbClr val="FF6A00"/>
-                </a:solidFill>
-              </a:defRPr>
-            </a:pPr>
-            <a:endParaRPr b="0"/>
-          </a:p>
-        </p:txBody>
-      </p:sp>
     </p:spTree>
   </p:cSld>
   <p:clrMapOvr>
@@ -7618,7 +6416,7 @@
                                       <p:cBhvr>
                                         <p:cTn id="6" fill="hold"/>
                                         <p:tgtEl>
-                                          <p:spTgt spid="300"/>
+                                          <p:spTgt spid="212"/>
                                         </p:tgtEl>
                                         <p:attrNameLst>
                                           <p:attrName>style.visibility</p:attrName>
@@ -7662,7 +6460,7 @@
                                       <p:cBhvr>
                                         <p:cTn id="10" fill="hold"/>
                                         <p:tgtEl>
-                                          <p:spTgt spid="301"/>
+                                          <p:spTgt spid="211"/>
                                         </p:tgtEl>
                                         <p:attrNameLst>
                                           <p:attrName>style.visibility</p:attrName>
@@ -7703,14 +6501,14 @@
       </p:par>
     </p:tnLst>
     <p:bldLst>
-      <p:bldP build="whole" bldLvl="1" animBg="1" rev="0" advAuto="0" spid="300" grpId="1"/>
-      <p:bldP build="whole" bldLvl="1" animBg="1" rev="0" advAuto="0" spid="301" grpId="2"/>
+      <p:bldP build="whole" bldLvl="1" animBg="1" rev="0" advAuto="0" spid="211" grpId="2"/>
+      <p:bldP build="whole" bldLvl="1" animBg="1" rev="0" advAuto="0" spid="212" grpId="1"/>
     </p:bldLst>
   </p:timing>
 </p:sld>
 </file>
 
-<file path=ppt/slides/slide15.xml><?xml version="1.0" encoding="utf-8"?>
+<file path=ppt/slides/slide4.xml><?xml version="1.0" encoding="utf-8"?>
 <p:sld xmlns:a="http://schemas.openxmlformats.org/drawingml/2006/main" xmlns:r="http://schemas.openxmlformats.org/officeDocument/2006/relationships" xmlns:p="http://schemas.openxmlformats.org/presentationml/2006/main" xmlns:m="http://schemas.openxmlformats.org/officeDocument/2006/math" xmlns:a14="http://schemas.microsoft.com/office/drawing/2010/main" showMasterSp="1" showMasterPhAnim="1">
   <p:cSld>
     <p:spTree>
@@ -7729,14 +6527,109 @@
       </p:grpSpPr>
       <p:sp>
         <p:nvSpPr>
-          <p:cNvPr id="305" name="Ho many times does this code iterate?…"/>
+          <p:cNvPr id="215" name="Today’s activity: coding to learn"/>
+          <p:cNvSpPr txBox="1"/>
+          <p:nvPr>
+            <p:ph type="title"/>
+          </p:nvPr>
+        </p:nvSpPr>
+        <p:spPr>
+          <a:prstGeom prst="rect">
+            <a:avLst/>
+          </a:prstGeom>
+        </p:spPr>
+        <p:txBody>
+          <a:bodyPr/>
+          <a:lstStyle>
+            <a:lvl1pPr defTabSz="886968">
+              <a:defRPr sz="2910"/>
+            </a:lvl1pPr>
+          </a:lstStyle>
+          <a:p>
+            <a:pPr/>
+            <a:r>
+              <a:t>Today’s activity: coding to learn</a:t>
+            </a:r>
+          </a:p>
+        </p:txBody>
+      </p:sp>
+      <p:sp>
+        <p:nvSpPr>
+          <p:cNvPr id="216" name="Complete the 8 April FRQ Assignment on AP classroom…"/>
+          <p:cNvSpPr txBox="1"/>
+          <p:nvPr>
+            <p:ph type="body" idx="1"/>
+          </p:nvPr>
+        </p:nvSpPr>
+        <p:spPr>
+          <a:xfrm>
+            <a:off x="3426417" y="1419278"/>
+            <a:ext cx="6321604" cy="3002404"/>
+          </a:xfrm>
+          <a:prstGeom prst="rect">
+            <a:avLst/>
+          </a:prstGeom>
+        </p:spPr>
+        <p:txBody>
+          <a:bodyPr/>
+          <a:lstStyle/>
+          <a:p>
+            <a:pPr/>
+            <a:r>
+              <a:t>Complete the </a:t>
+            </a:r>
+            <a:r>
+              <a:rPr b="1"/>
+              <a:t>8 April FRQ Assignment </a:t>
+            </a:r>
+            <a:r>
+              <a:t>on </a:t>
+            </a:r>
+            <a:r>
+              <a:rPr b="1"/>
+              <a:t>AP classroom</a:t>
+            </a:r>
+            <a:endParaRPr b="1"/>
+          </a:p>
+          <a:p>
+            <a:pPr lvl="1" marL="939800" indent="-342899">
+              <a:buChar char="●"/>
+            </a:pPr>
+            <a:r>
+              <a:t>Use the vocab to your left!</a:t>
+            </a:r>
+          </a:p>
+          <a:p>
+            <a:pPr lvl="1" marL="939800" indent="-342899">
+              <a:buChar char="●"/>
+            </a:pPr>
+            <a:r>
+              <a:t>Use the </a:t>
+            </a:r>
+            <a:r>
+              <a:rPr b="1"/>
+              <a:t>keys to success</a:t>
+            </a:r>
+            <a:endParaRPr b="1"/>
+          </a:p>
+          <a:p>
+            <a:pPr/>
+            <a:r>
+              <a:t>We’ll go over both problems at the end of calss</a:t>
+            </a:r>
+          </a:p>
+        </p:txBody>
+      </p:sp>
+      <p:sp>
+        <p:nvSpPr>
+          <p:cNvPr id="217" name="(also written  )…"/>
           <p:cNvSpPr txBox="1"/>
           <p:nvPr/>
         </p:nvSpPr>
         <p:spPr>
           <a:xfrm>
-            <a:off x="778973" y="1600200"/>
-            <a:ext cx="3278433" cy="1079500"/>
+            <a:off x="405127" y="1610482"/>
+            <a:ext cx="2610991" cy="893543"/>
           </a:xfrm>
           <a:prstGeom prst="rect">
             <a:avLst/>
@@ -7756,118 +6649,570 @@
           </a:bodyPr>
           <a:lstStyle/>
           <a:p>
-            <a:pPr marL="187157" indent="-187157">
-              <a:buSzPct val="100000"/>
-              <a:buAutoNum type="arabicPeriod" startAt="1"/>
-            </a:pPr>
-            <a:r>
-              <a:t>Ho many times does this code iterate?</a:t>
-            </a:r>
-          </a:p>
-          <a:p>
-            <a:pPr marL="187157" indent="-187157">
-              <a:buSzPct val="100000"/>
-              <a:buAutoNum type="arabicPeriod" startAt="1"/>
-            </a:pPr>
-            <a:r>
-              <a:t>What are some differences between the for loop and the while loop in terms of iteration?</a:t>
-            </a:r>
-          </a:p>
-        </p:txBody>
-      </p:sp>
-      <p:sp>
-        <p:nvSpPr>
-          <p:cNvPr id="306" name="exit ticket…"/>
-          <p:cNvSpPr txBox="1"/>
-          <p:nvPr>
-            <p:ph type="title"/>
-          </p:nvPr>
-        </p:nvSpPr>
-        <p:spPr>
-          <a:xfrm>
-            <a:off x="1404467" y="357128"/>
-            <a:ext cx="7302728" cy="939691"/>
-          </a:xfrm>
-          <a:prstGeom prst="rect">
-            <a:avLst/>
-          </a:prstGeom>
-          <a:solidFill>
-            <a:srgbClr val="FFFFFF"/>
-          </a:solidFill>
-          <a:ln w="25400">
-            <a:solidFill>
-              <a:schemeClr val="accent1"/>
-            </a:solidFill>
-            <a:round/>
-          </a:ln>
-        </p:spPr>
-        <p:txBody>
-          <a:bodyPr lIns="91422" tIns="91422" rIns="91422" bIns="91422"/>
-          <a:lstStyle/>
-          <a:p>
-            <a:pPr defTabSz="813816">
-              <a:defRPr b="0" sz="2100">
-                <a:solidFill>
-                  <a:srgbClr val="F46524"/>
-                </a:solidFill>
-                <a:latin typeface="+mn-lt"/>
-                <a:ea typeface="+mn-ea"/>
-                <a:cs typeface="+mn-cs"/>
-                <a:sym typeface="Arial"/>
-              </a:defRPr>
-            </a:pPr>
-            <a:r>
-              <a:t>exit ticket</a:t>
-            </a:r>
-          </a:p>
-          <a:p>
-            <a:pPr defTabSz="813816">
-              <a:defRPr b="0" sz="1200">
-                <a:solidFill>
-                  <a:schemeClr val="accent5"/>
-                </a:solidFill>
-                <a:latin typeface="+mj-lt"/>
-                <a:ea typeface="+mj-ea"/>
-                <a:cs typeface="+mj-cs"/>
-                <a:sym typeface="Helvetica"/>
-              </a:defRPr>
-            </a:pPr>
-            <a:r>
-              <a:t>be sure to:</a:t>
-            </a:r>
-            <a:r>
-              <a:rPr>
-                <a:solidFill>
-                  <a:schemeClr val="accent5">
-                    <a:lumOff val="-9843"/>
-                  </a:schemeClr>
-                </a:solidFill>
-              </a:rPr>
-              <a:t> </a:t>
-            </a:r>
-            <a:r>
-              <a:rPr>
+            <a:pPr/>
+            <a14:m>
+              <m:oMath>
+                <m:r>
+                  <m:rPr>
+                    <m:nor/>
+                  </m:rPr>
+                  <a:rPr xmlns:a="http://schemas.openxmlformats.org/drawingml/2006/main" sz="1450" i="1">
+                    <a:solidFill>
+                      <a:srgbClr val="F46524"/>
+                    </a:solidFill>
+                    <a:latin typeface="Cambria Math" panose="02040503050406030204" pitchFamily="18" charset="0"/>
+                  </a:rPr>
+                  <m:t>factorial</m:t>
+                </m:r>
+                <m:r>
+                  <a:rPr xmlns:a="http://schemas.openxmlformats.org/drawingml/2006/main" sz="1450" i="1">
+                    <a:solidFill>
+                      <a:srgbClr val="F46524"/>
+                    </a:solidFill>
+                    <a:latin typeface="Cambria Math" panose="02040503050406030204" pitchFamily="18" charset="0"/>
+                  </a:rPr>
+                  <m:t>(</m:t>
+                </m:r>
+                <m:r>
+                  <a:rPr xmlns:a="http://schemas.openxmlformats.org/drawingml/2006/main" sz="1450" i="1">
+                    <a:solidFill>
+                      <a:srgbClr val="F46524"/>
+                    </a:solidFill>
+                    <a:latin typeface="Cambria Math" panose="02040503050406030204" pitchFamily="18" charset="0"/>
+                  </a:rPr>
+                  <m:t>n</m:t>
+                </m:r>
+                <m:r>
+                  <a:rPr xmlns:a="http://schemas.openxmlformats.org/drawingml/2006/main" sz="1450" i="1">
+                    <a:solidFill>
+                      <a:srgbClr val="F46524"/>
+                    </a:solidFill>
+                    <a:latin typeface="Cambria Math" panose="02040503050406030204" pitchFamily="18" charset="0"/>
+                  </a:rPr>
+                  <m:t>)</m:t>
+                </m:r>
+              </m:oMath>
+            </a14:m>
+            <a:r>
+              <a:t> (also written </a:t>
+            </a:r>
+            <a14:m>
+              <m:oMath>
+                <m:r>
+                  <a:rPr xmlns:a="http://schemas.openxmlformats.org/drawingml/2006/main" sz="1900" i="1">
+                    <a:solidFill>
+                      <a:srgbClr val="F46524"/>
+                    </a:solidFill>
+                    <a:latin typeface="Cambria Math" panose="02040503050406030204" pitchFamily="18" charset="0"/>
+                  </a:rPr>
+                  <m:t>n</m:t>
+                </m:r>
+                <m:r>
+                  <a:rPr xmlns:a="http://schemas.openxmlformats.org/drawingml/2006/main" sz="1900" i="1">
+                    <a:solidFill>
+                      <a:srgbClr val="F46524"/>
+                    </a:solidFill>
+                    <a:latin typeface="Cambria Math" panose="02040503050406030204" pitchFamily="18" charset="0"/>
+                  </a:rPr>
+                  <m:t>!</m:t>
+                </m:r>
+              </m:oMath>
+            </a14:m>
+            <a:r>
+              <a:t>)</a:t>
+            </a:r>
+          </a:p>
+          <a:p>
+            <a:pPr>
+              <a:defRPr>
                 <a:solidFill>
                   <a:schemeClr val="accent3">
                     <a:lumOff val="-9098"/>
                   </a:schemeClr>
                 </a:solidFill>
-              </a:rPr>
-              <a:t>Answer each question below with a complete sentence.</a:t>
-            </a:r>
-          </a:p>
-        </p:txBody>
-      </p:sp>
+              </a:defRPr>
+            </a:pPr>
+            <a:r>
+              <a:t>The product of all numbers from </a:t>
+            </a:r>
+            <a14:m>
+              <m:oMath>
+                <m:r>
+                  <a:rPr xmlns:a="http://schemas.openxmlformats.org/drawingml/2006/main" sz="1800" i="1">
+                    <a:solidFill>
+                      <a:srgbClr val="007AB9"/>
+                    </a:solidFill>
+                    <a:latin typeface="Cambria Math" panose="02040503050406030204" pitchFamily="18" charset="0"/>
+                  </a:rPr>
+                  <m:t>n</m:t>
+                </m:r>
+              </m:oMath>
+            </a14:m>
+            <a:r>
+              <a:t>…to 1</a:t>
+            </a:r>
+          </a:p>
+        </p:txBody>
+      </p:sp>
+      <p:sp>
+        <p:nvSpPr>
+          <p:cNvPr id="218" name="combination…"/>
+          <p:cNvSpPr txBox="1"/>
+          <p:nvPr/>
+        </p:nvSpPr>
+        <p:spPr>
+          <a:xfrm>
+            <a:off x="456656" y="2372152"/>
+            <a:ext cx="2610991" cy="2013192"/>
+          </a:xfrm>
+          <a:prstGeom prst="rect">
+            <a:avLst/>
+          </a:prstGeom>
+          <a:ln w="12700">
+            <a:miter lim="400000"/>
+          </a:ln>
+          <a:extLst>
+            <a:ext uri="{C572A759-6A51-4108-AA02-DFA0A04FC94B}">
+              <ma14:wrappingTextBoxFlag xmlns:ma14="http://schemas.microsoft.com/office/mac/drawingml/2011/main" val="1"/>
+            </a:ext>
+          </a:extLst>
+        </p:spPr>
+        <p:txBody>
+          <a:bodyPr lIns="0" tIns="0" rIns="0" bIns="0">
+            <a:spAutoFit/>
+          </a:bodyPr>
+          <a:lstStyle/>
+          <a:p>
+            <a:pPr/>
+            <a:r>
+              <a:t>combination</a:t>
+            </a:r>
+          </a:p>
+          <a:p>
+            <a:pPr>
+              <a:defRPr>
+                <a:solidFill>
+                  <a:schemeClr val="accent3">
+                    <a:lumOff val="-9098"/>
+                  </a:schemeClr>
+                </a:solidFill>
+              </a:defRPr>
+            </a:pPr>
+            <a:r>
+              <a:t>A selection of items from a group of choices. The number of combinations of </a:t>
+            </a:r>
+            <a14:m>
+              <m:oMath>
+                <m:r>
+                  <a:rPr xmlns:a="http://schemas.openxmlformats.org/drawingml/2006/main" sz="1750" i="1">
+                    <a:solidFill>
+                      <a:srgbClr val="007AB9"/>
+                    </a:solidFill>
+                    <a:latin typeface="Cambria Math" panose="02040503050406030204" pitchFamily="18" charset="0"/>
+                  </a:rPr>
+                  <m:t>r</m:t>
+                </m:r>
+              </m:oMath>
+            </a14:m>
+            <a:r>
+              <a:t> items from a group of </a:t>
+            </a:r>
+            <a14:m>
+              <m:oMath>
+                <m:r>
+                  <a:rPr xmlns:a="http://schemas.openxmlformats.org/drawingml/2006/main" sz="1800" i="1">
+                    <a:solidFill>
+                      <a:srgbClr val="007AB9"/>
+                    </a:solidFill>
+                    <a:latin typeface="Cambria Math" panose="02040503050406030204" pitchFamily="18" charset="0"/>
+                  </a:rPr>
+                  <m:t>n</m:t>
+                </m:r>
+              </m:oMath>
+            </a14:m>
+            <a:r>
+              <a:t> choices is given by</a:t>
+            </a:r>
+            <a:br/>
+            <a:br/>
+            <a14:m>
+              <m:oMath>
+                <m:f>
+                  <m:fPr>
+                    <m:ctrlPr>
+                      <a:rPr xmlns:a="http://schemas.openxmlformats.org/drawingml/2006/main" sz="1650" i="1">
+                        <a:solidFill>
+                          <a:srgbClr val="007AB9"/>
+                        </a:solidFill>
+                        <a:latin typeface="Cambria Math" panose="02040503050406030204" pitchFamily="18" charset="0"/>
+                      </a:rPr>
+                    </m:ctrlPr>
+                    <m:type m:val="bar"/>
+                  </m:fPr>
+                  <m:num>
+                    <m:r>
+                      <a:rPr xmlns:a="http://schemas.openxmlformats.org/drawingml/2006/main" sz="1650" i="1">
+                        <a:solidFill>
+                          <a:srgbClr val="007AB9"/>
+                        </a:solidFill>
+                        <a:latin typeface="Cambria Math" panose="02040503050406030204" pitchFamily="18" charset="0"/>
+                      </a:rPr>
+                      <m:t>n</m:t>
+                    </m:r>
+                    <m:r>
+                      <a:rPr xmlns:a="http://schemas.openxmlformats.org/drawingml/2006/main" sz="1650" i="1">
+                        <a:solidFill>
+                          <a:srgbClr val="007AB9"/>
+                        </a:solidFill>
+                        <a:latin typeface="Cambria Math" panose="02040503050406030204" pitchFamily="18" charset="0"/>
+                      </a:rPr>
+                      <m:t>!</m:t>
+                    </m:r>
+                  </m:num>
+                  <m:den>
+                    <m:r>
+                      <a:rPr xmlns:a="http://schemas.openxmlformats.org/drawingml/2006/main" sz="1650" i="1">
+                        <a:solidFill>
+                          <a:srgbClr val="007AB9"/>
+                        </a:solidFill>
+                        <a:latin typeface="Cambria Math" panose="02040503050406030204" pitchFamily="18" charset="0"/>
+                      </a:rPr>
+                      <m:t>r</m:t>
+                    </m:r>
+                    <m:r>
+                      <a:rPr xmlns:a="http://schemas.openxmlformats.org/drawingml/2006/main" sz="1650" i="1">
+                        <a:solidFill>
+                          <a:srgbClr val="007AB9"/>
+                        </a:solidFill>
+                        <a:latin typeface="Cambria Math" panose="02040503050406030204" pitchFamily="18" charset="0"/>
+                      </a:rPr>
+                      <m:t>!</m:t>
+                    </m:r>
+                    <m:r>
+                      <a:rPr xmlns:a="http://schemas.openxmlformats.org/drawingml/2006/main" sz="1650" i="1">
+                        <a:solidFill>
+                          <a:srgbClr val="007AB9"/>
+                        </a:solidFill>
+                        <a:latin typeface="Cambria Math" panose="02040503050406030204" pitchFamily="18" charset="0"/>
+                      </a:rPr>
+                      <m:t>(</m:t>
+                    </m:r>
+                    <m:r>
+                      <a:rPr xmlns:a="http://schemas.openxmlformats.org/drawingml/2006/main" sz="1650" i="1">
+                        <a:solidFill>
+                          <a:srgbClr val="007AB9"/>
+                        </a:solidFill>
+                        <a:latin typeface="Cambria Math" panose="02040503050406030204" pitchFamily="18" charset="0"/>
+                      </a:rPr>
+                      <m:t>n</m:t>
+                    </m:r>
+                    <m:r>
+                      <a:rPr xmlns:a="http://schemas.openxmlformats.org/drawingml/2006/main" sz="1650" i="1">
+                        <a:solidFill>
+                          <a:srgbClr val="007AB9"/>
+                        </a:solidFill>
+                        <a:latin typeface="Cambria Math" panose="02040503050406030204" pitchFamily="18" charset="0"/>
+                      </a:rPr>
+                      <m:t>-</m:t>
+                    </m:r>
+                    <m:r>
+                      <a:rPr xmlns:a="http://schemas.openxmlformats.org/drawingml/2006/main" sz="1650" i="1">
+                        <a:solidFill>
+                          <a:srgbClr val="007AB9"/>
+                        </a:solidFill>
+                        <a:latin typeface="Cambria Math" panose="02040503050406030204" pitchFamily="18" charset="0"/>
+                      </a:rPr>
+                      <m:t>r</m:t>
+                    </m:r>
+                    <m:r>
+                      <a:rPr xmlns:a="http://schemas.openxmlformats.org/drawingml/2006/main" sz="1650" i="1">
+                        <a:solidFill>
+                          <a:srgbClr val="007AB9"/>
+                        </a:solidFill>
+                        <a:latin typeface="Cambria Math" panose="02040503050406030204" pitchFamily="18" charset="0"/>
+                      </a:rPr>
+                      <m:t>)</m:t>
+                    </m:r>
+                    <m:r>
+                      <a:rPr xmlns:a="http://schemas.openxmlformats.org/drawingml/2006/main" sz="1650" i="1">
+                        <a:solidFill>
+                          <a:srgbClr val="007AB9"/>
+                        </a:solidFill>
+                        <a:latin typeface="Cambria Math" panose="02040503050406030204" pitchFamily="18" charset="0"/>
+                      </a:rPr>
+                      <m:t>!</m:t>
+                    </m:r>
+                  </m:den>
+                </m:f>
+              </m:oMath>
+            </a14:m>
+          </a:p>
+        </p:txBody>
+      </p:sp>
+    </p:spTree>
+  </p:cSld>
+  <p:clrMapOvr>
+    <a:masterClrMapping/>
+  </p:clrMapOvr>
+  <p:transition xmlns:p14="http://schemas.microsoft.com/office/powerpoint/2010/main" spd="med" advClick="1"/>
+</p:sld>
+</file>
+
+<file path=ppt/slides/slide5.xml><?xml version="1.0" encoding="utf-8"?>
+<p:sld xmlns:a="http://schemas.openxmlformats.org/drawingml/2006/main" xmlns:r="http://schemas.openxmlformats.org/officeDocument/2006/relationships" xmlns:p="http://schemas.openxmlformats.org/presentationml/2006/main" xmlns:m="http://schemas.openxmlformats.org/officeDocument/2006/math" xmlns:a14="http://schemas.microsoft.com/office/drawing/2010/main" showMasterSp="1" showMasterPhAnim="1">
+  <p:cSld>
+    <p:spTree>
+      <p:nvGrpSpPr>
+        <p:cNvPr id="1" name=""/>
+        <p:cNvGrpSpPr/>
+        <p:nvPr/>
+      </p:nvGrpSpPr>
+      <p:grpSpPr>
+        <a:xfrm>
+          <a:off x="0" y="0"/>
+          <a:ext cx="0" cy="0"/>
+          <a:chOff x="0" y="0"/>
+          <a:chExt cx="0" cy="0"/>
+        </a:xfrm>
+      </p:grpSpPr>
+      <p:sp>
+        <p:nvSpPr>
+          <p:cNvPr id="220" name="Double-click to edit"/>
+          <p:cNvSpPr txBox="1"/>
+          <p:nvPr>
+            <p:ph type="title"/>
+          </p:nvPr>
+        </p:nvSpPr>
+        <p:spPr>
+          <a:xfrm>
+            <a:off x="2400250" y="575950"/>
+            <a:ext cx="6321601" cy="635403"/>
+          </a:xfrm>
+          <a:prstGeom prst="rect">
+            <a:avLst/>
+          </a:prstGeom>
+        </p:spPr>
+        <p:txBody>
+          <a:bodyPr/>
+          <a:lstStyle/>
+          <a:p>
+            <a:pPr defTabSz="886966">
+              <a:defRPr sz="2900"/>
+            </a:pPr>
+          </a:p>
+        </p:txBody>
+      </p:sp>
+      <p:grpSp>
+        <p:nvGrpSpPr>
+          <p:cNvPr id="223" name="framing…"/>
+          <p:cNvGrpSpPr/>
+          <p:nvPr/>
+        </p:nvGrpSpPr>
+        <p:grpSpPr>
+          <a:xfrm>
+            <a:off x="4137999" y="1037934"/>
+            <a:ext cx="4070442" cy="2988437"/>
+            <a:chOff x="-1" y="0"/>
+            <a:chExt cx="4070441" cy="2988436"/>
+          </a:xfrm>
+        </p:grpSpPr>
+        <p:sp>
+          <p:nvSpPr>
+            <p:cNvPr id="221" name="Rectangle"/>
+            <p:cNvSpPr/>
+            <p:nvPr/>
+          </p:nvSpPr>
+          <p:spPr>
+            <a:xfrm>
+              <a:off x="-2" y="-1"/>
+              <a:ext cx="4070442" cy="2988437"/>
+            </a:xfrm>
+            <a:prstGeom prst="rect">
+              <a:avLst/>
+            </a:prstGeom>
+            <a:noFill/>
+            <a:ln w="25400" cap="flat">
+              <a:solidFill>
+                <a:schemeClr val="accent1"/>
+              </a:solidFill>
+              <a:prstDash val="solid"/>
+              <a:round/>
+            </a:ln>
+            <a:effectLst/>
+          </p:spPr>
+          <p:txBody>
+            <a:bodyPr wrap="square" lIns="0" tIns="0" rIns="0" bIns="0" numCol="1" anchor="t">
+              <a:noAutofit/>
+            </a:bodyPr>
+            <a:lstStyle/>
+            <a:p>
+              <a:pPr defTabSz="868680">
+                <a:lnSpc>
+                  <a:spcPct val="115000"/>
+                </a:lnSpc>
+                <a:defRPr b="1" sz="1700">
+                  <a:solidFill>
+                    <a:srgbClr val="000000"/>
+                  </a:solidFill>
+                  <a:latin typeface="Lato"/>
+                  <a:ea typeface="Lato"/>
+                  <a:cs typeface="Lato"/>
+                  <a:sym typeface="Lato"/>
+                </a:defRPr>
+              </a:pPr>
+            </a:p>
+          </p:txBody>
+        </p:sp>
+        <p:sp>
+          <p:nvSpPr>
+            <p:cNvPr id="222" name="framing…"/>
+            <p:cNvSpPr txBox="1"/>
+            <p:nvPr/>
+          </p:nvSpPr>
+          <p:spPr>
+            <a:xfrm>
+              <a:off x="12698" y="12699"/>
+              <a:ext cx="4045042" cy="2963037"/>
+            </a:xfrm>
+            <a:prstGeom prst="rect">
+              <a:avLst/>
+            </a:prstGeom>
+            <a:noFill/>
+            <a:ln w="12700" cap="flat">
+              <a:noFill/>
+              <a:miter lim="400000"/>
+            </a:ln>
+            <a:effectLst/>
+            <a:extLst>
+              <a:ext uri="{C572A759-6A51-4108-AA02-DFA0A04FC94B}">
+                <ma14:wrappingTextBoxFlag xmlns:ma14="http://schemas.microsoft.com/office/mac/drawingml/2011/main" val="1"/>
+              </a:ext>
+            </a:extLst>
+          </p:spPr>
+          <p:txBody>
+            <a:bodyPr wrap="square" lIns="91421" tIns="91421" rIns="91421" bIns="91421" numCol="1" anchor="t">
+              <a:normAutofit fontScale="100000" lnSpcReduction="0"/>
+            </a:bodyPr>
+            <a:lstStyle/>
+            <a:p>
+              <a:pPr defTabSz="868680">
+                <a:lnSpc>
+                  <a:spcPct val="115000"/>
+                </a:lnSpc>
+                <a:defRPr b="1" sz="1700">
+                  <a:solidFill>
+                    <a:schemeClr val="accent5"/>
+                  </a:solidFill>
+                  <a:latin typeface="Lato"/>
+                  <a:ea typeface="Lato"/>
+                  <a:cs typeface="Lato"/>
+                  <a:sym typeface="Lato"/>
+                </a:defRPr>
+              </a:pPr>
+              <a:r>
+                <a:t>framing</a:t>
+              </a:r>
+            </a:p>
+            <a:p>
+              <a:pPr marL="434340" indent="-325754" defTabSz="868680">
+                <a:lnSpc>
+                  <a:spcPct val="115000"/>
+                </a:lnSpc>
+                <a:buClr>
+                  <a:srgbClr val="000000"/>
+                </a:buClr>
+                <a:buSzPts val="1700"/>
+                <a:buFont typeface="Helvetica"/>
+                <a:buChar char="●"/>
+                <a:defRPr b="1" sz="1700">
+                  <a:solidFill>
+                    <a:srgbClr val="000000"/>
+                  </a:solidFill>
+                  <a:latin typeface="Lato"/>
+                  <a:ea typeface="Lato"/>
+                  <a:cs typeface="Lato"/>
+                  <a:sym typeface="Lato"/>
+                </a:defRPr>
+              </a:pPr>
+              <a:r>
+                <a:t>what: </a:t>
+              </a:r>
+              <a:r>
+                <a:rPr b="0"/>
+                <a:t> use recursion to search through data</a:t>
+              </a:r>
+            </a:p>
+            <a:p>
+              <a:pPr marL="434340" indent="-325754" defTabSz="868680">
+                <a:lnSpc>
+                  <a:spcPct val="115000"/>
+                </a:lnSpc>
+                <a:buClr>
+                  <a:srgbClr val="000000"/>
+                </a:buClr>
+                <a:buSzPts val="1700"/>
+                <a:buFont typeface="Helvetica"/>
+                <a:buChar char="●"/>
+                <a:defRPr b="1" sz="1700">
+                  <a:solidFill>
+                    <a:srgbClr val="000000"/>
+                  </a:solidFill>
+                  <a:latin typeface="Lato"/>
+                  <a:ea typeface="Lato"/>
+                  <a:cs typeface="Lato"/>
+                  <a:sym typeface="Lato"/>
+                </a:defRPr>
+              </a:pPr>
+              <a:r>
+                <a:t>why: </a:t>
+              </a:r>
+              <a:r>
+                <a:rPr b="0"/>
+                <a:t> Recursion is a very powerful tool for making algorithms. We’ll see how it makes search easier.</a:t>
+              </a:r>
+            </a:p>
+            <a:p>
+              <a:pPr marL="434340" indent="-325754" defTabSz="868680">
+                <a:lnSpc>
+                  <a:spcPct val="115000"/>
+                </a:lnSpc>
+                <a:buClr>
+                  <a:srgbClr val="000000"/>
+                </a:buClr>
+                <a:buSzPts val="1700"/>
+                <a:buFont typeface="Helvetica"/>
+                <a:buChar char="●"/>
+                <a:defRPr b="1" sz="1700">
+                  <a:solidFill>
+                    <a:srgbClr val="000000"/>
+                  </a:solidFill>
+                  <a:latin typeface="Lato"/>
+                  <a:ea typeface="Lato"/>
+                  <a:cs typeface="Lato"/>
+                  <a:sym typeface="Lato"/>
+                </a:defRPr>
+              </a:pPr>
+              <a:r>
+                <a:t>where to: </a:t>
+              </a:r>
+              <a:r>
+                <a:rPr b="0"/>
+                <a:t>Using recursion in sorting algorithms</a:t>
+              </a:r>
+            </a:p>
+          </p:txBody>
+        </p:sp>
+      </p:grpSp>
       <p:pic>
         <p:nvPicPr>
-          <p:cNvPr id="307" name="Image" descr="Image"/>
+          <p:cNvPr id="224" name="Image" descr="Image"/>
           <p:cNvPicPr>
             <a:picLocks noChangeAspect="1"/>
           </p:cNvPicPr>
           <p:nvPr/>
         </p:nvPicPr>
         <p:blipFill>
-          <a:blip r:embed="rId3">
+          <a:blip r:embed="rId2">
             <a:extLst/>
           </a:blip>
           <a:stretch>
@@ -7876,8 +7221,8 @@
         </p:blipFill>
         <p:spPr>
           <a:xfrm>
-            <a:off x="4845050" y="1454150"/>
-            <a:ext cx="3390900" cy="2235200"/>
+            <a:off x="239993" y="1497277"/>
+            <a:ext cx="3352802" cy="2425701"/>
           </a:xfrm>
           <a:prstGeom prst="rect">
             <a:avLst/>
@@ -7926,135 +7271,7 @@
                                       <p:cBhvr>
                                         <p:cTn id="6" fill="hold"/>
                                         <p:tgtEl>
-                                          <p:spTgt spid="305">
-                                            <p:bg/>
-                                          </p:spTgt>
-                                        </p:tgtEl>
-                                        <p:attrNameLst>
-                                          <p:attrName>style.visibility</p:attrName>
-                                        </p:attrNameLst>
-                                      </p:cBhvr>
-                                      <p:to>
-                                        <p:strVal val="visible"/>
-                                      </p:to>
-                                    </p:set>
-                                  </p:childTnLst>
-                                </p:cTn>
-                              </p:par>
-                              <p:par>
-                                <p:cTn id="7" presetClass="entr" nodeType="withEffect" presetSubtype="0" presetID="1" grpId="1" fill="hold">
-                                  <p:stCondLst>
-                                    <p:cond delay="0"/>
-                                  </p:stCondLst>
-                                  <p:iterate type="el" backwards="0">
-                                    <p:tmAbs val="0"/>
-                                  </p:iterate>
-                                  <p:childTnLst>
-                                    <p:set>
-                                      <p:cBhvr>
-                                        <p:cTn id="8" fill="hold"/>
-                                        <p:tgtEl>
-                                          <p:spTgt spid="305">
-                                            <p:txEl>
-                                              <p:pRg st="0" end="0"/>
-                                            </p:txEl>
-                                          </p:spTgt>
-                                        </p:tgtEl>
-                                        <p:attrNameLst>
-                                          <p:attrName>style.visibility</p:attrName>
-                                        </p:attrNameLst>
-                                      </p:cBhvr>
-                                      <p:to>
-                                        <p:strVal val="visible"/>
-                                      </p:to>
-                                    </p:set>
-                                  </p:childTnLst>
-                                </p:cTn>
-                              </p:par>
-                            </p:childTnLst>
-                          </p:cTn>
-                        </p:par>
-                      </p:childTnLst>
-                    </p:cTn>
-                  </p:par>
-                  <p:par>
-                    <p:cTn id="9" fill="hold">
-                      <p:stCondLst>
-                        <p:cond delay="indefinite"/>
-                      </p:stCondLst>
-                      <p:childTnLst>
-                        <p:par>
-                          <p:cTn id="10" fill="hold">
-                            <p:stCondLst>
-                              <p:cond delay="0"/>
-                            </p:stCondLst>
-                            <p:childTnLst>
-                              <p:par>
-                                <p:cTn id="11" presetClass="entr" nodeType="clickEffect" presetSubtype="0" presetID="1" grpId="1" fill="hold">
-                                  <p:stCondLst>
-                                    <p:cond delay="0"/>
-                                  </p:stCondLst>
-                                  <p:iterate type="el" backwards="0">
-                                    <p:tmAbs val="0"/>
-                                  </p:iterate>
-                                  <p:childTnLst>
-                                    <p:set>
-                                      <p:cBhvr>
-                                        <p:cTn id="12" fill="hold"/>
-                                        <p:tgtEl>
-                                          <p:spTgt spid="305">
-                                            <p:txEl>
-                                              <p:pRg st="1" end="1"/>
-                                            </p:txEl>
-                                          </p:spTgt>
-                                        </p:tgtEl>
-                                        <p:attrNameLst>
-                                          <p:attrName>style.visibility</p:attrName>
-                                        </p:attrNameLst>
-                                      </p:cBhvr>
-                                      <p:to>
-                                        <p:strVal val="visible"/>
-                                      </p:to>
-                                    </p:set>
-                                  </p:childTnLst>
-                                </p:cTn>
-                              </p:par>
-                            </p:childTnLst>
-                          </p:cTn>
-                        </p:par>
-                      </p:childTnLst>
-                    </p:cTn>
-                  </p:par>
-                  <p:par>
-                    <p:cTn id="13" fill="hold">
-                      <p:stCondLst>
-                        <p:cond delay="indefinite"/>
-                      </p:stCondLst>
-                      <p:childTnLst>
-                        <p:par>
-                          <p:cTn id="14" fill="hold">
-                            <p:stCondLst>
-                              <p:cond delay="0"/>
-                            </p:stCondLst>
-                            <p:childTnLst>
-                              <p:par>
-                                <p:cTn id="15" presetClass="entr" nodeType="clickEffect" presetSubtype="0" presetID="1" grpId="1" fill="hold">
-                                  <p:stCondLst>
-                                    <p:cond delay="0"/>
-                                  </p:stCondLst>
-                                  <p:iterate type="el" backwards="0">
-                                    <p:tmAbs val="0"/>
-                                  </p:iterate>
-                                  <p:childTnLst>
-                                    <p:set>
-                                      <p:cBhvr>
-                                        <p:cTn id="16" fill="hold"/>
-                                        <p:tgtEl>
-                                          <p:spTgt spid="305">
-                                            <p:txEl>
-                                              <p:pRg st="2" end="2"/>
-                                            </p:txEl>
-                                          </p:spTgt>
+                                          <p:spTgt spid="223"/>
                                         </p:tgtEl>
                                         <p:attrNameLst>
                                           <p:attrName>style.visibility</p:attrName>
@@ -8095,3277 +7312,9 @@
       </p:par>
     </p:tnLst>
     <p:bldLst>
-      <p:bldP build="p" bldLvl="5" animBg="1" rev="0" advAuto="0" spid="305" grpId="1"/>
+      <p:bldP build="whole" bldLvl="1" animBg="1" rev="0" advAuto="0" spid="223" grpId="1"/>
     </p:bldLst>
   </p:timing>
-</p:sld>
-</file>
-
-<file path=ppt/slides/slide2.xml><?xml version="1.0" encoding="utf-8"?>
-<p:sld xmlns:a="http://schemas.openxmlformats.org/drawingml/2006/main" xmlns:r="http://schemas.openxmlformats.org/officeDocument/2006/relationships" xmlns:p="http://schemas.openxmlformats.org/presentationml/2006/main" xmlns:m="http://schemas.openxmlformats.org/officeDocument/2006/math" xmlns:a14="http://schemas.microsoft.com/office/drawing/2010/main" showMasterSp="1" showMasterPhAnim="1">
-  <p:cSld>
-    <p:spTree>
-      <p:nvGrpSpPr>
-        <p:cNvPr id="1" name=""/>
-        <p:cNvGrpSpPr/>
-        <p:nvPr/>
-      </p:nvGrpSpPr>
-      <p:grpSpPr>
-        <a:xfrm>
-          <a:off x="0" y="0"/>
-          <a:ext cx="0" cy="0"/>
-          <a:chOff x="0" y="0"/>
-          <a:chExt cx="0" cy="0"/>
-        </a:xfrm>
-      </p:grpSpPr>
-      <p:sp>
-        <p:nvSpPr>
-          <p:cNvPr id="190" name="Google Shape;118;p19"/>
-          <p:cNvSpPr txBox="1"/>
-          <p:nvPr>
-            <p:ph type="title"/>
-          </p:nvPr>
-        </p:nvSpPr>
-        <p:spPr>
-          <a:xfrm>
-            <a:off x="1424035" y="575950"/>
-            <a:ext cx="7302729" cy="939691"/>
-          </a:xfrm>
-          <a:prstGeom prst="rect">
-            <a:avLst/>
-          </a:prstGeom>
-          <a:solidFill>
-            <a:srgbClr val="FFFFFF"/>
-          </a:solidFill>
-          <a:ln w="25400">
-            <a:solidFill>
-              <a:schemeClr val="accent1"/>
-            </a:solidFill>
-            <a:round/>
-          </a:ln>
-        </p:spPr>
-        <p:txBody>
-          <a:bodyPr lIns="91422" tIns="91422" rIns="91422" bIns="91422"/>
-          <a:lstStyle/>
-          <a:p>
-            <a:pPr defTabSz="813816">
-              <a:defRPr b="0" sz="2100">
-                <a:solidFill>
-                  <a:srgbClr val="F46524"/>
-                </a:solidFill>
-                <a:latin typeface="+mn-lt"/>
-                <a:ea typeface="+mn-ea"/>
-                <a:cs typeface="+mn-cs"/>
-                <a:sym typeface="Arial"/>
-              </a:defRPr>
-            </a:pPr>
-            <a:r>
-              <a:t>Do now</a:t>
-            </a:r>
-          </a:p>
-          <a:p>
-            <a:pPr defTabSz="813816">
-              <a:defRPr b="0" sz="1200">
-                <a:solidFill>
-                  <a:schemeClr val="accent5"/>
-                </a:solidFill>
-                <a:latin typeface="+mj-lt"/>
-                <a:ea typeface="+mj-ea"/>
-                <a:cs typeface="+mj-cs"/>
-                <a:sym typeface="Helvetica"/>
-              </a:defRPr>
-            </a:pPr>
-            <a:r>
-              <a:t>be sure to:</a:t>
-            </a:r>
-            <a:r>
-              <a:rPr>
-                <a:solidFill>
-                  <a:schemeClr val="accent5">
-                    <a:lumOff val="-9843"/>
-                  </a:schemeClr>
-                </a:solidFill>
-              </a:rPr>
-              <a:t> </a:t>
-            </a:r>
-            <a:r>
-              <a:rPr>
-                <a:solidFill>
-                  <a:schemeClr val="accent3">
-                    <a:lumOff val="-9098"/>
-                  </a:schemeClr>
-                </a:solidFill>
-              </a:rPr>
-              <a:t>Get out your </a:t>
-            </a:r>
-            <a:r>
-              <a:rPr b="1">
-                <a:solidFill>
-                  <a:schemeClr val="accent3">
-                    <a:lumOff val="-9098"/>
-                  </a:schemeClr>
-                </a:solidFill>
-              </a:rPr>
-              <a:t>binder</a:t>
-            </a:r>
-            <a:r>
-              <a:rPr>
-                <a:solidFill>
-                  <a:schemeClr val="accent3">
-                    <a:lumOff val="-9098"/>
-                  </a:schemeClr>
-                </a:solidFill>
-              </a:rPr>
-              <a:t>. Copy </a:t>
-            </a:r>
-            <a:r>
-              <a:rPr b="1">
-                <a:solidFill>
-                  <a:schemeClr val="accent3">
-                    <a:lumOff val="-9098"/>
-                  </a:schemeClr>
-                </a:solidFill>
-              </a:rPr>
-              <a:t>goal </a:t>
-            </a:r>
-            <a:r>
-              <a:rPr>
-                <a:solidFill>
-                  <a:schemeClr val="accent3">
-                    <a:lumOff val="-9098"/>
-                  </a:schemeClr>
-                </a:solidFill>
-              </a:rPr>
-              <a:t>and answer </a:t>
-            </a:r>
-            <a:r>
-              <a:rPr b="1">
-                <a:solidFill>
-                  <a:schemeClr val="accent3">
-                    <a:lumOff val="-9098"/>
-                  </a:schemeClr>
-                </a:solidFill>
-              </a:rPr>
-              <a:t>do now</a:t>
-            </a:r>
-            <a:r>
-              <a:rPr>
-                <a:solidFill>
-                  <a:schemeClr val="accent3">
-                    <a:lumOff val="-9098"/>
-                  </a:schemeClr>
-                </a:solidFill>
-              </a:rPr>
-              <a:t> questions below. Show all work or write a complete sentence for each answer:</a:t>
-            </a:r>
-          </a:p>
-        </p:txBody>
-      </p:sp>
-      <p:sp>
-        <p:nvSpPr>
-          <p:cNvPr id="191" name="Below are two algorithms for finding someone with the same Birthday as you.  Which one do you think is more efficient? Explain why."/>
-          <p:cNvSpPr txBox="1"/>
-          <p:nvPr/>
-        </p:nvSpPr>
-        <p:spPr>
-          <a:xfrm>
-            <a:off x="283173" y="1656889"/>
-            <a:ext cx="8305115" cy="863601"/>
-          </a:xfrm>
-          <a:prstGeom prst="rect">
-            <a:avLst/>
-          </a:prstGeom>
-          <a:ln w="12700">
-            <a:miter lim="400000"/>
-          </a:ln>
-          <a:extLst>
-            <a:ext uri="{C572A759-6A51-4108-AA02-DFA0A04FC94B}">
-              <ma14:wrappingTextBoxFlag xmlns:ma14="http://schemas.microsoft.com/office/mac/drawingml/2011/main" val="1"/>
-            </a:ext>
-          </a:extLst>
-        </p:spPr>
-        <p:txBody>
-          <a:bodyPr lIns="0" tIns="0" rIns="0" bIns="0">
-            <a:spAutoFit/>
-          </a:bodyPr>
-          <a:lstStyle/>
-          <a:p>
-            <a:pPr/>
-            <a:r>
-              <a:t>Below are two algorithms for finding someone with the same Birthday as you.  Which one do you think is more </a:t>
-            </a:r>
-            <a:r>
-              <a:rPr b="1">
-                <a:solidFill>
-                  <a:schemeClr val="accent1"/>
-                </a:solidFill>
-              </a:rPr>
-              <a:t>efficient</a:t>
-            </a:r>
-            <a:r>
-              <a:t>? Explain why.</a:t>
-            </a:r>
-          </a:p>
-          <a:p>
-            <a:pPr/>
-          </a:p>
-        </p:txBody>
-      </p:sp>
-      <p:pic>
-        <p:nvPicPr>
-          <p:cNvPr id="192" name="Image" descr="Image"/>
-          <p:cNvPicPr>
-            <a:picLocks noChangeAspect="1"/>
-          </p:cNvPicPr>
-          <p:nvPr/>
-        </p:nvPicPr>
-        <p:blipFill>
-          <a:blip r:embed="rId3">
-            <a:extLst/>
-          </a:blip>
-          <a:stretch>
-            <a:fillRect/>
-          </a:stretch>
-        </p:blipFill>
-        <p:spPr>
-          <a:xfrm>
-            <a:off x="2890454" y="2104627"/>
-            <a:ext cx="3363092" cy="2049561"/>
-          </a:xfrm>
-          <a:prstGeom prst="rect">
-            <a:avLst/>
-          </a:prstGeom>
-          <a:ln w="25400">
-            <a:solidFill>
-              <a:schemeClr val="accent1"/>
-            </a:solidFill>
-          </a:ln>
-        </p:spPr>
-      </p:pic>
-      <p:pic>
-        <p:nvPicPr>
-          <p:cNvPr id="193" name="Image" descr="Image"/>
-          <p:cNvPicPr>
-            <a:picLocks noChangeAspect="1"/>
-          </p:cNvPicPr>
-          <p:nvPr/>
-        </p:nvPicPr>
-        <p:blipFill>
-          <a:blip r:embed="rId4">
-            <a:extLst/>
-          </a:blip>
-          <a:stretch>
-            <a:fillRect/>
-          </a:stretch>
-        </p:blipFill>
-        <p:spPr>
-          <a:xfrm>
-            <a:off x="6196850" y="2104626"/>
-            <a:ext cx="2431712" cy="2356276"/>
-          </a:xfrm>
-          <a:prstGeom prst="rect">
-            <a:avLst/>
-          </a:prstGeom>
-          <a:ln w="25400">
-            <a:solidFill>
-              <a:schemeClr val="accent1"/>
-            </a:solidFill>
-          </a:ln>
-        </p:spPr>
-      </p:pic>
-      <p:pic>
-        <p:nvPicPr>
-          <p:cNvPr id="194" name="Image" descr="Image"/>
-          <p:cNvPicPr>
-            <a:picLocks noChangeAspect="1"/>
-          </p:cNvPicPr>
-          <p:nvPr/>
-        </p:nvPicPr>
-        <p:blipFill>
-          <a:blip r:embed="rId5">
-            <a:extLst/>
-          </a:blip>
-          <a:stretch>
-            <a:fillRect/>
-          </a:stretch>
-        </p:blipFill>
-        <p:spPr>
-          <a:xfrm>
-            <a:off x="318624" y="2935653"/>
-            <a:ext cx="2260318" cy="1023458"/>
-          </a:xfrm>
-          <a:prstGeom prst="rect">
-            <a:avLst/>
-          </a:prstGeom>
-          <a:ln w="12700">
-            <a:miter lim="400000"/>
-          </a:ln>
-        </p:spPr>
-      </p:pic>
-    </p:spTree>
-  </p:cSld>
-  <p:clrMapOvr>
-    <a:masterClrMapping/>
-  </p:clrMapOvr>
-  <p:transition xmlns:p14="http://schemas.microsoft.com/office/powerpoint/2010/main" spd="med" advClick="1"/>
-  <p:timing>
-    <p:tnLst>
-      <p:par>
-        <p:cTn id="1" nodeType="tmRoot" restart="never" dur="indefinite" fill="hold">
-          <p:childTnLst>
-            <p:seq concurrent="1" prevAc="none" nextAc="seek">
-              <p:cTn id="2" nodeType="mainSeq" dur="indefinite" fill="hold">
-                <p:childTnLst>
-                  <p:par>
-                    <p:cTn id="3" fill="hold">
-                      <p:stCondLst>
-                        <p:cond delay="indefinite"/>
-                      </p:stCondLst>
-                      <p:childTnLst>
-                        <p:par>
-                          <p:cTn id="4" fill="hold">
-                            <p:stCondLst>
-                              <p:cond delay="0"/>
-                            </p:stCondLst>
-                            <p:childTnLst>
-                              <p:par>
-                                <p:cTn id="5" presetClass="entr" nodeType="clickEffect" presetSubtype="0" presetID="1" grpId="1" fill="hold">
-                                  <p:stCondLst>
-                                    <p:cond delay="0"/>
-                                  </p:stCondLst>
-                                  <p:iterate type="el" backwards="0">
-                                    <p:tmAbs val="0"/>
-                                  </p:iterate>
-                                  <p:childTnLst>
-                                    <p:set>
-                                      <p:cBhvr>
-                                        <p:cTn id="6" fill="hold"/>
-                                        <p:tgtEl>
-                                          <p:spTgt spid="191"/>
-                                        </p:tgtEl>
-                                        <p:attrNameLst>
-                                          <p:attrName>style.visibility</p:attrName>
-                                        </p:attrNameLst>
-                                      </p:cBhvr>
-                                      <p:to>
-                                        <p:strVal val="visible"/>
-                                      </p:to>
-                                    </p:set>
-                                  </p:childTnLst>
-                                </p:cTn>
-                              </p:par>
-                            </p:childTnLst>
-                          </p:cTn>
-                        </p:par>
-                      </p:childTnLst>
-                    </p:cTn>
-                  </p:par>
-                </p:childTnLst>
-              </p:cTn>
-              <p:prevCondLst>
-                <p:cond evt="onPrev">
-                  <p:tgtEl>
-                    <p:sldTgt/>
-                  </p:tgtEl>
-                </p:cond>
-              </p:prevCondLst>
-              <p:nextCondLst>
-                <p:cond evt="onNext">
-                  <p:tgtEl>
-                    <p:sldTgt/>
-                  </p:tgtEl>
-                </p:cond>
-              </p:nextCondLst>
-            </p:seq>
-          </p:childTnLst>
-        </p:cTn>
-      </p:par>
-    </p:tnLst>
-    <p:bldLst>
-      <p:bldP build="whole" bldLvl="1" animBg="1" rev="0" advAuto="0" spid="191" grpId="1"/>
-    </p:bldLst>
-  </p:timing>
-</p:sld>
-</file>
-
-<file path=ppt/slides/slide3.xml><?xml version="1.0" encoding="utf-8"?>
-<p:sld xmlns:a="http://schemas.openxmlformats.org/drawingml/2006/main" xmlns:r="http://schemas.openxmlformats.org/officeDocument/2006/relationships" xmlns:p="http://schemas.openxmlformats.org/presentationml/2006/main" xmlns:m="http://schemas.openxmlformats.org/officeDocument/2006/math" xmlns:a14="http://schemas.microsoft.com/office/drawing/2010/main" showMasterSp="1" showMasterPhAnim="1">
-  <p:cSld>
-    <p:spTree>
-      <p:nvGrpSpPr>
-        <p:cNvPr id="1" name=""/>
-        <p:cNvGrpSpPr/>
-        <p:nvPr/>
-      </p:nvGrpSpPr>
-      <p:grpSpPr>
-        <a:xfrm>
-          <a:off x="0" y="0"/>
-          <a:ext cx="0" cy="0"/>
-          <a:chOff x="0" y="0"/>
-          <a:chExt cx="0" cy="0"/>
-        </a:xfrm>
-      </p:grpSpPr>
-      <p:sp>
-        <p:nvSpPr>
-          <p:cNvPr id="198" name="framing…"/>
-          <p:cNvSpPr txBox="1"/>
-          <p:nvPr/>
-        </p:nvSpPr>
-        <p:spPr>
-          <a:xfrm>
-            <a:off x="4138003" y="1037939"/>
-            <a:ext cx="4070437" cy="2988429"/>
-          </a:xfrm>
-          <a:prstGeom prst="rect">
-            <a:avLst/>
-          </a:prstGeom>
-          <a:ln w="25400">
-            <a:solidFill>
-              <a:schemeClr val="accent1"/>
-            </a:solidFill>
-          </a:ln>
-          <a:extLst>
-            <a:ext uri="{C572A759-6A51-4108-AA02-DFA0A04FC94B}">
-              <ma14:wrappingTextBoxFlag xmlns:ma14="http://schemas.microsoft.com/office/mac/drawingml/2011/main" val="1"/>
-            </a:ext>
-          </a:extLst>
-        </p:spPr>
-        <p:txBody>
-          <a:bodyPr lIns="91423" tIns="91423" rIns="91423" bIns="91423">
-            <a:normAutofit fontScale="100000" lnSpcReduction="0"/>
-          </a:bodyPr>
-          <a:lstStyle/>
-          <a:p>
-            <a:pPr>
-              <a:lnSpc>
-                <a:spcPct val="115000"/>
-              </a:lnSpc>
-              <a:defRPr b="1" sz="1800">
-                <a:solidFill>
-                  <a:schemeClr val="accent5"/>
-                </a:solidFill>
-                <a:latin typeface="Lato"/>
-                <a:ea typeface="Lato"/>
-                <a:cs typeface="Lato"/>
-                <a:sym typeface="Lato"/>
-              </a:defRPr>
-            </a:pPr>
-            <a:r>
-              <a:t>framing</a:t>
-            </a:r>
-          </a:p>
-          <a:p>
-            <a:pPr marL="457200" indent="-342900">
-              <a:lnSpc>
-                <a:spcPct val="115000"/>
-              </a:lnSpc>
-              <a:buClr>
-                <a:srgbClr val="000000"/>
-              </a:buClr>
-              <a:buSzPts val="1800"/>
-              <a:buFont typeface="Helvetica"/>
-              <a:buChar char="●"/>
-              <a:defRPr b="1" sz="1800">
-                <a:solidFill>
-                  <a:srgbClr val="000000"/>
-                </a:solidFill>
-                <a:latin typeface="Lato"/>
-                <a:ea typeface="Lato"/>
-                <a:cs typeface="Lato"/>
-                <a:sym typeface="Lato"/>
-              </a:defRPr>
-            </a:pPr>
-            <a:r>
-              <a:t>what: </a:t>
-            </a:r>
-            <a:r>
-              <a:rPr b="0"/>
-              <a:t>HDW use informal run-time comparison to analyze algorithmic efficiency?</a:t>
-            </a:r>
-            <a:endParaRPr b="0"/>
-          </a:p>
-          <a:p>
-            <a:pPr marL="457200" indent="-342900">
-              <a:lnSpc>
-                <a:spcPct val="115000"/>
-              </a:lnSpc>
-              <a:buClr>
-                <a:srgbClr val="000000"/>
-              </a:buClr>
-              <a:buSzPts val="1800"/>
-              <a:buFont typeface="Helvetica"/>
-              <a:buChar char="●"/>
-              <a:defRPr b="1" sz="1800">
-                <a:solidFill>
-                  <a:srgbClr val="000000"/>
-                </a:solidFill>
-                <a:latin typeface="Lato"/>
-                <a:ea typeface="Lato"/>
-                <a:cs typeface="Lato"/>
-                <a:sym typeface="Lato"/>
-              </a:defRPr>
-            </a:pPr>
-            <a:r>
-              <a:t>why: </a:t>
-            </a:r>
-            <a:r>
-              <a:rPr b="0"/>
-              <a:t>Efficient algorithms save time and money ($).</a:t>
-            </a:r>
-            <a:endParaRPr b="0"/>
-          </a:p>
-          <a:p>
-            <a:pPr marL="457200" indent="-342900">
-              <a:lnSpc>
-                <a:spcPct val="115000"/>
-              </a:lnSpc>
-              <a:buClr>
-                <a:srgbClr val="000000"/>
-              </a:buClr>
-              <a:buSzPts val="1800"/>
-              <a:buFont typeface="Helvetica"/>
-              <a:buChar char="●"/>
-              <a:defRPr b="1" sz="1800">
-                <a:solidFill>
-                  <a:srgbClr val="000000"/>
-                </a:solidFill>
-                <a:latin typeface="Lato"/>
-                <a:ea typeface="Lato"/>
-                <a:cs typeface="Lato"/>
-                <a:sym typeface="Lato"/>
-              </a:defRPr>
-            </a:pPr>
-            <a:r>
-              <a:t>where to: </a:t>
-            </a:r>
-            <a:r>
-              <a:rPr b="0"/>
-              <a:t>Test next week. Then writing classes. </a:t>
-            </a:r>
-          </a:p>
-        </p:txBody>
-      </p:sp>
-      <p:pic>
-        <p:nvPicPr>
-          <p:cNvPr id="199" name="Image" descr="Image"/>
-          <p:cNvPicPr>
-            <a:picLocks noChangeAspect="1"/>
-          </p:cNvPicPr>
-          <p:nvPr/>
-        </p:nvPicPr>
-        <p:blipFill>
-          <a:blip r:embed="rId2">
-            <a:extLst/>
-          </a:blip>
-          <a:stretch>
-            <a:fillRect/>
-          </a:stretch>
-        </p:blipFill>
-        <p:spPr>
-          <a:xfrm>
-            <a:off x="239993" y="1497277"/>
-            <a:ext cx="3352801" cy="2425701"/>
-          </a:xfrm>
-          <a:prstGeom prst="rect">
-            <a:avLst/>
-          </a:prstGeom>
-          <a:ln w="12700">
-            <a:miter lim="400000"/>
-          </a:ln>
-        </p:spPr>
-      </p:pic>
-    </p:spTree>
-  </p:cSld>
-  <p:clrMapOvr>
-    <a:masterClrMapping/>
-  </p:clrMapOvr>
-  <p:transition xmlns:p14="http://schemas.microsoft.com/office/powerpoint/2010/main" spd="med" advClick="1"/>
-  <p:timing>
-    <p:tnLst>
-      <p:par>
-        <p:cTn id="1" nodeType="tmRoot" restart="never" dur="indefinite" fill="hold">
-          <p:childTnLst>
-            <p:seq concurrent="1" prevAc="none" nextAc="seek">
-              <p:cTn id="2" nodeType="mainSeq" dur="indefinite" fill="hold">
-                <p:childTnLst>
-                  <p:par>
-                    <p:cTn id="3" fill="hold">
-                      <p:stCondLst>
-                        <p:cond delay="indefinite"/>
-                      </p:stCondLst>
-                      <p:childTnLst>
-                        <p:par>
-                          <p:cTn id="4" fill="hold">
-                            <p:stCondLst>
-                              <p:cond delay="0"/>
-                            </p:stCondLst>
-                            <p:childTnLst>
-                              <p:par>
-                                <p:cTn id="5" presetClass="entr" nodeType="clickEffect" presetSubtype="0" presetID="1" grpId="1" fill="hold">
-                                  <p:stCondLst>
-                                    <p:cond delay="0"/>
-                                  </p:stCondLst>
-                                  <p:iterate type="el" backwards="0">
-                                    <p:tmAbs val="0"/>
-                                  </p:iterate>
-                                  <p:childTnLst>
-                                    <p:set>
-                                      <p:cBhvr>
-                                        <p:cTn id="6" fill="hold"/>
-                                        <p:tgtEl>
-                                          <p:spTgt spid="198">
-                                            <p:bg/>
-                                          </p:spTgt>
-                                        </p:tgtEl>
-                                        <p:attrNameLst>
-                                          <p:attrName>style.visibility</p:attrName>
-                                        </p:attrNameLst>
-                                      </p:cBhvr>
-                                      <p:to>
-                                        <p:strVal val="visible"/>
-                                      </p:to>
-                                    </p:set>
-                                  </p:childTnLst>
-                                </p:cTn>
-                              </p:par>
-                              <p:par>
-                                <p:cTn id="7" presetClass="entr" nodeType="withEffect" presetSubtype="0" presetID="1" grpId="1" fill="hold">
-                                  <p:stCondLst>
-                                    <p:cond delay="0"/>
-                                  </p:stCondLst>
-                                  <p:iterate type="el" backwards="0">
-                                    <p:tmAbs val="0"/>
-                                  </p:iterate>
-                                  <p:childTnLst>
-                                    <p:set>
-                                      <p:cBhvr>
-                                        <p:cTn id="8" fill="hold"/>
-                                        <p:tgtEl>
-                                          <p:spTgt spid="198">
-                                            <p:txEl>
-                                              <p:pRg st="0" end="0"/>
-                                            </p:txEl>
-                                          </p:spTgt>
-                                        </p:tgtEl>
-                                        <p:attrNameLst>
-                                          <p:attrName>style.visibility</p:attrName>
-                                        </p:attrNameLst>
-                                      </p:cBhvr>
-                                      <p:to>
-                                        <p:strVal val="visible"/>
-                                      </p:to>
-                                    </p:set>
-                                  </p:childTnLst>
-                                </p:cTn>
-                              </p:par>
-                            </p:childTnLst>
-                          </p:cTn>
-                        </p:par>
-                      </p:childTnLst>
-                    </p:cTn>
-                  </p:par>
-                  <p:par>
-                    <p:cTn id="9" fill="hold">
-                      <p:stCondLst>
-                        <p:cond delay="indefinite"/>
-                      </p:stCondLst>
-                      <p:childTnLst>
-                        <p:par>
-                          <p:cTn id="10" fill="hold">
-                            <p:stCondLst>
-                              <p:cond delay="0"/>
-                            </p:stCondLst>
-                            <p:childTnLst>
-                              <p:par>
-                                <p:cTn id="11" presetClass="entr" nodeType="clickEffect" presetSubtype="0" presetID="1" grpId="1" fill="hold">
-                                  <p:stCondLst>
-                                    <p:cond delay="0"/>
-                                  </p:stCondLst>
-                                  <p:iterate type="el" backwards="0">
-                                    <p:tmAbs val="0"/>
-                                  </p:iterate>
-                                  <p:childTnLst>
-                                    <p:set>
-                                      <p:cBhvr>
-                                        <p:cTn id="12" fill="hold"/>
-                                        <p:tgtEl>
-                                          <p:spTgt spid="198">
-                                            <p:txEl>
-                                              <p:pRg st="1" end="1"/>
-                                            </p:txEl>
-                                          </p:spTgt>
-                                        </p:tgtEl>
-                                        <p:attrNameLst>
-                                          <p:attrName>style.visibility</p:attrName>
-                                        </p:attrNameLst>
-                                      </p:cBhvr>
-                                      <p:to>
-                                        <p:strVal val="visible"/>
-                                      </p:to>
-                                    </p:set>
-                                  </p:childTnLst>
-                                </p:cTn>
-                              </p:par>
-                            </p:childTnLst>
-                          </p:cTn>
-                        </p:par>
-                      </p:childTnLst>
-                    </p:cTn>
-                  </p:par>
-                  <p:par>
-                    <p:cTn id="13" fill="hold">
-                      <p:stCondLst>
-                        <p:cond delay="indefinite"/>
-                      </p:stCondLst>
-                      <p:childTnLst>
-                        <p:par>
-                          <p:cTn id="14" fill="hold">
-                            <p:stCondLst>
-                              <p:cond delay="0"/>
-                            </p:stCondLst>
-                            <p:childTnLst>
-                              <p:par>
-                                <p:cTn id="15" presetClass="entr" nodeType="clickEffect" presetSubtype="0" presetID="1" grpId="1" fill="hold">
-                                  <p:stCondLst>
-                                    <p:cond delay="0"/>
-                                  </p:stCondLst>
-                                  <p:iterate type="el" backwards="0">
-                                    <p:tmAbs val="0"/>
-                                  </p:iterate>
-                                  <p:childTnLst>
-                                    <p:set>
-                                      <p:cBhvr>
-                                        <p:cTn id="16" fill="hold"/>
-                                        <p:tgtEl>
-                                          <p:spTgt spid="198">
-                                            <p:txEl>
-                                              <p:pRg st="2" end="2"/>
-                                            </p:txEl>
-                                          </p:spTgt>
-                                        </p:tgtEl>
-                                        <p:attrNameLst>
-                                          <p:attrName>style.visibility</p:attrName>
-                                        </p:attrNameLst>
-                                      </p:cBhvr>
-                                      <p:to>
-                                        <p:strVal val="visible"/>
-                                      </p:to>
-                                    </p:set>
-                                  </p:childTnLst>
-                                </p:cTn>
-                              </p:par>
-                            </p:childTnLst>
-                          </p:cTn>
-                        </p:par>
-                      </p:childTnLst>
-                    </p:cTn>
-                  </p:par>
-                  <p:par>
-                    <p:cTn id="17" fill="hold">
-                      <p:stCondLst>
-                        <p:cond delay="indefinite"/>
-                      </p:stCondLst>
-                      <p:childTnLst>
-                        <p:par>
-                          <p:cTn id="18" fill="hold">
-                            <p:stCondLst>
-                              <p:cond delay="0"/>
-                            </p:stCondLst>
-                            <p:childTnLst>
-                              <p:par>
-                                <p:cTn id="19" presetClass="entr" nodeType="clickEffect" presetSubtype="0" presetID="1" grpId="1" fill="hold">
-                                  <p:stCondLst>
-                                    <p:cond delay="0"/>
-                                  </p:stCondLst>
-                                  <p:iterate type="el" backwards="0">
-                                    <p:tmAbs val="0"/>
-                                  </p:iterate>
-                                  <p:childTnLst>
-                                    <p:set>
-                                      <p:cBhvr>
-                                        <p:cTn id="20" fill="hold"/>
-                                        <p:tgtEl>
-                                          <p:spTgt spid="198">
-                                            <p:txEl>
-                                              <p:pRg st="3" end="3"/>
-                                            </p:txEl>
-                                          </p:spTgt>
-                                        </p:tgtEl>
-                                        <p:attrNameLst>
-                                          <p:attrName>style.visibility</p:attrName>
-                                        </p:attrNameLst>
-                                      </p:cBhvr>
-                                      <p:to>
-                                        <p:strVal val="visible"/>
-                                      </p:to>
-                                    </p:set>
-                                  </p:childTnLst>
-                                </p:cTn>
-                              </p:par>
-                            </p:childTnLst>
-                          </p:cTn>
-                        </p:par>
-                      </p:childTnLst>
-                    </p:cTn>
-                  </p:par>
-                </p:childTnLst>
-              </p:cTn>
-              <p:prevCondLst>
-                <p:cond evt="onPrev">
-                  <p:tgtEl>
-                    <p:sldTgt/>
-                  </p:tgtEl>
-                </p:cond>
-              </p:prevCondLst>
-              <p:nextCondLst>
-                <p:cond evt="onNext">
-                  <p:tgtEl>
-                    <p:sldTgt/>
-                  </p:tgtEl>
-                </p:cond>
-              </p:nextCondLst>
-            </p:seq>
-          </p:childTnLst>
-        </p:cTn>
-      </p:par>
-    </p:tnLst>
-    <p:bldLst>
-      <p:bldP build="p" bldLvl="5" animBg="1" rev="0" advAuto="0" spid="198" grpId="1"/>
-    </p:bldLst>
-  </p:timing>
-</p:sld>
-</file>
-
-<file path=ppt/slides/slide4.xml><?xml version="1.0" encoding="utf-8"?>
-<p:sld xmlns:a="http://schemas.openxmlformats.org/drawingml/2006/main" xmlns:r="http://schemas.openxmlformats.org/officeDocument/2006/relationships" xmlns:p="http://schemas.openxmlformats.org/presentationml/2006/main" xmlns:m="http://schemas.openxmlformats.org/officeDocument/2006/math" xmlns:a14="http://schemas.microsoft.com/office/drawing/2010/main" showMasterSp="1" showMasterPhAnim="1">
-  <p:cSld>
-    <p:spTree>
-      <p:nvGrpSpPr>
-        <p:cNvPr id="1" name=""/>
-        <p:cNvGrpSpPr/>
-        <p:nvPr/>
-      </p:nvGrpSpPr>
-      <p:grpSpPr>
-        <a:xfrm>
-          <a:off x="0" y="0"/>
-          <a:ext cx="0" cy="0"/>
-          <a:chOff x="0" y="0"/>
-          <a:chExt cx="0" cy="0"/>
-        </a:xfrm>
-      </p:grpSpPr>
-      <p:sp>
-        <p:nvSpPr>
-          <p:cNvPr id="201" name="Vocab…"/>
-          <p:cNvSpPr txBox="1"/>
-          <p:nvPr>
-            <p:ph type="title"/>
-          </p:nvPr>
-        </p:nvSpPr>
-        <p:spPr>
-          <a:xfrm>
-            <a:off x="1438671" y="184914"/>
-            <a:ext cx="7302729" cy="939691"/>
-          </a:xfrm>
-          <a:prstGeom prst="rect">
-            <a:avLst/>
-          </a:prstGeom>
-          <a:solidFill>
-            <a:srgbClr val="FFFFFF"/>
-          </a:solidFill>
-          <a:ln w="25400">
-            <a:solidFill>
-              <a:schemeClr val="accent1"/>
-            </a:solidFill>
-            <a:round/>
-          </a:ln>
-        </p:spPr>
-        <p:txBody>
-          <a:bodyPr lIns="91422" tIns="91422" rIns="91422" bIns="91422"/>
-          <a:lstStyle/>
-          <a:p>
-            <a:pPr defTabSz="813816">
-              <a:defRPr b="0" sz="2100">
-                <a:solidFill>
-                  <a:srgbClr val="F46524"/>
-                </a:solidFill>
-                <a:latin typeface="+mn-lt"/>
-                <a:ea typeface="+mn-ea"/>
-                <a:cs typeface="+mn-cs"/>
-                <a:sym typeface="Arial"/>
-              </a:defRPr>
-            </a:pPr>
-            <a:r>
-              <a:t>Vocab</a:t>
-            </a:r>
-          </a:p>
-          <a:p>
-            <a:pPr defTabSz="813816">
-              <a:defRPr b="0" sz="1200">
-                <a:solidFill>
-                  <a:schemeClr val="accent5"/>
-                </a:solidFill>
-                <a:latin typeface="+mj-lt"/>
-                <a:ea typeface="+mj-ea"/>
-                <a:cs typeface="+mj-cs"/>
-                <a:sym typeface="Helvetica"/>
-              </a:defRPr>
-            </a:pPr>
-            <a:r>
-              <a:t>be sure to:</a:t>
-            </a:r>
-            <a:r>
-              <a:rPr>
-                <a:solidFill>
-                  <a:schemeClr val="accent5">
-                    <a:lumOff val="-9843"/>
-                  </a:schemeClr>
-                </a:solidFill>
-              </a:rPr>
-              <a:t> </a:t>
-            </a:r>
-            <a:r>
-              <a:rPr>
-                <a:solidFill>
-                  <a:schemeClr val="accent3">
-                    <a:lumOff val="-9098"/>
-                  </a:schemeClr>
-                </a:solidFill>
-              </a:rPr>
-              <a:t>Keep your </a:t>
-            </a:r>
-            <a:r>
-              <a:rPr b="1">
-                <a:solidFill>
-                  <a:schemeClr val="accent3">
-                    <a:lumOff val="-9098"/>
-                  </a:schemeClr>
-                </a:solidFill>
-              </a:rPr>
-              <a:t>notebook </a:t>
-            </a:r>
-            <a:r>
-              <a:rPr>
-                <a:solidFill>
-                  <a:schemeClr val="accent3">
-                    <a:lumOff val="-9098"/>
-                  </a:schemeClr>
-                </a:solidFill>
-              </a:rPr>
-              <a:t>open. Copy each definition, in your </a:t>
-            </a:r>
-            <a:r>
-              <a:rPr u="sng">
-                <a:solidFill>
-                  <a:schemeClr val="accent3">
-                    <a:lumOff val="-9098"/>
-                  </a:schemeClr>
-                </a:solidFill>
-              </a:rPr>
-              <a:t>Java Glossary</a:t>
-            </a:r>
-            <a:r>
-              <a:rPr>
-                <a:solidFill>
-                  <a:schemeClr val="accent3">
-                    <a:lumOff val="-9098"/>
-                  </a:schemeClr>
-                </a:solidFill>
-              </a:rPr>
-              <a:t>.</a:t>
-            </a:r>
-          </a:p>
-        </p:txBody>
-      </p:sp>
-      <p:sp>
-        <p:nvSpPr>
-          <p:cNvPr id="202" name="Algorithm…"/>
-          <p:cNvSpPr txBox="1"/>
-          <p:nvPr/>
-        </p:nvSpPr>
-        <p:spPr>
-          <a:xfrm>
-            <a:off x="530494" y="1567298"/>
-            <a:ext cx="1929727" cy="1282701"/>
-          </a:xfrm>
-          <a:prstGeom prst="rect">
-            <a:avLst/>
-          </a:prstGeom>
-          <a:ln w="12700">
-            <a:miter lim="400000"/>
-          </a:ln>
-          <a:extLst>
-            <a:ext uri="{C572A759-6A51-4108-AA02-DFA0A04FC94B}">
-              <ma14:wrappingTextBoxFlag xmlns:ma14="http://schemas.microsoft.com/office/mac/drawingml/2011/main" val="1"/>
-            </a:ext>
-          </a:extLst>
-        </p:spPr>
-        <p:txBody>
-          <a:bodyPr lIns="0" tIns="0" rIns="0" bIns="0">
-            <a:spAutoFit/>
-          </a:bodyPr>
-          <a:lstStyle/>
-          <a:p>
-            <a:pPr>
-              <a:defRPr>
-                <a:solidFill>
-                  <a:srgbClr val="012F7B"/>
-                </a:solidFill>
-                <a:latin typeface="Helvetica Neue"/>
-                <a:ea typeface="Helvetica Neue"/>
-                <a:cs typeface="Helvetica Neue"/>
-                <a:sym typeface="Helvetica Neue"/>
-              </a:defRPr>
-            </a:pPr>
-            <a:r>
-              <a:t>Algorithm</a:t>
-            </a:r>
-          </a:p>
-          <a:p>
-            <a:pPr>
-              <a:defRPr>
-                <a:solidFill>
-                  <a:srgbClr val="FF6A00"/>
-                </a:solidFill>
-              </a:defRPr>
-            </a:pPr>
-            <a:r>
-              <a:t>A step-by-step procedure for solving a problem</a:t>
-            </a:r>
-          </a:p>
-          <a:p>
-            <a:pPr>
-              <a:defRPr b="1">
-                <a:solidFill>
-                  <a:srgbClr val="FF6A00"/>
-                </a:solidFill>
-              </a:defRPr>
-            </a:pPr>
-            <a:endParaRPr b="0"/>
-          </a:p>
-        </p:txBody>
-      </p:sp>
-      <p:pic>
-        <p:nvPicPr>
-          <p:cNvPr id="203" name="Image" descr="Image"/>
-          <p:cNvPicPr>
-            <a:picLocks noChangeAspect="1"/>
-          </p:cNvPicPr>
-          <p:nvPr/>
-        </p:nvPicPr>
-        <p:blipFill>
-          <a:blip r:embed="rId3">
-            <a:extLst/>
-          </a:blip>
-          <a:stretch>
-            <a:fillRect/>
-          </a:stretch>
-        </p:blipFill>
-        <p:spPr>
-          <a:xfrm>
-            <a:off x="3986857" y="1296210"/>
-            <a:ext cx="4085134" cy="3174490"/>
-          </a:xfrm>
-          <a:prstGeom prst="rect">
-            <a:avLst/>
-          </a:prstGeom>
-          <a:ln w="12700">
-            <a:miter lim="400000"/>
-          </a:ln>
-        </p:spPr>
-      </p:pic>
-      <p:sp>
-        <p:nvSpPr>
-          <p:cNvPr id="204" name="Statement execution count…"/>
-          <p:cNvSpPr txBox="1"/>
-          <p:nvPr/>
-        </p:nvSpPr>
-        <p:spPr>
-          <a:xfrm>
-            <a:off x="530494" y="2722998"/>
-            <a:ext cx="1929727" cy="1485901"/>
-          </a:xfrm>
-          <a:prstGeom prst="rect">
-            <a:avLst/>
-          </a:prstGeom>
-          <a:ln w="12700">
-            <a:miter lim="400000"/>
-          </a:ln>
-          <a:extLst>
-            <a:ext uri="{C572A759-6A51-4108-AA02-DFA0A04FC94B}">
-              <ma14:wrappingTextBoxFlag xmlns:ma14="http://schemas.microsoft.com/office/mac/drawingml/2011/main" val="1"/>
-            </a:ext>
-          </a:extLst>
-        </p:spPr>
-        <p:txBody>
-          <a:bodyPr lIns="0" tIns="0" rIns="0" bIns="0">
-            <a:spAutoFit/>
-          </a:bodyPr>
-          <a:lstStyle/>
-          <a:p>
-            <a:pPr>
-              <a:defRPr>
-                <a:solidFill>
-                  <a:srgbClr val="012F7B"/>
-                </a:solidFill>
-                <a:latin typeface="Helvetica Neue"/>
-                <a:ea typeface="Helvetica Neue"/>
-                <a:cs typeface="Helvetica Neue"/>
-                <a:sym typeface="Helvetica Neue"/>
-              </a:defRPr>
-            </a:pPr>
-            <a:r>
-              <a:t>Statement execution count</a:t>
-            </a:r>
-          </a:p>
-          <a:p>
-            <a:pPr>
-              <a:defRPr>
-                <a:solidFill>
-                  <a:srgbClr val="FF6A00"/>
-                </a:solidFill>
-              </a:defRPr>
-            </a:pPr>
-            <a:r>
-              <a:t>The number of times a statement is executed by a program.</a:t>
-            </a:r>
-          </a:p>
-          <a:p>
-            <a:pPr>
-              <a:defRPr b="1">
-                <a:solidFill>
-                  <a:srgbClr val="FF6A00"/>
-                </a:solidFill>
-              </a:defRPr>
-            </a:pPr>
-            <a:endParaRPr b="0"/>
-          </a:p>
-        </p:txBody>
-      </p:sp>
-    </p:spTree>
-  </p:cSld>
-  <p:clrMapOvr>
-    <a:masterClrMapping/>
-  </p:clrMapOvr>
-  <p:transition xmlns:p14="http://schemas.microsoft.com/office/powerpoint/2010/main" spd="med" advClick="1"/>
-  <p:timing>
-    <p:tnLst>
-      <p:par>
-        <p:cTn id="1" nodeType="tmRoot" restart="never" dur="indefinite" fill="hold">
-          <p:childTnLst>
-            <p:seq concurrent="1" prevAc="none" nextAc="seek">
-              <p:cTn id="2" nodeType="mainSeq" dur="indefinite" fill="hold">
-                <p:childTnLst>
-                  <p:par>
-                    <p:cTn id="3" fill="hold">
-                      <p:stCondLst>
-                        <p:cond delay="indefinite"/>
-                      </p:stCondLst>
-                      <p:childTnLst>
-                        <p:par>
-                          <p:cTn id="4" fill="hold">
-                            <p:stCondLst>
-                              <p:cond delay="0"/>
-                            </p:stCondLst>
-                            <p:childTnLst>
-                              <p:par>
-                                <p:cTn id="5" presetClass="entr" nodeType="clickEffect" presetSubtype="0" presetID="1" grpId="1" fill="hold">
-                                  <p:stCondLst>
-                                    <p:cond delay="0"/>
-                                  </p:stCondLst>
-                                  <p:iterate type="el" backwards="0">
-                                    <p:tmAbs val="0"/>
-                                  </p:iterate>
-                                  <p:childTnLst>
-                                    <p:set>
-                                      <p:cBhvr>
-                                        <p:cTn id="6" fill="hold"/>
-                                        <p:tgtEl>
-                                          <p:spTgt spid="202"/>
-                                        </p:tgtEl>
-                                        <p:attrNameLst>
-                                          <p:attrName>style.visibility</p:attrName>
-                                        </p:attrNameLst>
-                                      </p:cBhvr>
-                                      <p:to>
-                                        <p:strVal val="visible"/>
-                                      </p:to>
-                                    </p:set>
-                                  </p:childTnLst>
-                                </p:cTn>
-                              </p:par>
-                            </p:childTnLst>
-                          </p:cTn>
-                        </p:par>
-                      </p:childTnLst>
-                    </p:cTn>
-                  </p:par>
-                  <p:par>
-                    <p:cTn id="7" fill="hold">
-                      <p:stCondLst>
-                        <p:cond delay="indefinite"/>
-                      </p:stCondLst>
-                      <p:childTnLst>
-                        <p:par>
-                          <p:cTn id="8" fill="hold">
-                            <p:stCondLst>
-                              <p:cond delay="0"/>
-                            </p:stCondLst>
-                            <p:childTnLst>
-                              <p:par>
-                                <p:cTn id="9" presetClass="entr" nodeType="clickEffect" presetSubtype="0" presetID="1" grpId="2" fill="hold">
-                                  <p:stCondLst>
-                                    <p:cond delay="0"/>
-                                  </p:stCondLst>
-                                  <p:iterate type="el" backwards="0">
-                                    <p:tmAbs val="0"/>
-                                  </p:iterate>
-                                  <p:childTnLst>
-                                    <p:set>
-                                      <p:cBhvr>
-                                        <p:cTn id="10" fill="hold"/>
-                                        <p:tgtEl>
-                                          <p:spTgt spid="204"/>
-                                        </p:tgtEl>
-                                        <p:attrNameLst>
-                                          <p:attrName>style.visibility</p:attrName>
-                                        </p:attrNameLst>
-                                      </p:cBhvr>
-                                      <p:to>
-                                        <p:strVal val="visible"/>
-                                      </p:to>
-                                    </p:set>
-                                  </p:childTnLst>
-                                </p:cTn>
-                              </p:par>
-                            </p:childTnLst>
-                          </p:cTn>
-                        </p:par>
-                      </p:childTnLst>
-                    </p:cTn>
-                  </p:par>
-                </p:childTnLst>
-              </p:cTn>
-              <p:prevCondLst>
-                <p:cond evt="onPrev">
-                  <p:tgtEl>
-                    <p:sldTgt/>
-                  </p:tgtEl>
-                </p:cond>
-              </p:prevCondLst>
-              <p:nextCondLst>
-                <p:cond evt="onNext">
-                  <p:tgtEl>
-                    <p:sldTgt/>
-                  </p:tgtEl>
-                </p:cond>
-              </p:nextCondLst>
-            </p:seq>
-          </p:childTnLst>
-        </p:cTn>
-      </p:par>
-    </p:tnLst>
-    <p:bldLst>
-      <p:bldP build="whole" bldLvl="1" animBg="1" rev="0" advAuto="0" spid="202" grpId="1"/>
-      <p:bldP build="whole" bldLvl="1" animBg="1" rev="0" advAuto="0" spid="204" grpId="2"/>
-    </p:bldLst>
-  </p:timing>
-</p:sld>
-</file>
-
-<file path=ppt/slides/slide5.xml><?xml version="1.0" encoding="utf-8"?>
-<p:sld xmlns:a="http://schemas.openxmlformats.org/drawingml/2006/main" xmlns:r="http://schemas.openxmlformats.org/officeDocument/2006/relationships" xmlns:p="http://schemas.openxmlformats.org/presentationml/2006/main" xmlns:m="http://schemas.openxmlformats.org/officeDocument/2006/math" xmlns:a14="http://schemas.microsoft.com/office/drawing/2010/main" showMasterSp="1" showMasterPhAnim="1">
-  <p:cSld>
-    <p:spTree>
-      <p:nvGrpSpPr>
-        <p:cNvPr id="1" name=""/>
-        <p:cNvGrpSpPr/>
-        <p:nvPr/>
-      </p:nvGrpSpPr>
-      <p:grpSpPr>
-        <a:xfrm>
-          <a:off x="0" y="0"/>
-          <a:ext cx="0" cy="0"/>
-          <a:chOff x="0" y="0"/>
-          <a:chExt cx="0" cy="0"/>
-        </a:xfrm>
-      </p:grpSpPr>
-      <p:pic>
-        <p:nvPicPr>
-          <p:cNvPr id="208" name="Image" descr="Image"/>
-          <p:cNvPicPr>
-            <a:picLocks noChangeAspect="1"/>
-          </p:cNvPicPr>
-          <p:nvPr/>
-        </p:nvPicPr>
-        <p:blipFill>
-          <a:blip r:embed="rId2">
-            <a:extLst/>
-          </a:blip>
-          <a:stretch>
-            <a:fillRect/>
-          </a:stretch>
-        </p:blipFill>
-        <p:spPr>
-          <a:xfrm>
-            <a:off x="3068875" y="1410249"/>
-            <a:ext cx="6633049" cy="2214419"/>
-          </a:xfrm>
-          <a:prstGeom prst="rect">
-            <a:avLst/>
-          </a:prstGeom>
-          <a:ln w="12700">
-            <a:miter lim="400000"/>
-          </a:ln>
-        </p:spPr>
-      </p:pic>
-      <p:grpSp>
-        <p:nvGrpSpPr>
-          <p:cNvPr id="213" name="Google Shape;118;p19"/>
-          <p:cNvGrpSpPr/>
-          <p:nvPr/>
-        </p:nvGrpSpPr>
-        <p:grpSpPr>
-          <a:xfrm>
-            <a:off x="2119861" y="42840"/>
-            <a:ext cx="5092944" cy="745623"/>
-            <a:chOff x="-1" y="0"/>
-            <a:chExt cx="5092942" cy="745622"/>
-          </a:xfrm>
-        </p:grpSpPr>
-        <p:sp>
-          <p:nvSpPr>
-            <p:cNvPr id="209" name="Rectangle"/>
-            <p:cNvSpPr/>
-            <p:nvPr/>
-          </p:nvSpPr>
-          <p:spPr>
-            <a:xfrm>
-              <a:off x="-2" y="0"/>
-              <a:ext cx="4546963" cy="745623"/>
-            </a:xfrm>
-            <a:prstGeom prst="rect">
-              <a:avLst/>
-            </a:prstGeom>
-            <a:noFill/>
-            <a:ln w="25400" cap="flat">
-              <a:solidFill>
-                <a:schemeClr val="accent1"/>
-              </a:solidFill>
-              <a:prstDash val="solid"/>
-              <a:round/>
-            </a:ln>
-            <a:effectLst/>
-          </p:spPr>
-          <p:txBody>
-            <a:bodyPr wrap="square" lIns="0" tIns="0" rIns="0" bIns="0" numCol="1" anchor="t">
-              <a:noAutofit/>
-            </a:bodyPr>
-            <a:lstStyle/>
-            <a:p>
-              <a:pPr defTabSz="795527">
-                <a:defRPr sz="1200">
-                  <a:solidFill>
-                    <a:schemeClr val="accent5"/>
-                  </a:solidFill>
-                </a:defRPr>
-              </a:pPr>
-            </a:p>
-          </p:txBody>
-        </p:sp>
-        <p:grpSp>
-          <p:nvGrpSpPr>
-            <p:cNvPr id="212" name="Do now…"/>
-            <p:cNvGrpSpPr/>
-            <p:nvPr/>
-          </p:nvGrpSpPr>
-          <p:grpSpPr>
-            <a:xfrm>
-              <a:off x="9457" y="9458"/>
-              <a:ext cx="5083485" cy="726706"/>
-              <a:chOff x="0" y="0"/>
-              <a:chExt cx="5083483" cy="726705"/>
-            </a:xfrm>
-          </p:grpSpPr>
-          <p:sp>
-            <p:nvSpPr>
-              <p:cNvPr id="210" name="Rectangle"/>
-              <p:cNvSpPr/>
-              <p:nvPr/>
-            </p:nvSpPr>
-            <p:spPr>
-              <a:xfrm>
-                <a:off x="-1" y="-1"/>
-                <a:ext cx="5083485" cy="726707"/>
-              </a:xfrm>
-              <a:prstGeom prst="rect">
-                <a:avLst/>
-              </a:prstGeom>
-              <a:solidFill>
-                <a:srgbClr val="FFFFFF"/>
-              </a:solidFill>
-              <a:ln w="25400" cap="flat">
-                <a:solidFill>
-                  <a:schemeClr val="accent1"/>
-                </a:solidFill>
-                <a:prstDash val="solid"/>
-                <a:round/>
-              </a:ln>
-              <a:effectLst/>
-            </p:spPr>
-            <p:txBody>
-              <a:bodyPr wrap="square" lIns="0" tIns="0" rIns="0" bIns="0" numCol="1" anchor="t">
-                <a:noAutofit/>
-              </a:bodyPr>
-              <a:lstStyle/>
-              <a:p>
-                <a:pPr defTabSz="507148">
-                  <a:defRPr sz="1300">
-                    <a:solidFill>
-                      <a:schemeClr val="accent5"/>
-                    </a:solidFill>
-                  </a:defRPr>
-                </a:pPr>
-              </a:p>
-            </p:txBody>
-          </p:sp>
-          <p:sp>
-            <p:nvSpPr>
-              <p:cNvPr id="211" name="Mini-lesson…"/>
-              <p:cNvSpPr txBox="1"/>
-              <p:nvPr/>
-            </p:nvSpPr>
-            <p:spPr>
-              <a:xfrm>
-                <a:off x="12699" y="12699"/>
-                <a:ext cx="5058085" cy="701307"/>
-              </a:xfrm>
-              <a:prstGeom prst="rect">
-                <a:avLst/>
-              </a:prstGeom>
-              <a:noFill/>
-              <a:ln w="12700" cap="flat">
-                <a:noFill/>
-                <a:miter lim="400000"/>
-              </a:ln>
-              <a:effectLst/>
-              <a:extLst>
-                <a:ext uri="{C572A759-6A51-4108-AA02-DFA0A04FC94B}">
-                  <ma14:wrappingTextBoxFlag xmlns:ma14="http://schemas.microsoft.com/office/mac/drawingml/2011/main" val="1"/>
-                </a:ext>
-              </a:extLst>
-            </p:spPr>
-            <p:txBody>
-              <a:bodyPr wrap="square" lIns="91421" tIns="91421" rIns="91421" bIns="91421" numCol="1" anchor="t">
-                <a:normAutofit fontScale="100000" lnSpcReduction="0"/>
-              </a:bodyPr>
-              <a:lstStyle/>
-              <a:p>
-                <a:pPr defTabSz="507148">
-                  <a:defRPr sz="2000">
-                    <a:latin typeface="+mn-lt"/>
-                    <a:ea typeface="+mn-ea"/>
-                    <a:cs typeface="+mn-cs"/>
-                    <a:sym typeface="Arial"/>
-                  </a:defRPr>
-                </a:pPr>
-                <a:r>
-                  <a:t>Mini-lesson</a:t>
-                </a:r>
-              </a:p>
-              <a:p>
-                <a:pPr defTabSz="507148">
-                  <a:defRPr sz="1300">
-                    <a:solidFill>
-                      <a:schemeClr val="accent5"/>
-                    </a:solidFill>
-                  </a:defRPr>
-                </a:pPr>
-                <a:r>
-                  <a:t>be sure to:</a:t>
-                </a:r>
-                <a:r>
-                  <a:rPr>
-                    <a:solidFill>
-                      <a:schemeClr val="accent5">
-                        <a:lumOff val="-9843"/>
-                      </a:schemeClr>
-                    </a:solidFill>
-                  </a:rPr>
-                  <a:t> </a:t>
-                </a:r>
-                <a:r>
-                  <a:rPr>
-                    <a:solidFill>
-                      <a:schemeClr val="accent1"/>
-                    </a:solidFill>
-                  </a:rPr>
-                  <a:t>Take notes and answer questions in your </a:t>
-                </a:r>
-                <a:r>
-                  <a:rPr b="1">
-                    <a:solidFill>
-                      <a:schemeClr val="accent1"/>
-                    </a:solidFill>
-                  </a:rPr>
-                  <a:t>notebook</a:t>
-                </a:r>
-                <a:r>
-                  <a:rPr>
-                    <a:solidFill>
-                      <a:schemeClr val="accent1"/>
-                    </a:solidFill>
-                  </a:rPr>
-                  <a:t>.</a:t>
-                </a:r>
-              </a:p>
-            </p:txBody>
-          </p:sp>
-        </p:grpSp>
-      </p:grpSp>
-      <p:sp>
-        <p:nvSpPr>
-          <p:cNvPr id="214" name="Algorithm…"/>
-          <p:cNvSpPr txBox="1"/>
-          <p:nvPr/>
-        </p:nvSpPr>
-        <p:spPr>
-          <a:xfrm>
-            <a:off x="530494" y="1567298"/>
-            <a:ext cx="1929727" cy="1282701"/>
-          </a:xfrm>
-          <a:prstGeom prst="rect">
-            <a:avLst/>
-          </a:prstGeom>
-          <a:ln w="12700">
-            <a:miter lim="400000"/>
-          </a:ln>
-          <a:extLst>
-            <a:ext uri="{C572A759-6A51-4108-AA02-DFA0A04FC94B}">
-              <ma14:wrappingTextBoxFlag xmlns:ma14="http://schemas.microsoft.com/office/mac/drawingml/2011/main" val="1"/>
-            </a:ext>
-          </a:extLst>
-        </p:spPr>
-        <p:txBody>
-          <a:bodyPr lIns="0" tIns="0" rIns="0" bIns="0">
-            <a:spAutoFit/>
-          </a:bodyPr>
-          <a:lstStyle/>
-          <a:p>
-            <a:pPr>
-              <a:defRPr>
-                <a:solidFill>
-                  <a:srgbClr val="012F7B"/>
-                </a:solidFill>
-                <a:latin typeface="Helvetica Neue"/>
-                <a:ea typeface="Helvetica Neue"/>
-                <a:cs typeface="Helvetica Neue"/>
-                <a:sym typeface="Helvetica Neue"/>
-              </a:defRPr>
-            </a:pPr>
-            <a:r>
-              <a:t>Algorithm</a:t>
-            </a:r>
-          </a:p>
-          <a:p>
-            <a:pPr>
-              <a:defRPr>
-                <a:solidFill>
-                  <a:srgbClr val="FF6A00"/>
-                </a:solidFill>
-              </a:defRPr>
-            </a:pPr>
-            <a:r>
-              <a:t>A step-by-step procedure for solving a problem</a:t>
-            </a:r>
-          </a:p>
-          <a:p>
-            <a:pPr>
-              <a:defRPr b="1">
-                <a:solidFill>
-                  <a:srgbClr val="FF6A00"/>
-                </a:solidFill>
-              </a:defRPr>
-            </a:pPr>
-            <a:endParaRPr b="0"/>
-          </a:p>
-        </p:txBody>
-      </p:sp>
-    </p:spTree>
-  </p:cSld>
-  <p:clrMapOvr>
-    <a:masterClrMapping/>
-  </p:clrMapOvr>
-  <p:transition xmlns:p14="http://schemas.microsoft.com/office/powerpoint/2010/main" spd="med" advClick="1"/>
-  <p:timing>
-    <p:tnLst>
-      <p:par>
-        <p:cTn id="1" nodeType="tmRoot" restart="never" dur="indefinite" fill="hold">
-          <p:childTnLst>
-            <p:seq concurrent="1" prevAc="none" nextAc="seek">
-              <p:cTn id="2" nodeType="mainSeq" dur="indefinite" fill="hold">
-                <p:childTnLst>
-                  <p:par>
-                    <p:cTn id="3" fill="hold">
-                      <p:stCondLst>
-                        <p:cond delay="indefinite"/>
-                      </p:stCondLst>
-                      <p:childTnLst>
-                        <p:par>
-                          <p:cTn id="4" fill="hold">
-                            <p:stCondLst>
-                              <p:cond delay="0"/>
-                            </p:stCondLst>
-                            <p:childTnLst>
-                              <p:par>
-                                <p:cTn id="5" presetClass="entr" nodeType="clickEffect" presetSubtype="0" presetID="1" grpId="1" fill="hold">
-                                  <p:stCondLst>
-                                    <p:cond delay="0"/>
-                                  </p:stCondLst>
-                                  <p:iterate type="el" backwards="0">
-                                    <p:tmAbs val="0"/>
-                                  </p:iterate>
-                                  <p:childTnLst>
-                                    <p:set>
-                                      <p:cBhvr>
-                                        <p:cTn id="6" fill="hold"/>
-                                        <p:tgtEl>
-                                          <p:spTgt spid="214"/>
-                                        </p:tgtEl>
-                                        <p:attrNameLst>
-                                          <p:attrName>style.visibility</p:attrName>
-                                        </p:attrNameLst>
-                                      </p:cBhvr>
-                                      <p:to>
-                                        <p:strVal val="visible"/>
-                                      </p:to>
-                                    </p:set>
-                                  </p:childTnLst>
-                                </p:cTn>
-                              </p:par>
-                            </p:childTnLst>
-                          </p:cTn>
-                        </p:par>
-                      </p:childTnLst>
-                    </p:cTn>
-                  </p:par>
-                </p:childTnLst>
-              </p:cTn>
-              <p:prevCondLst>
-                <p:cond evt="onPrev">
-                  <p:tgtEl>
-                    <p:sldTgt/>
-                  </p:tgtEl>
-                </p:cond>
-              </p:prevCondLst>
-              <p:nextCondLst>
-                <p:cond evt="onNext">
-                  <p:tgtEl>
-                    <p:sldTgt/>
-                  </p:tgtEl>
-                </p:cond>
-              </p:nextCondLst>
-            </p:seq>
-          </p:childTnLst>
-        </p:cTn>
-      </p:par>
-    </p:tnLst>
-    <p:bldLst>
-      <p:bldP build="whole" bldLvl="1" animBg="1" rev="0" advAuto="0" spid="214" grpId="1"/>
-    </p:bldLst>
-  </p:timing>
-</p:sld>
-</file>
-
-<file path=ppt/slides/slide6.xml><?xml version="1.0" encoding="utf-8"?>
-<p:sld xmlns:a="http://schemas.openxmlformats.org/drawingml/2006/main" xmlns:r="http://schemas.openxmlformats.org/officeDocument/2006/relationships" xmlns:p="http://schemas.openxmlformats.org/presentationml/2006/main" xmlns:m="http://schemas.openxmlformats.org/officeDocument/2006/math" xmlns:a14="http://schemas.microsoft.com/office/drawing/2010/main" showMasterSp="1" showMasterPhAnim="1">
-  <p:cSld>
-    <p:spTree>
-      <p:nvGrpSpPr>
-        <p:cNvPr id="1" name=""/>
-        <p:cNvGrpSpPr/>
-        <p:nvPr/>
-      </p:nvGrpSpPr>
-      <p:grpSpPr>
-        <a:xfrm>
-          <a:off x="0" y="0"/>
-          <a:ext cx="0" cy="0"/>
-          <a:chOff x="0" y="0"/>
-          <a:chExt cx="0" cy="0"/>
-        </a:xfrm>
-      </p:grpSpPr>
-      <p:sp>
-        <p:nvSpPr>
-          <p:cNvPr id="216" name="Double-click to edit"/>
-          <p:cNvSpPr txBox="1"/>
-          <p:nvPr>
-            <p:ph type="title"/>
-          </p:nvPr>
-        </p:nvSpPr>
-        <p:spPr>
-          <a:prstGeom prst="rect">
-            <a:avLst/>
-          </a:prstGeom>
-        </p:spPr>
-        <p:txBody>
-          <a:bodyPr/>
-          <a:lstStyle/>
-          <a:p>
-            <a:pPr defTabSz="886968">
-              <a:defRPr sz="2910"/>
-            </a:pPr>
-          </a:p>
-        </p:txBody>
-      </p:sp>
-      <p:sp>
-        <p:nvSpPr>
-          <p:cNvPr id="217" name="Double-click to edit"/>
-          <p:cNvSpPr txBox="1"/>
-          <p:nvPr>
-            <p:ph type="body" idx="1"/>
-          </p:nvPr>
-        </p:nvSpPr>
-        <p:spPr>
-          <a:prstGeom prst="rect">
-            <a:avLst/>
-          </a:prstGeom>
-        </p:spPr>
-        <p:txBody>
-          <a:bodyPr/>
-          <a:lstStyle/>
-          <a:p>
-            <a:pPr/>
-          </a:p>
-        </p:txBody>
-      </p:sp>
-      <p:pic>
-        <p:nvPicPr>
-          <p:cNvPr id="218" name="Image" descr="Image"/>
-          <p:cNvPicPr>
-            <a:picLocks noChangeAspect="1"/>
-          </p:cNvPicPr>
-          <p:nvPr/>
-        </p:nvPicPr>
-        <p:blipFill>
-          <a:blip r:embed="rId3">
-            <a:extLst/>
-          </a:blip>
-          <a:stretch>
-            <a:fillRect/>
-          </a:stretch>
-        </p:blipFill>
-        <p:spPr>
-          <a:xfrm>
-            <a:off x="4886857" y="1595776"/>
-            <a:ext cx="3711043" cy="3002402"/>
-          </a:xfrm>
-          <a:prstGeom prst="rect">
-            <a:avLst/>
-          </a:prstGeom>
-          <a:ln w="12700">
-            <a:miter lim="400000"/>
-          </a:ln>
-        </p:spPr>
-      </p:pic>
-      <p:grpSp>
-        <p:nvGrpSpPr>
-          <p:cNvPr id="223" name="Google Shape;118;p19"/>
-          <p:cNvGrpSpPr/>
-          <p:nvPr/>
-        </p:nvGrpSpPr>
-        <p:grpSpPr>
-          <a:xfrm>
-            <a:off x="2119861" y="42840"/>
-            <a:ext cx="5092944" cy="745623"/>
-            <a:chOff x="-1" y="0"/>
-            <a:chExt cx="5092942" cy="745622"/>
-          </a:xfrm>
-        </p:grpSpPr>
-        <p:sp>
-          <p:nvSpPr>
-            <p:cNvPr id="219" name="Rectangle"/>
-            <p:cNvSpPr/>
-            <p:nvPr/>
-          </p:nvSpPr>
-          <p:spPr>
-            <a:xfrm>
-              <a:off x="-2" y="0"/>
-              <a:ext cx="4546963" cy="745623"/>
-            </a:xfrm>
-            <a:prstGeom prst="rect">
-              <a:avLst/>
-            </a:prstGeom>
-            <a:noFill/>
-            <a:ln w="25400" cap="flat">
-              <a:solidFill>
-                <a:schemeClr val="accent1"/>
-              </a:solidFill>
-              <a:prstDash val="solid"/>
-              <a:round/>
-            </a:ln>
-            <a:effectLst/>
-          </p:spPr>
-          <p:txBody>
-            <a:bodyPr wrap="square" lIns="0" tIns="0" rIns="0" bIns="0" numCol="1" anchor="t">
-              <a:noAutofit/>
-            </a:bodyPr>
-            <a:lstStyle/>
-            <a:p>
-              <a:pPr defTabSz="795527">
-                <a:defRPr sz="1200">
-                  <a:solidFill>
-                    <a:schemeClr val="accent5"/>
-                  </a:solidFill>
-                </a:defRPr>
-              </a:pPr>
-            </a:p>
-          </p:txBody>
-        </p:sp>
-        <p:grpSp>
-          <p:nvGrpSpPr>
-            <p:cNvPr id="222" name="Do now…"/>
-            <p:cNvGrpSpPr/>
-            <p:nvPr/>
-          </p:nvGrpSpPr>
-          <p:grpSpPr>
-            <a:xfrm>
-              <a:off x="9457" y="9458"/>
-              <a:ext cx="5083485" cy="726706"/>
-              <a:chOff x="0" y="0"/>
-              <a:chExt cx="5083483" cy="726705"/>
-            </a:xfrm>
-          </p:grpSpPr>
-          <p:sp>
-            <p:nvSpPr>
-              <p:cNvPr id="220" name="Rectangle"/>
-              <p:cNvSpPr/>
-              <p:nvPr/>
-            </p:nvSpPr>
-            <p:spPr>
-              <a:xfrm>
-                <a:off x="-1" y="-1"/>
-                <a:ext cx="5083485" cy="726707"/>
-              </a:xfrm>
-              <a:prstGeom prst="rect">
-                <a:avLst/>
-              </a:prstGeom>
-              <a:solidFill>
-                <a:srgbClr val="FFFFFF"/>
-              </a:solidFill>
-              <a:ln w="25400" cap="flat">
-                <a:solidFill>
-                  <a:schemeClr val="accent1"/>
-                </a:solidFill>
-                <a:prstDash val="solid"/>
-                <a:round/>
-              </a:ln>
-              <a:effectLst/>
-            </p:spPr>
-            <p:txBody>
-              <a:bodyPr wrap="square" lIns="0" tIns="0" rIns="0" bIns="0" numCol="1" anchor="t">
-                <a:noAutofit/>
-              </a:bodyPr>
-              <a:lstStyle/>
-              <a:p>
-                <a:pPr defTabSz="507148">
-                  <a:defRPr sz="1300">
-                    <a:solidFill>
-                      <a:schemeClr val="accent5"/>
-                    </a:solidFill>
-                  </a:defRPr>
-                </a:pPr>
-              </a:p>
-            </p:txBody>
-          </p:sp>
-          <p:sp>
-            <p:nvSpPr>
-              <p:cNvPr id="221" name="Mini-lesson…"/>
-              <p:cNvSpPr txBox="1"/>
-              <p:nvPr/>
-            </p:nvSpPr>
-            <p:spPr>
-              <a:xfrm>
-                <a:off x="12699" y="12699"/>
-                <a:ext cx="5058085" cy="701307"/>
-              </a:xfrm>
-              <a:prstGeom prst="rect">
-                <a:avLst/>
-              </a:prstGeom>
-              <a:noFill/>
-              <a:ln w="12700" cap="flat">
-                <a:noFill/>
-                <a:miter lim="400000"/>
-              </a:ln>
-              <a:effectLst/>
-              <a:extLst>
-                <a:ext uri="{C572A759-6A51-4108-AA02-DFA0A04FC94B}">
-                  <ma14:wrappingTextBoxFlag xmlns:ma14="http://schemas.microsoft.com/office/mac/drawingml/2011/main" val="1"/>
-                </a:ext>
-              </a:extLst>
-            </p:spPr>
-            <p:txBody>
-              <a:bodyPr wrap="square" lIns="91421" tIns="91421" rIns="91421" bIns="91421" numCol="1" anchor="t">
-                <a:normAutofit fontScale="100000" lnSpcReduction="0"/>
-              </a:bodyPr>
-              <a:lstStyle/>
-              <a:p>
-                <a:pPr defTabSz="507148">
-                  <a:defRPr sz="2000">
-                    <a:latin typeface="+mn-lt"/>
-                    <a:ea typeface="+mn-ea"/>
-                    <a:cs typeface="+mn-cs"/>
-                    <a:sym typeface="Arial"/>
-                  </a:defRPr>
-                </a:pPr>
-                <a:r>
-                  <a:t>Mini-lesson</a:t>
-                </a:r>
-              </a:p>
-              <a:p>
-                <a:pPr defTabSz="507148">
-                  <a:defRPr sz="1300">
-                    <a:solidFill>
-                      <a:schemeClr val="accent5"/>
-                    </a:solidFill>
-                  </a:defRPr>
-                </a:pPr>
-                <a:r>
-                  <a:t>be sure to:</a:t>
-                </a:r>
-                <a:r>
-                  <a:rPr>
-                    <a:solidFill>
-                      <a:schemeClr val="accent5">
-                        <a:lumOff val="-9843"/>
-                      </a:schemeClr>
-                    </a:solidFill>
-                  </a:rPr>
-                  <a:t> </a:t>
-                </a:r>
-                <a:r>
-                  <a:rPr>
-                    <a:solidFill>
-                      <a:schemeClr val="accent1"/>
-                    </a:solidFill>
-                  </a:rPr>
-                  <a:t>Take notes and answer questions in your </a:t>
-                </a:r>
-                <a:r>
-                  <a:rPr b="1">
-                    <a:solidFill>
-                      <a:schemeClr val="accent1"/>
-                    </a:solidFill>
-                  </a:rPr>
-                  <a:t>notebook</a:t>
-                </a:r>
-                <a:r>
-                  <a:rPr>
-                    <a:solidFill>
-                      <a:schemeClr val="accent1"/>
-                    </a:solidFill>
-                  </a:rPr>
-                  <a:t>.</a:t>
-                </a:r>
-              </a:p>
-            </p:txBody>
-          </p:sp>
-        </p:grpSp>
-      </p:grpSp>
-      <p:sp>
-        <p:nvSpPr>
-          <p:cNvPr id="224" name="Algorithm…"/>
-          <p:cNvSpPr txBox="1"/>
-          <p:nvPr/>
-        </p:nvSpPr>
-        <p:spPr>
-          <a:xfrm>
-            <a:off x="530494" y="1567298"/>
-            <a:ext cx="1929727" cy="1282701"/>
-          </a:xfrm>
-          <a:prstGeom prst="rect">
-            <a:avLst/>
-          </a:prstGeom>
-          <a:ln w="12700">
-            <a:miter lim="400000"/>
-          </a:ln>
-          <a:extLst>
-            <a:ext uri="{C572A759-6A51-4108-AA02-DFA0A04FC94B}">
-              <ma14:wrappingTextBoxFlag xmlns:ma14="http://schemas.microsoft.com/office/mac/drawingml/2011/main" val="1"/>
-            </a:ext>
-          </a:extLst>
-        </p:spPr>
-        <p:txBody>
-          <a:bodyPr lIns="0" tIns="0" rIns="0" bIns="0">
-            <a:spAutoFit/>
-          </a:bodyPr>
-          <a:lstStyle/>
-          <a:p>
-            <a:pPr>
-              <a:defRPr>
-                <a:solidFill>
-                  <a:srgbClr val="012F7B"/>
-                </a:solidFill>
-                <a:latin typeface="Helvetica Neue"/>
-                <a:ea typeface="Helvetica Neue"/>
-                <a:cs typeface="Helvetica Neue"/>
-                <a:sym typeface="Helvetica Neue"/>
-              </a:defRPr>
-            </a:pPr>
-            <a:r>
-              <a:t>Algorithm</a:t>
-            </a:r>
-          </a:p>
-          <a:p>
-            <a:pPr>
-              <a:defRPr>
-                <a:solidFill>
-                  <a:srgbClr val="FF6A00"/>
-                </a:solidFill>
-              </a:defRPr>
-            </a:pPr>
-            <a:r>
-              <a:t>A step-by-step procedure for solving a problem</a:t>
-            </a:r>
-          </a:p>
-          <a:p>
-            <a:pPr>
-              <a:defRPr b="1">
-                <a:solidFill>
-                  <a:srgbClr val="FF6A00"/>
-                </a:solidFill>
-              </a:defRPr>
-            </a:pPr>
-            <a:endParaRPr b="0"/>
-          </a:p>
-        </p:txBody>
-      </p:sp>
-    </p:spTree>
-  </p:cSld>
-  <p:clrMapOvr>
-    <a:masterClrMapping/>
-  </p:clrMapOvr>
-  <p:transition xmlns:p14="http://schemas.microsoft.com/office/powerpoint/2010/main" spd="med" advClick="1"/>
-  <p:timing>
-    <p:tnLst>
-      <p:par>
-        <p:cTn id="1" nodeType="tmRoot" restart="never" dur="indefinite" fill="hold">
-          <p:childTnLst>
-            <p:seq concurrent="1" prevAc="none" nextAc="seek">
-              <p:cTn id="2" nodeType="mainSeq" dur="indefinite" fill="hold">
-                <p:childTnLst>
-                  <p:par>
-                    <p:cTn id="3" fill="hold">
-                      <p:stCondLst>
-                        <p:cond delay="indefinite"/>
-                      </p:stCondLst>
-                      <p:childTnLst>
-                        <p:par>
-                          <p:cTn id="4" fill="hold">
-                            <p:stCondLst>
-                              <p:cond delay="0"/>
-                            </p:stCondLst>
-                            <p:childTnLst>
-                              <p:par>
-                                <p:cTn id="5" presetClass="entr" nodeType="clickEffect" presetSubtype="0" presetID="1" grpId="1" fill="hold">
-                                  <p:stCondLst>
-                                    <p:cond delay="0"/>
-                                  </p:stCondLst>
-                                  <p:iterate type="el" backwards="0">
-                                    <p:tmAbs val="0"/>
-                                  </p:iterate>
-                                  <p:childTnLst>
-                                    <p:set>
-                                      <p:cBhvr>
-                                        <p:cTn id="6" fill="hold"/>
-                                        <p:tgtEl>
-                                          <p:spTgt spid="224"/>
-                                        </p:tgtEl>
-                                        <p:attrNameLst>
-                                          <p:attrName>style.visibility</p:attrName>
-                                        </p:attrNameLst>
-                                      </p:cBhvr>
-                                      <p:to>
-                                        <p:strVal val="visible"/>
-                                      </p:to>
-                                    </p:set>
-                                  </p:childTnLst>
-                                </p:cTn>
-                              </p:par>
-                            </p:childTnLst>
-                          </p:cTn>
-                        </p:par>
-                      </p:childTnLst>
-                    </p:cTn>
-                  </p:par>
-                </p:childTnLst>
-              </p:cTn>
-              <p:prevCondLst>
-                <p:cond evt="onPrev">
-                  <p:tgtEl>
-                    <p:sldTgt/>
-                  </p:tgtEl>
-                </p:cond>
-              </p:prevCondLst>
-              <p:nextCondLst>
-                <p:cond evt="onNext">
-                  <p:tgtEl>
-                    <p:sldTgt/>
-                  </p:tgtEl>
-                </p:cond>
-              </p:nextCondLst>
-            </p:seq>
-          </p:childTnLst>
-        </p:cTn>
-      </p:par>
-    </p:tnLst>
-    <p:bldLst>
-      <p:bldP build="whole" bldLvl="1" animBg="1" rev="0" advAuto="0" spid="224" grpId="1"/>
-    </p:bldLst>
-  </p:timing>
-</p:sld>
-</file>
-
-<file path=ppt/slides/slide7.xml><?xml version="1.0" encoding="utf-8"?>
-<p:sld xmlns:a="http://schemas.openxmlformats.org/drawingml/2006/main" xmlns:r="http://schemas.openxmlformats.org/officeDocument/2006/relationships" xmlns:p="http://schemas.openxmlformats.org/presentationml/2006/main" xmlns:m="http://schemas.openxmlformats.org/officeDocument/2006/math" xmlns:a14="http://schemas.microsoft.com/office/drawing/2010/main" showMasterSp="1" showMasterPhAnim="1">
-  <p:cSld>
-    <p:spTree>
-      <p:nvGrpSpPr>
-        <p:cNvPr id="1" name=""/>
-        <p:cNvGrpSpPr/>
-        <p:nvPr/>
-      </p:nvGrpSpPr>
-      <p:grpSpPr>
-        <a:xfrm>
-          <a:off x="0" y="0"/>
-          <a:ext cx="0" cy="0"/>
-          <a:chOff x="0" y="0"/>
-          <a:chExt cx="0" cy="0"/>
-        </a:xfrm>
-      </p:grpSpPr>
-      <p:pic>
-        <p:nvPicPr>
-          <p:cNvPr id="228" name="Image" descr="Image"/>
-          <p:cNvPicPr>
-            <a:picLocks noChangeAspect="1"/>
-          </p:cNvPicPr>
-          <p:nvPr/>
-        </p:nvPicPr>
-        <p:blipFill>
-          <a:blip r:embed="rId3">
-            <a:extLst/>
-          </a:blip>
-          <a:stretch>
-            <a:fillRect/>
-          </a:stretch>
-        </p:blipFill>
-        <p:spPr>
-          <a:xfrm>
-            <a:off x="3184278" y="1713043"/>
-            <a:ext cx="4831092" cy="2119339"/>
-          </a:xfrm>
-          <a:prstGeom prst="rect">
-            <a:avLst/>
-          </a:prstGeom>
-          <a:ln w="12700">
-            <a:miter lim="400000"/>
-          </a:ln>
-        </p:spPr>
-      </p:pic>
-      <p:sp>
-        <p:nvSpPr>
-          <p:cNvPr id="229" name="Statement execution count…"/>
-          <p:cNvSpPr txBox="1"/>
-          <p:nvPr/>
-        </p:nvSpPr>
-        <p:spPr>
-          <a:xfrm>
-            <a:off x="517794" y="2029762"/>
-            <a:ext cx="1929727" cy="1485901"/>
-          </a:xfrm>
-          <a:prstGeom prst="rect">
-            <a:avLst/>
-          </a:prstGeom>
-          <a:ln w="12700">
-            <a:miter lim="400000"/>
-          </a:ln>
-          <a:extLst>
-            <a:ext uri="{C572A759-6A51-4108-AA02-DFA0A04FC94B}">
-              <ma14:wrappingTextBoxFlag xmlns:ma14="http://schemas.microsoft.com/office/mac/drawingml/2011/main" val="1"/>
-            </a:ext>
-          </a:extLst>
-        </p:spPr>
-        <p:txBody>
-          <a:bodyPr lIns="0" tIns="0" rIns="0" bIns="0">
-            <a:spAutoFit/>
-          </a:bodyPr>
-          <a:lstStyle/>
-          <a:p>
-            <a:pPr>
-              <a:defRPr>
-                <a:solidFill>
-                  <a:srgbClr val="012F7B"/>
-                </a:solidFill>
-                <a:latin typeface="Helvetica Neue"/>
-                <a:ea typeface="Helvetica Neue"/>
-                <a:cs typeface="Helvetica Neue"/>
-                <a:sym typeface="Helvetica Neue"/>
-              </a:defRPr>
-            </a:pPr>
-            <a:r>
-              <a:t>Statement execution count</a:t>
-            </a:r>
-          </a:p>
-          <a:p>
-            <a:pPr>
-              <a:defRPr>
-                <a:solidFill>
-                  <a:srgbClr val="FF6A00"/>
-                </a:solidFill>
-              </a:defRPr>
-            </a:pPr>
-            <a:r>
-              <a:t>The number of times a statement is executed by a program.</a:t>
-            </a:r>
-          </a:p>
-          <a:p>
-            <a:pPr>
-              <a:defRPr b="1">
-                <a:solidFill>
-                  <a:srgbClr val="FF6A00"/>
-                </a:solidFill>
-              </a:defRPr>
-            </a:pPr>
-            <a:endParaRPr b="0"/>
-          </a:p>
-        </p:txBody>
-      </p:sp>
-      <p:grpSp>
-        <p:nvGrpSpPr>
-          <p:cNvPr id="234" name="Google Shape;118;p19"/>
-          <p:cNvGrpSpPr/>
-          <p:nvPr/>
-        </p:nvGrpSpPr>
-        <p:grpSpPr>
-          <a:xfrm>
-            <a:off x="2119861" y="42840"/>
-            <a:ext cx="5092944" cy="745623"/>
-            <a:chOff x="-1" y="0"/>
-            <a:chExt cx="5092942" cy="745622"/>
-          </a:xfrm>
-        </p:grpSpPr>
-        <p:sp>
-          <p:nvSpPr>
-            <p:cNvPr id="230" name="Rectangle"/>
-            <p:cNvSpPr/>
-            <p:nvPr/>
-          </p:nvSpPr>
-          <p:spPr>
-            <a:xfrm>
-              <a:off x="-2" y="0"/>
-              <a:ext cx="4546963" cy="745623"/>
-            </a:xfrm>
-            <a:prstGeom prst="rect">
-              <a:avLst/>
-            </a:prstGeom>
-            <a:noFill/>
-            <a:ln w="25400" cap="flat">
-              <a:solidFill>
-                <a:schemeClr val="accent1"/>
-              </a:solidFill>
-              <a:prstDash val="solid"/>
-              <a:round/>
-            </a:ln>
-            <a:effectLst/>
-          </p:spPr>
-          <p:txBody>
-            <a:bodyPr wrap="square" lIns="0" tIns="0" rIns="0" bIns="0" numCol="1" anchor="t">
-              <a:noAutofit/>
-            </a:bodyPr>
-            <a:lstStyle/>
-            <a:p>
-              <a:pPr defTabSz="795527">
-                <a:defRPr sz="1200">
-                  <a:solidFill>
-                    <a:schemeClr val="accent5"/>
-                  </a:solidFill>
-                </a:defRPr>
-              </a:pPr>
-            </a:p>
-          </p:txBody>
-        </p:sp>
-        <p:grpSp>
-          <p:nvGrpSpPr>
-            <p:cNvPr id="233" name="Do now…"/>
-            <p:cNvGrpSpPr/>
-            <p:nvPr/>
-          </p:nvGrpSpPr>
-          <p:grpSpPr>
-            <a:xfrm>
-              <a:off x="9457" y="9458"/>
-              <a:ext cx="5083485" cy="726706"/>
-              <a:chOff x="0" y="0"/>
-              <a:chExt cx="5083483" cy="726705"/>
-            </a:xfrm>
-          </p:grpSpPr>
-          <p:sp>
-            <p:nvSpPr>
-              <p:cNvPr id="231" name="Rectangle"/>
-              <p:cNvSpPr/>
-              <p:nvPr/>
-            </p:nvSpPr>
-            <p:spPr>
-              <a:xfrm>
-                <a:off x="-1" y="-1"/>
-                <a:ext cx="5083485" cy="726707"/>
-              </a:xfrm>
-              <a:prstGeom prst="rect">
-                <a:avLst/>
-              </a:prstGeom>
-              <a:solidFill>
-                <a:srgbClr val="FFFFFF"/>
-              </a:solidFill>
-              <a:ln w="25400" cap="flat">
-                <a:solidFill>
-                  <a:schemeClr val="accent1"/>
-                </a:solidFill>
-                <a:prstDash val="solid"/>
-                <a:round/>
-              </a:ln>
-              <a:effectLst/>
-            </p:spPr>
-            <p:txBody>
-              <a:bodyPr wrap="square" lIns="0" tIns="0" rIns="0" bIns="0" numCol="1" anchor="t">
-                <a:noAutofit/>
-              </a:bodyPr>
-              <a:lstStyle/>
-              <a:p>
-                <a:pPr defTabSz="507148">
-                  <a:defRPr sz="1300">
-                    <a:solidFill>
-                      <a:schemeClr val="accent5"/>
-                    </a:solidFill>
-                  </a:defRPr>
-                </a:pPr>
-              </a:p>
-            </p:txBody>
-          </p:sp>
-          <p:sp>
-            <p:nvSpPr>
-              <p:cNvPr id="232" name="Mini-lesson…"/>
-              <p:cNvSpPr txBox="1"/>
-              <p:nvPr/>
-            </p:nvSpPr>
-            <p:spPr>
-              <a:xfrm>
-                <a:off x="12699" y="12699"/>
-                <a:ext cx="5058085" cy="701307"/>
-              </a:xfrm>
-              <a:prstGeom prst="rect">
-                <a:avLst/>
-              </a:prstGeom>
-              <a:noFill/>
-              <a:ln w="12700" cap="flat">
-                <a:noFill/>
-                <a:miter lim="400000"/>
-              </a:ln>
-              <a:effectLst/>
-              <a:extLst>
-                <a:ext uri="{C572A759-6A51-4108-AA02-DFA0A04FC94B}">
-                  <ma14:wrappingTextBoxFlag xmlns:ma14="http://schemas.microsoft.com/office/mac/drawingml/2011/main" val="1"/>
-                </a:ext>
-              </a:extLst>
-            </p:spPr>
-            <p:txBody>
-              <a:bodyPr wrap="square" lIns="91421" tIns="91421" rIns="91421" bIns="91421" numCol="1" anchor="t">
-                <a:normAutofit fontScale="100000" lnSpcReduction="0"/>
-              </a:bodyPr>
-              <a:lstStyle/>
-              <a:p>
-                <a:pPr defTabSz="507148">
-                  <a:defRPr sz="2000">
-                    <a:latin typeface="+mn-lt"/>
-                    <a:ea typeface="+mn-ea"/>
-                    <a:cs typeface="+mn-cs"/>
-                    <a:sym typeface="Arial"/>
-                  </a:defRPr>
-                </a:pPr>
-                <a:r>
-                  <a:t>Mini-lesson</a:t>
-                </a:r>
-              </a:p>
-              <a:p>
-                <a:pPr defTabSz="507148">
-                  <a:defRPr sz="1300">
-                    <a:solidFill>
-                      <a:schemeClr val="accent5"/>
-                    </a:solidFill>
-                  </a:defRPr>
-                </a:pPr>
-                <a:r>
-                  <a:t>be sure to:</a:t>
-                </a:r>
-                <a:r>
-                  <a:rPr>
-                    <a:solidFill>
-                      <a:schemeClr val="accent5">
-                        <a:lumOff val="-9843"/>
-                      </a:schemeClr>
-                    </a:solidFill>
-                  </a:rPr>
-                  <a:t> </a:t>
-                </a:r>
-                <a:r>
-                  <a:rPr>
-                    <a:solidFill>
-                      <a:schemeClr val="accent1"/>
-                    </a:solidFill>
-                  </a:rPr>
-                  <a:t>Take notes and answer questions in your </a:t>
-                </a:r>
-                <a:r>
-                  <a:rPr b="1">
-                    <a:solidFill>
-                      <a:schemeClr val="accent1"/>
-                    </a:solidFill>
-                  </a:rPr>
-                  <a:t>notebook</a:t>
-                </a:r>
-                <a:r>
-                  <a:rPr>
-                    <a:solidFill>
-                      <a:schemeClr val="accent1"/>
-                    </a:solidFill>
-                  </a:rPr>
-                  <a:t>.</a:t>
-                </a:r>
-              </a:p>
-            </p:txBody>
-          </p:sp>
-        </p:grpSp>
-      </p:grpSp>
-    </p:spTree>
-  </p:cSld>
-  <p:clrMapOvr>
-    <a:masterClrMapping/>
-  </p:clrMapOvr>
-  <p:transition xmlns:p14="http://schemas.microsoft.com/office/powerpoint/2010/main" spd="med" advClick="1"/>
-  <p:timing>
-    <p:tnLst>
-      <p:par>
-        <p:cTn id="1" nodeType="tmRoot" restart="never" dur="indefinite" fill="hold">
-          <p:childTnLst>
-            <p:seq concurrent="1" prevAc="none" nextAc="seek">
-              <p:cTn id="2" nodeType="mainSeq" dur="indefinite" fill="hold">
-                <p:childTnLst>
-                  <p:par>
-                    <p:cTn id="3" fill="hold">
-                      <p:stCondLst>
-                        <p:cond delay="indefinite"/>
-                      </p:stCondLst>
-                      <p:childTnLst>
-                        <p:par>
-                          <p:cTn id="4" fill="hold">
-                            <p:stCondLst>
-                              <p:cond delay="0"/>
-                            </p:stCondLst>
-                            <p:childTnLst>
-                              <p:par>
-                                <p:cTn id="5" presetClass="entr" nodeType="clickEffect" presetSubtype="0" presetID="1" grpId="1" fill="hold">
-                                  <p:stCondLst>
-                                    <p:cond delay="0"/>
-                                  </p:stCondLst>
-                                  <p:iterate type="el" backwards="0">
-                                    <p:tmAbs val="0"/>
-                                  </p:iterate>
-                                  <p:childTnLst>
-                                    <p:set>
-                                      <p:cBhvr>
-                                        <p:cTn id="6" fill="hold"/>
-                                        <p:tgtEl>
-                                          <p:spTgt spid="229"/>
-                                        </p:tgtEl>
-                                        <p:attrNameLst>
-                                          <p:attrName>style.visibility</p:attrName>
-                                        </p:attrNameLst>
-                                      </p:cBhvr>
-                                      <p:to>
-                                        <p:strVal val="visible"/>
-                                      </p:to>
-                                    </p:set>
-                                  </p:childTnLst>
-                                </p:cTn>
-                              </p:par>
-                            </p:childTnLst>
-                          </p:cTn>
-                        </p:par>
-                      </p:childTnLst>
-                    </p:cTn>
-                  </p:par>
-                </p:childTnLst>
-              </p:cTn>
-              <p:prevCondLst>
-                <p:cond evt="onPrev">
-                  <p:tgtEl>
-                    <p:sldTgt/>
-                  </p:tgtEl>
-                </p:cond>
-              </p:prevCondLst>
-              <p:nextCondLst>
-                <p:cond evt="onNext">
-                  <p:tgtEl>
-                    <p:sldTgt/>
-                  </p:tgtEl>
-                </p:cond>
-              </p:nextCondLst>
-            </p:seq>
-          </p:childTnLst>
-        </p:cTn>
-      </p:par>
-    </p:tnLst>
-    <p:bldLst>
-      <p:bldP build="whole" bldLvl="1" animBg="1" rev="0" advAuto="0" spid="229" grpId="1"/>
-    </p:bldLst>
-  </p:timing>
-</p:sld>
-</file>
-
-<file path=ppt/slides/slide8.xml><?xml version="1.0" encoding="utf-8"?>
-<p:sld xmlns:a="http://schemas.openxmlformats.org/drawingml/2006/main" xmlns:r="http://schemas.openxmlformats.org/officeDocument/2006/relationships" xmlns:p="http://schemas.openxmlformats.org/presentationml/2006/main" xmlns:m="http://schemas.openxmlformats.org/officeDocument/2006/math" xmlns:a14="http://schemas.microsoft.com/office/drawing/2010/main" showMasterSp="1" showMasterPhAnim="1">
-  <p:cSld>
-    <p:spTree>
-      <p:nvGrpSpPr>
-        <p:cNvPr id="1" name=""/>
-        <p:cNvGrpSpPr/>
-        <p:nvPr/>
-      </p:nvGrpSpPr>
-      <p:grpSpPr>
-        <a:xfrm>
-          <a:off x="0" y="0"/>
-          <a:ext cx="0" cy="0"/>
-          <a:chOff x="0" y="0"/>
-          <a:chExt cx="0" cy="0"/>
-        </a:xfrm>
-      </p:grpSpPr>
-      <p:sp>
-        <p:nvSpPr>
-          <p:cNvPr id="238" name="Double-click to edit"/>
-          <p:cNvSpPr txBox="1"/>
-          <p:nvPr>
-            <p:ph type="title"/>
-          </p:nvPr>
-        </p:nvSpPr>
-        <p:spPr>
-          <a:prstGeom prst="rect">
-            <a:avLst/>
-          </a:prstGeom>
-        </p:spPr>
-        <p:txBody>
-          <a:bodyPr/>
-          <a:lstStyle/>
-          <a:p>
-            <a:pPr defTabSz="886968">
-              <a:defRPr sz="2910"/>
-            </a:pPr>
-          </a:p>
-        </p:txBody>
-      </p:sp>
-      <p:sp>
-        <p:nvSpPr>
-          <p:cNvPr id="239" name="Double-click to edit"/>
-          <p:cNvSpPr txBox="1"/>
-          <p:nvPr>
-            <p:ph type="body" idx="1"/>
-          </p:nvPr>
-        </p:nvSpPr>
-        <p:spPr>
-          <a:prstGeom prst="rect">
-            <a:avLst/>
-          </a:prstGeom>
-        </p:spPr>
-        <p:txBody>
-          <a:bodyPr/>
-          <a:lstStyle/>
-          <a:p>
-            <a:pPr/>
-          </a:p>
-        </p:txBody>
-      </p:sp>
-      <p:pic>
-        <p:nvPicPr>
-          <p:cNvPr id="240" name="Image" descr="Image"/>
-          <p:cNvPicPr>
-            <a:picLocks noChangeAspect="1"/>
-          </p:cNvPicPr>
-          <p:nvPr/>
-        </p:nvPicPr>
-        <p:blipFill>
-          <a:blip r:embed="rId3">
-            <a:extLst/>
-          </a:blip>
-          <a:stretch>
-            <a:fillRect/>
-          </a:stretch>
-        </p:blipFill>
-        <p:spPr>
-          <a:xfrm>
-            <a:off x="186782" y="2041567"/>
-            <a:ext cx="4131218" cy="1477835"/>
-          </a:xfrm>
-          <a:prstGeom prst="rect">
-            <a:avLst/>
-          </a:prstGeom>
-          <a:ln w="25400">
-            <a:solidFill>
-              <a:schemeClr val="accent1"/>
-            </a:solidFill>
-          </a:ln>
-        </p:spPr>
-      </p:pic>
-      <p:pic>
-        <p:nvPicPr>
-          <p:cNvPr id="241" name="Image" descr="Image"/>
-          <p:cNvPicPr>
-            <a:picLocks noChangeAspect="1"/>
-          </p:cNvPicPr>
-          <p:nvPr/>
-        </p:nvPicPr>
-        <p:blipFill>
-          <a:blip r:embed="rId4">
-            <a:extLst/>
-          </a:blip>
-          <a:srcRect l="1778" t="0" r="0" b="0"/>
-          <a:stretch>
-            <a:fillRect/>
-          </a:stretch>
-        </p:blipFill>
-        <p:spPr>
-          <a:xfrm>
-            <a:off x="4720309" y="1977804"/>
-            <a:ext cx="4132110" cy="1605356"/>
-          </a:xfrm>
-          <a:prstGeom prst="rect">
-            <a:avLst/>
-          </a:prstGeom>
-          <a:ln w="25400">
-            <a:solidFill>
-              <a:schemeClr val="accent1"/>
-            </a:solidFill>
-          </a:ln>
-        </p:spPr>
-      </p:pic>
-      <p:grpSp>
-        <p:nvGrpSpPr>
-          <p:cNvPr id="246" name="Google Shape;118;p19"/>
-          <p:cNvGrpSpPr/>
-          <p:nvPr/>
-        </p:nvGrpSpPr>
-        <p:grpSpPr>
-          <a:xfrm>
-            <a:off x="2119861" y="42840"/>
-            <a:ext cx="5092944" cy="745623"/>
-            <a:chOff x="-1" y="0"/>
-            <a:chExt cx="5092942" cy="745622"/>
-          </a:xfrm>
-        </p:grpSpPr>
-        <p:sp>
-          <p:nvSpPr>
-            <p:cNvPr id="242" name="Rectangle"/>
-            <p:cNvSpPr/>
-            <p:nvPr/>
-          </p:nvSpPr>
-          <p:spPr>
-            <a:xfrm>
-              <a:off x="-2" y="0"/>
-              <a:ext cx="4546963" cy="745623"/>
-            </a:xfrm>
-            <a:prstGeom prst="rect">
-              <a:avLst/>
-            </a:prstGeom>
-            <a:noFill/>
-            <a:ln w="25400" cap="flat">
-              <a:solidFill>
-                <a:schemeClr val="accent1"/>
-              </a:solidFill>
-              <a:prstDash val="solid"/>
-              <a:round/>
-            </a:ln>
-            <a:effectLst/>
-          </p:spPr>
-          <p:txBody>
-            <a:bodyPr wrap="square" lIns="0" tIns="0" rIns="0" bIns="0" numCol="1" anchor="t">
-              <a:noAutofit/>
-            </a:bodyPr>
-            <a:lstStyle/>
-            <a:p>
-              <a:pPr defTabSz="795527">
-                <a:defRPr sz="1200">
-                  <a:solidFill>
-                    <a:schemeClr val="accent5"/>
-                  </a:solidFill>
-                </a:defRPr>
-              </a:pPr>
-            </a:p>
-          </p:txBody>
-        </p:sp>
-        <p:grpSp>
-          <p:nvGrpSpPr>
-            <p:cNvPr id="245" name="Do now…"/>
-            <p:cNvGrpSpPr/>
-            <p:nvPr/>
-          </p:nvGrpSpPr>
-          <p:grpSpPr>
-            <a:xfrm>
-              <a:off x="9457" y="9458"/>
-              <a:ext cx="5083485" cy="726706"/>
-              <a:chOff x="0" y="0"/>
-              <a:chExt cx="5083483" cy="726705"/>
-            </a:xfrm>
-          </p:grpSpPr>
-          <p:sp>
-            <p:nvSpPr>
-              <p:cNvPr id="243" name="Rectangle"/>
-              <p:cNvSpPr/>
-              <p:nvPr/>
-            </p:nvSpPr>
-            <p:spPr>
-              <a:xfrm>
-                <a:off x="-1" y="-1"/>
-                <a:ext cx="5083485" cy="726707"/>
-              </a:xfrm>
-              <a:prstGeom prst="rect">
-                <a:avLst/>
-              </a:prstGeom>
-              <a:solidFill>
-                <a:srgbClr val="FFFFFF"/>
-              </a:solidFill>
-              <a:ln w="25400" cap="flat">
-                <a:solidFill>
-                  <a:schemeClr val="accent1"/>
-                </a:solidFill>
-                <a:prstDash val="solid"/>
-                <a:round/>
-              </a:ln>
-              <a:effectLst/>
-            </p:spPr>
-            <p:txBody>
-              <a:bodyPr wrap="square" lIns="0" tIns="0" rIns="0" bIns="0" numCol="1" anchor="t">
-                <a:noAutofit/>
-              </a:bodyPr>
-              <a:lstStyle/>
-              <a:p>
-                <a:pPr defTabSz="507148">
-                  <a:defRPr sz="1300">
-                    <a:solidFill>
-                      <a:schemeClr val="accent5"/>
-                    </a:solidFill>
-                  </a:defRPr>
-                </a:pPr>
-              </a:p>
-            </p:txBody>
-          </p:sp>
-          <p:sp>
-            <p:nvSpPr>
-              <p:cNvPr id="244" name="Mini-lesson…"/>
-              <p:cNvSpPr txBox="1"/>
-              <p:nvPr/>
-            </p:nvSpPr>
-            <p:spPr>
-              <a:xfrm>
-                <a:off x="12699" y="12699"/>
-                <a:ext cx="5058085" cy="701307"/>
-              </a:xfrm>
-              <a:prstGeom prst="rect">
-                <a:avLst/>
-              </a:prstGeom>
-              <a:noFill/>
-              <a:ln w="12700" cap="flat">
-                <a:noFill/>
-                <a:miter lim="400000"/>
-              </a:ln>
-              <a:effectLst/>
-              <a:extLst>
-                <a:ext uri="{C572A759-6A51-4108-AA02-DFA0A04FC94B}">
-                  <ma14:wrappingTextBoxFlag xmlns:ma14="http://schemas.microsoft.com/office/mac/drawingml/2011/main" val="1"/>
-                </a:ext>
-              </a:extLst>
-            </p:spPr>
-            <p:txBody>
-              <a:bodyPr wrap="square" lIns="91421" tIns="91421" rIns="91421" bIns="91421" numCol="1" anchor="t">
-                <a:normAutofit fontScale="100000" lnSpcReduction="0"/>
-              </a:bodyPr>
-              <a:lstStyle/>
-              <a:p>
-                <a:pPr defTabSz="507148">
-                  <a:defRPr sz="2000">
-                    <a:latin typeface="+mn-lt"/>
-                    <a:ea typeface="+mn-ea"/>
-                    <a:cs typeface="+mn-cs"/>
-                    <a:sym typeface="Arial"/>
-                  </a:defRPr>
-                </a:pPr>
-                <a:r>
-                  <a:t>Mini-lesson</a:t>
-                </a:r>
-              </a:p>
-              <a:p>
-                <a:pPr defTabSz="507148">
-                  <a:defRPr sz="1300">
-                    <a:solidFill>
-                      <a:schemeClr val="accent5"/>
-                    </a:solidFill>
-                  </a:defRPr>
-                </a:pPr>
-                <a:r>
-                  <a:t>be sure to:</a:t>
-                </a:r>
-                <a:r>
-                  <a:rPr>
-                    <a:solidFill>
-                      <a:schemeClr val="accent5">
-                        <a:lumOff val="-9843"/>
-                      </a:schemeClr>
-                    </a:solidFill>
-                  </a:rPr>
-                  <a:t> </a:t>
-                </a:r>
-                <a:r>
-                  <a:rPr>
-                    <a:solidFill>
-                      <a:schemeClr val="accent1"/>
-                    </a:solidFill>
-                  </a:rPr>
-                  <a:t>Take notes and answer questions in your </a:t>
-                </a:r>
-                <a:r>
-                  <a:rPr b="1">
-                    <a:solidFill>
-                      <a:schemeClr val="accent1"/>
-                    </a:solidFill>
-                  </a:rPr>
-                  <a:t>notebook</a:t>
-                </a:r>
-                <a:r>
-                  <a:rPr>
-                    <a:solidFill>
-                      <a:schemeClr val="accent1"/>
-                    </a:solidFill>
-                  </a:rPr>
-                  <a:t>.</a:t>
-                </a:r>
-              </a:p>
-            </p:txBody>
-          </p:sp>
-        </p:grpSp>
-      </p:grpSp>
-    </p:spTree>
-  </p:cSld>
-  <p:clrMapOvr>
-    <a:masterClrMapping/>
-  </p:clrMapOvr>
-  <p:transition xmlns:p14="http://schemas.microsoft.com/office/powerpoint/2010/main" spd="med" advClick="1"/>
-  <p:timing>
-    <p:tnLst>
-      <p:par>
-        <p:cTn id="1" nodeType="tmRoot" restart="never" dur="indefinite" fill="hold">
-          <p:childTnLst>
-            <p:seq concurrent="1" prevAc="none" nextAc="seek">
-              <p:cTn id="2" nodeType="mainSeq" dur="indefinite" fill="hold">
-                <p:childTnLst>
-                  <p:par>
-                    <p:cTn id="3" fill="hold">
-                      <p:stCondLst>
-                        <p:cond delay="indefinite"/>
-                      </p:stCondLst>
-                      <p:childTnLst>
-                        <p:par>
-                          <p:cTn id="4" fill="hold">
-                            <p:stCondLst>
-                              <p:cond delay="0"/>
-                            </p:stCondLst>
-                            <p:childTnLst>
-                              <p:par>
-                                <p:cTn id="5" presetClass="entr" nodeType="clickEffect" presetSubtype="0" presetID="1" grpId="1" fill="hold">
-                                  <p:stCondLst>
-                                    <p:cond delay="0"/>
-                                  </p:stCondLst>
-                                  <p:iterate type="el" backwards="0">
-                                    <p:tmAbs val="0"/>
-                                  </p:iterate>
-                                  <p:childTnLst>
-                                    <p:set>
-                                      <p:cBhvr>
-                                        <p:cTn id="6" fill="hold"/>
-                                        <p:tgtEl>
-                                          <p:spTgt spid="240"/>
-                                        </p:tgtEl>
-                                        <p:attrNameLst>
-                                          <p:attrName>style.visibility</p:attrName>
-                                        </p:attrNameLst>
-                                      </p:cBhvr>
-                                      <p:to>
-                                        <p:strVal val="visible"/>
-                                      </p:to>
-                                    </p:set>
-                                  </p:childTnLst>
-                                </p:cTn>
-                              </p:par>
-                            </p:childTnLst>
-                          </p:cTn>
-                        </p:par>
-                      </p:childTnLst>
-                    </p:cTn>
-                  </p:par>
-                  <p:par>
-                    <p:cTn id="7" fill="hold">
-                      <p:stCondLst>
-                        <p:cond delay="indefinite"/>
-                      </p:stCondLst>
-                      <p:childTnLst>
-                        <p:par>
-                          <p:cTn id="8" fill="hold">
-                            <p:stCondLst>
-                              <p:cond delay="0"/>
-                            </p:stCondLst>
-                            <p:childTnLst>
-                              <p:par>
-                                <p:cTn id="9" presetClass="entr" nodeType="clickEffect" presetSubtype="0" presetID="1" grpId="2" fill="hold">
-                                  <p:stCondLst>
-                                    <p:cond delay="0"/>
-                                  </p:stCondLst>
-                                  <p:iterate type="el" backwards="0">
-                                    <p:tmAbs val="0"/>
-                                  </p:iterate>
-                                  <p:childTnLst>
-                                    <p:set>
-                                      <p:cBhvr>
-                                        <p:cTn id="10" fill="hold"/>
-                                        <p:tgtEl>
-                                          <p:spTgt spid="241"/>
-                                        </p:tgtEl>
-                                        <p:attrNameLst>
-                                          <p:attrName>style.visibility</p:attrName>
-                                        </p:attrNameLst>
-                                      </p:cBhvr>
-                                      <p:to>
-                                        <p:strVal val="visible"/>
-                                      </p:to>
-                                    </p:set>
-                                  </p:childTnLst>
-                                </p:cTn>
-                              </p:par>
-                            </p:childTnLst>
-                          </p:cTn>
-                        </p:par>
-                      </p:childTnLst>
-                    </p:cTn>
-                  </p:par>
-                </p:childTnLst>
-              </p:cTn>
-              <p:prevCondLst>
-                <p:cond evt="onPrev">
-                  <p:tgtEl>
-                    <p:sldTgt/>
-                  </p:tgtEl>
-                </p:cond>
-              </p:prevCondLst>
-              <p:nextCondLst>
-                <p:cond evt="onNext">
-                  <p:tgtEl>
-                    <p:sldTgt/>
-                  </p:tgtEl>
-                </p:cond>
-              </p:nextCondLst>
-            </p:seq>
-          </p:childTnLst>
-        </p:cTn>
-      </p:par>
-    </p:tnLst>
-    <p:bldLst>
-      <p:bldP build="whole" bldLvl="1" animBg="1" rev="0" advAuto="0" spid="241" grpId="2"/>
-      <p:bldP build="whole" bldLvl="1" animBg="1" rev="0" advAuto="0" spid="240" grpId="1"/>
-    </p:bldLst>
-  </p:timing>
-</p:sld>
-</file>
-
-<file path=ppt/slides/slide9.xml><?xml version="1.0" encoding="utf-8"?>
-<p:sld xmlns:a="http://schemas.openxmlformats.org/drawingml/2006/main" xmlns:r="http://schemas.openxmlformats.org/officeDocument/2006/relationships" xmlns:p="http://schemas.openxmlformats.org/presentationml/2006/main" xmlns:m="http://schemas.openxmlformats.org/officeDocument/2006/math" xmlns:a14="http://schemas.microsoft.com/office/drawing/2010/main" showMasterSp="1" showMasterPhAnim="1">
-  <p:cSld>
-    <p:spTree>
-      <p:nvGrpSpPr>
-        <p:cNvPr id="1" name=""/>
-        <p:cNvGrpSpPr/>
-        <p:nvPr/>
-      </p:nvGrpSpPr>
-      <p:grpSpPr>
-        <a:xfrm>
-          <a:off x="0" y="0"/>
-          <a:ext cx="0" cy="0"/>
-          <a:chOff x="0" y="0"/>
-          <a:chExt cx="0" cy="0"/>
-        </a:xfrm>
-      </p:grpSpPr>
-      <p:sp>
-        <p:nvSpPr>
-          <p:cNvPr id="250" name="Double-click to edit"/>
-          <p:cNvSpPr txBox="1"/>
-          <p:nvPr>
-            <p:ph type="title"/>
-          </p:nvPr>
-        </p:nvSpPr>
-        <p:spPr>
-          <a:prstGeom prst="rect">
-            <a:avLst/>
-          </a:prstGeom>
-        </p:spPr>
-        <p:txBody>
-          <a:bodyPr/>
-          <a:lstStyle/>
-          <a:p>
-            <a:pPr defTabSz="886968">
-              <a:defRPr sz="2910"/>
-            </a:pPr>
-          </a:p>
-        </p:txBody>
-      </p:sp>
-      <p:pic>
-        <p:nvPicPr>
-          <p:cNvPr id="251" name="Image" descr="Image"/>
-          <p:cNvPicPr>
-            <a:picLocks noChangeAspect="1"/>
-          </p:cNvPicPr>
-          <p:nvPr/>
-        </p:nvPicPr>
-        <p:blipFill>
-          <a:blip r:embed="rId3">
-            <a:extLst/>
-          </a:blip>
-          <a:stretch>
-            <a:fillRect/>
-          </a:stretch>
-        </p:blipFill>
-        <p:spPr>
-          <a:xfrm>
-            <a:off x="1731036" y="1489286"/>
-            <a:ext cx="7324064" cy="2790614"/>
-          </a:xfrm>
-          <a:prstGeom prst="rect">
-            <a:avLst/>
-          </a:prstGeom>
-          <a:ln w="12700">
-            <a:miter lim="400000"/>
-          </a:ln>
-        </p:spPr>
-      </p:pic>
-      <p:grpSp>
-        <p:nvGrpSpPr>
-          <p:cNvPr id="256" name="Google Shape;118;p19"/>
-          <p:cNvGrpSpPr/>
-          <p:nvPr/>
-        </p:nvGrpSpPr>
-        <p:grpSpPr>
-          <a:xfrm>
-            <a:off x="2119861" y="42840"/>
-            <a:ext cx="5092944" cy="745623"/>
-            <a:chOff x="-1" y="0"/>
-            <a:chExt cx="5092942" cy="745622"/>
-          </a:xfrm>
-        </p:grpSpPr>
-        <p:sp>
-          <p:nvSpPr>
-            <p:cNvPr id="252" name="Rectangle"/>
-            <p:cNvSpPr/>
-            <p:nvPr/>
-          </p:nvSpPr>
-          <p:spPr>
-            <a:xfrm>
-              <a:off x="-2" y="0"/>
-              <a:ext cx="4546963" cy="745623"/>
-            </a:xfrm>
-            <a:prstGeom prst="rect">
-              <a:avLst/>
-            </a:prstGeom>
-            <a:noFill/>
-            <a:ln w="25400" cap="flat">
-              <a:solidFill>
-                <a:schemeClr val="accent1"/>
-              </a:solidFill>
-              <a:prstDash val="solid"/>
-              <a:round/>
-            </a:ln>
-            <a:effectLst/>
-          </p:spPr>
-          <p:txBody>
-            <a:bodyPr wrap="square" lIns="0" tIns="0" rIns="0" bIns="0" numCol="1" anchor="t">
-              <a:noAutofit/>
-            </a:bodyPr>
-            <a:lstStyle/>
-            <a:p>
-              <a:pPr defTabSz="795527">
-                <a:defRPr sz="1200">
-                  <a:solidFill>
-                    <a:schemeClr val="accent5"/>
-                  </a:solidFill>
-                </a:defRPr>
-              </a:pPr>
-            </a:p>
-          </p:txBody>
-        </p:sp>
-        <p:grpSp>
-          <p:nvGrpSpPr>
-            <p:cNvPr id="255" name="Do now…"/>
-            <p:cNvGrpSpPr/>
-            <p:nvPr/>
-          </p:nvGrpSpPr>
-          <p:grpSpPr>
-            <a:xfrm>
-              <a:off x="9457" y="9458"/>
-              <a:ext cx="5083485" cy="726706"/>
-              <a:chOff x="0" y="0"/>
-              <a:chExt cx="5083483" cy="726705"/>
-            </a:xfrm>
-          </p:grpSpPr>
-          <p:sp>
-            <p:nvSpPr>
-              <p:cNvPr id="253" name="Rectangle"/>
-              <p:cNvSpPr/>
-              <p:nvPr/>
-            </p:nvSpPr>
-            <p:spPr>
-              <a:xfrm>
-                <a:off x="-1" y="-1"/>
-                <a:ext cx="5083485" cy="726707"/>
-              </a:xfrm>
-              <a:prstGeom prst="rect">
-                <a:avLst/>
-              </a:prstGeom>
-              <a:solidFill>
-                <a:srgbClr val="FFFFFF"/>
-              </a:solidFill>
-              <a:ln w="25400" cap="flat">
-                <a:solidFill>
-                  <a:schemeClr val="accent1"/>
-                </a:solidFill>
-                <a:prstDash val="solid"/>
-                <a:round/>
-              </a:ln>
-              <a:effectLst/>
-            </p:spPr>
-            <p:txBody>
-              <a:bodyPr wrap="square" lIns="0" tIns="0" rIns="0" bIns="0" numCol="1" anchor="t">
-                <a:noAutofit/>
-              </a:bodyPr>
-              <a:lstStyle/>
-              <a:p>
-                <a:pPr defTabSz="507148">
-                  <a:defRPr sz="1300">
-                    <a:solidFill>
-                      <a:schemeClr val="accent5"/>
-                    </a:solidFill>
-                  </a:defRPr>
-                </a:pPr>
-              </a:p>
-            </p:txBody>
-          </p:sp>
-          <p:sp>
-            <p:nvSpPr>
-              <p:cNvPr id="254" name="Practice problem #1…"/>
-              <p:cNvSpPr txBox="1"/>
-              <p:nvPr/>
-            </p:nvSpPr>
-            <p:spPr>
-              <a:xfrm>
-                <a:off x="12699" y="12699"/>
-                <a:ext cx="5058085" cy="701307"/>
-              </a:xfrm>
-              <a:prstGeom prst="rect">
-                <a:avLst/>
-              </a:prstGeom>
-              <a:noFill/>
-              <a:ln w="12700" cap="flat">
-                <a:noFill/>
-                <a:miter lim="400000"/>
-              </a:ln>
-              <a:effectLst/>
-              <a:extLst>
-                <a:ext uri="{C572A759-6A51-4108-AA02-DFA0A04FC94B}">
-                  <ma14:wrappingTextBoxFlag xmlns:ma14="http://schemas.microsoft.com/office/mac/drawingml/2011/main" val="1"/>
-                </a:ext>
-              </a:extLst>
-            </p:spPr>
-            <p:txBody>
-              <a:bodyPr wrap="square" lIns="91421" tIns="91421" rIns="91421" bIns="91421" numCol="1" anchor="t">
-                <a:normAutofit fontScale="100000" lnSpcReduction="0"/>
-              </a:bodyPr>
-              <a:lstStyle/>
-              <a:p>
-                <a:pPr defTabSz="507148">
-                  <a:defRPr sz="2000">
-                    <a:latin typeface="+mn-lt"/>
-                    <a:ea typeface="+mn-ea"/>
-                    <a:cs typeface="+mn-cs"/>
-                    <a:sym typeface="Arial"/>
-                  </a:defRPr>
-                </a:pPr>
-                <a:r>
-                  <a:t>Practice problem #1</a:t>
-                </a:r>
-              </a:p>
-              <a:p>
-                <a:pPr defTabSz="507148">
-                  <a:defRPr sz="1300">
-                    <a:solidFill>
-                      <a:schemeClr val="accent5"/>
-                    </a:solidFill>
-                  </a:defRPr>
-                </a:pPr>
-                <a:r>
-                  <a:t>be sure to:</a:t>
-                </a:r>
-                <a:r>
-                  <a:rPr>
-                    <a:solidFill>
-                      <a:schemeClr val="accent5">
-                        <a:lumOff val="-9843"/>
-                      </a:schemeClr>
-                    </a:solidFill>
-                  </a:rPr>
-                  <a:t> </a:t>
-                </a:r>
-                <a:r>
-                  <a:rPr>
-                    <a:solidFill>
-                      <a:schemeClr val="accent1"/>
-                    </a:solidFill>
-                  </a:rPr>
-                  <a:t>Take notes and answer questions in your </a:t>
-                </a:r>
-                <a:r>
-                  <a:rPr b="1">
-                    <a:solidFill>
-                      <a:schemeClr val="accent1"/>
-                    </a:solidFill>
-                  </a:rPr>
-                  <a:t>notebook</a:t>
-                </a:r>
-                <a:r>
-                  <a:rPr>
-                    <a:solidFill>
-                      <a:schemeClr val="accent1"/>
-                    </a:solidFill>
-                  </a:rPr>
-                  <a:t>.</a:t>
-                </a:r>
-              </a:p>
-            </p:txBody>
-          </p:sp>
-        </p:grpSp>
-      </p:grpSp>
-    </p:spTree>
-  </p:cSld>
-  <p:clrMapOvr>
-    <a:masterClrMapping/>
-  </p:clrMapOvr>
-  <p:transition xmlns:p14="http://schemas.microsoft.com/office/powerpoint/2010/main" spd="med" advClick="1"/>
 </p:sld>
 </file>
 
@@ -11412,14 +7361,14 @@
     </a:clrScheme>
     <a:fontScheme name="Swiss">
       <a:majorFont>
+        <a:latin typeface="Arial"/>
+        <a:ea typeface="Arial"/>
+        <a:cs typeface="Arial"/>
+      </a:majorFont>
+      <a:minorFont>
         <a:latin typeface="Helvetica"/>
         <a:ea typeface="Helvetica"/>
         <a:cs typeface="Helvetica"/>
-      </a:majorFont>
-      <a:minorFont>
-        <a:latin typeface="Arial"/>
-        <a:ea typeface="Arial"/>
-        <a:cs typeface="Arial"/>
       </a:minorFont>
     </a:fontScheme>
     <a:fmtScheme name="Swiss">
@@ -11603,7 +7552,7 @@
             <a:latin typeface="+mj-lt"/>
             <a:ea typeface="+mj-ea"/>
             <a:cs typeface="+mj-cs"/>
-            <a:sym typeface="Helvetica"/>
+            <a:sym typeface="Arial"/>
           </a:defRPr>
         </a:defPPr>
         <a:lvl1pPr marL="0" marR="0" indent="0" algn="l" defTabSz="914400" rtl="0" fontAlgn="auto" latinLnBrk="1" hangingPunct="0">
@@ -12174,7 +8123,7 @@
             <a:latin typeface="+mj-lt"/>
             <a:ea typeface="+mj-ea"/>
             <a:cs typeface="+mj-cs"/>
-            <a:sym typeface="Helvetica"/>
+            <a:sym typeface="Arial"/>
           </a:defRPr>
         </a:defPPr>
         <a:lvl1pPr marL="0" marR="0" indent="0" algn="l" defTabSz="914400" rtl="0" fontAlgn="auto" latinLnBrk="1" hangingPunct="0">
@@ -12466,14 +8415,14 @@
     </a:clrScheme>
     <a:fontScheme name="Swiss">
       <a:majorFont>
+        <a:latin typeface="Arial"/>
+        <a:ea typeface="Arial"/>
+        <a:cs typeface="Arial"/>
+      </a:majorFont>
+      <a:minorFont>
         <a:latin typeface="Helvetica"/>
         <a:ea typeface="Helvetica"/>
         <a:cs typeface="Helvetica"/>
-      </a:majorFont>
-      <a:minorFont>
-        <a:latin typeface="Arial"/>
-        <a:ea typeface="Arial"/>
-        <a:cs typeface="Arial"/>
       </a:minorFont>
     </a:fontScheme>
     <a:fmtScheme name="Swiss">
@@ -12657,7 +8606,7 @@
             <a:latin typeface="+mj-lt"/>
             <a:ea typeface="+mj-ea"/>
             <a:cs typeface="+mj-cs"/>
-            <a:sym typeface="Helvetica"/>
+            <a:sym typeface="Arial"/>
           </a:defRPr>
         </a:defPPr>
         <a:lvl1pPr marL="0" marR="0" indent="0" algn="l" defTabSz="914400" rtl="0" fontAlgn="auto" latinLnBrk="1" hangingPunct="0">
@@ -13228,7 +9177,7 @@
             <a:latin typeface="+mj-lt"/>
             <a:ea typeface="+mj-ea"/>
             <a:cs typeface="+mj-cs"/>
-            <a:sym typeface="Helvetica"/>
+            <a:sym typeface="Arial"/>
           </a:defRPr>
         </a:defPPr>
         <a:lvl1pPr marL="0" marR="0" indent="0" algn="l" defTabSz="914400" rtl="0" fontAlgn="auto" latinLnBrk="1" hangingPunct="0">
